--- a/beginner/Golang beginner workshop.pptx
+++ b/beginner/Golang beginner workshop.pptx
@@ -3193,11 +3193,7 @@
           <a:p>
             <a:r>
               <a:rPr lang="en-US" dirty="0" smtClean="0"/>
-              <a:t>Chetan </a:t>
-            </a:r>
-            <a:r>
-              <a:rPr lang="en-US" dirty="0" smtClean="0"/>
-              <a:t>Sachdev</a:t>
+              <a:t>Chetan Sachdev</a:t>
             </a:r>
           </a:p>
           <a:p>
@@ -10140,7 +10136,6 @@
               <a:rPr lang="en-US" dirty="0"/>
               <a:t>05.1-multipleassignment.go</a:t>
             </a:r>
-            <a:endParaRPr lang="en-US" dirty="0"/>
           </a:p>
         </p:txBody>
       </p:sp>
@@ -14364,7 +14359,6 @@
               <a:rPr lang="en-US" dirty="0"/>
               <a:t>07-goroutines.go</a:t>
             </a:r>
-            <a:endParaRPr lang="en-US" dirty="0"/>
           </a:p>
         </p:txBody>
       </p:sp>
@@ -14794,11 +14788,7 @@
             </a:pPr>
             <a:r>
               <a:rPr lang="en-US" dirty="0" err="1" smtClean="0"/>
-              <a:t>m</a:t>
-            </a:r>
-            <a:r>
-              <a:rPr lang="en-US" dirty="0" err="1" smtClean="0"/>
-              <a:t>yJob</a:t>
+              <a:t>myJob</a:t>
             </a:r>
             <a:r>
               <a:rPr lang="en-US" dirty="0" smtClean="0"/>
@@ -15191,11 +15181,7 @@
           <a:p>
             <a:r>
               <a:rPr lang="en-US" dirty="0" smtClean="0"/>
-              <a:t>Evolution </a:t>
-            </a:r>
-            <a:r>
-              <a:rPr lang="en-US" dirty="0" smtClean="0"/>
-              <a:t>of Go</a:t>
+              <a:t>Evolution of Go</a:t>
             </a:r>
             <a:endParaRPr lang="en-US" dirty="0"/>
           </a:p>
@@ -15362,11 +15348,7 @@
             </a:pPr>
             <a:r>
               <a:rPr lang="en-US" sz="1400" dirty="0" smtClean="0"/>
-              <a:t>and </a:t>
-            </a:r>
-            <a:r>
-              <a:rPr lang="en-US" sz="1400" dirty="0" smtClean="0"/>
-              <a:t>Read </a:t>
+              <a:t>and Read </a:t>
             </a:r>
             <a:r>
               <a:rPr lang="en-US" sz="1400" dirty="0"/>
@@ -15374,11 +15356,7 @@
             </a:r>
             <a:r>
               <a:rPr lang="en-US" sz="1400" dirty="0" smtClean="0"/>
-              <a:t>paper. CSP stands for </a:t>
-            </a:r>
-            <a:r>
-              <a:rPr lang="en-US" sz="1400" dirty="0" smtClean="0"/>
-              <a:t>Communicating </a:t>
+              <a:t>paper. CSP stands for Communicating </a:t>
             </a:r>
             <a:r>
               <a:rPr lang="en-US" sz="1400" dirty="0"/>
@@ -15403,7 +15381,6 @@
               <a:rPr lang="en-US" sz="1400" dirty="0" smtClean="0"/>
               <a:t> </a:t>
             </a:r>
-            <a:endParaRPr lang="en-US" sz="1400" dirty="0" smtClean="0"/>
           </a:p>
           <a:p>
             <a:pPr marL="0" indent="0">
@@ -15777,17 +15754,24 @@
               </a:rPr>
             </a:br>
             <a:r>
-              <a:rPr lang="en-US" dirty="0" err="1" smtClean="0">
-                <a:effectLst/>
-              </a:rPr>
-              <a:t>github</a:t>
+              <a:rPr lang="en-US" dirty="0">
+                <a:hlinkClick r:id="rId4"/>
+              </a:rPr>
+              <a:t>https://github.com/cksachdev/golang-presentations/tree/master/</a:t>
             </a:r>
             <a:r>
               <a:rPr lang="en-US" dirty="0" smtClean="0">
-                <a:effectLst/>
-              </a:rPr>
-              <a:t> link here..</a:t>
-            </a:r>
+                <a:hlinkClick r:id="rId4"/>
+              </a:rPr>
+              <a:t>beginner</a:t>
+            </a:r>
+            <a:r>
+              <a:rPr lang="en-US" dirty="0" smtClean="0"/>
+              <a:t> </a:t>
+            </a:r>
+            <a:endParaRPr lang="en-US" dirty="0" smtClean="0">
+              <a:effectLst/>
+            </a:endParaRPr>
           </a:p>
           <a:p>
             <a:r>
@@ -15984,11 +15968,7 @@
           <a:p>
             <a:r>
               <a:rPr lang="en-US" dirty="0" smtClean="0"/>
-              <a:t>01-helloworld</a:t>
-            </a:r>
-            <a:r>
-              <a:rPr lang="en-US" dirty="0" smtClean="0"/>
-              <a:t>.go</a:t>
+              <a:t>01-helloworld.go</a:t>
             </a:r>
             <a:endParaRPr lang="en-US" dirty="0"/>
           </a:p>

--- a/beginner/Golang beginner workshop.pptx
+++ b/beginner/Golang beginner workshop.pptx
@@ -7,25 +7,26 @@
   <p:sldIdLst>
     <p:sldId id="256" r:id="rId2"/>
     <p:sldId id="263" r:id="rId3"/>
-    <p:sldId id="264" r:id="rId4"/>
-    <p:sldId id="259" r:id="rId5"/>
-    <p:sldId id="261" r:id="rId6"/>
-    <p:sldId id="262" r:id="rId7"/>
-    <p:sldId id="265" r:id="rId8"/>
-    <p:sldId id="266" r:id="rId9"/>
-    <p:sldId id="267" r:id="rId10"/>
-    <p:sldId id="268" r:id="rId11"/>
-    <p:sldId id="274" r:id="rId12"/>
-    <p:sldId id="269" r:id="rId13"/>
-    <p:sldId id="270" r:id="rId14"/>
-    <p:sldId id="275" r:id="rId15"/>
-    <p:sldId id="271" r:id="rId16"/>
-    <p:sldId id="273" r:id="rId17"/>
-    <p:sldId id="272" r:id="rId18"/>
-    <p:sldId id="257" r:id="rId19"/>
-    <p:sldId id="258" r:id="rId20"/>
-    <p:sldId id="276" r:id="rId21"/>
-    <p:sldId id="260" r:id="rId22"/>
+    <p:sldId id="277" r:id="rId4"/>
+    <p:sldId id="264" r:id="rId5"/>
+    <p:sldId id="259" r:id="rId6"/>
+    <p:sldId id="261" r:id="rId7"/>
+    <p:sldId id="262" r:id="rId8"/>
+    <p:sldId id="265" r:id="rId9"/>
+    <p:sldId id="266" r:id="rId10"/>
+    <p:sldId id="267" r:id="rId11"/>
+    <p:sldId id="268" r:id="rId12"/>
+    <p:sldId id="274" r:id="rId13"/>
+    <p:sldId id="269" r:id="rId14"/>
+    <p:sldId id="270" r:id="rId15"/>
+    <p:sldId id="275" r:id="rId16"/>
+    <p:sldId id="271" r:id="rId17"/>
+    <p:sldId id="273" r:id="rId18"/>
+    <p:sldId id="272" r:id="rId19"/>
+    <p:sldId id="257" r:id="rId20"/>
+    <p:sldId id="258" r:id="rId21"/>
+    <p:sldId id="276" r:id="rId22"/>
+    <p:sldId id="260" r:id="rId23"/>
   </p:sldIdLst>
   <p:sldSz cx="9144000" cy="6858000" type="screen4x3"/>
   <p:notesSz cx="6858000" cy="9144000"/>
@@ -3209,6 +3210,30 @@
           </a:p>
         </p:txBody>
       </p:sp>
+      <p:pic>
+        <p:nvPicPr>
+          <p:cNvPr id="4" name="Picture 3"/>
+          <p:cNvPicPr>
+            <a:picLocks noChangeAspect="1"/>
+          </p:cNvPicPr>
+          <p:nvPr/>
+        </p:nvPicPr>
+        <p:blipFill>
+          <a:blip r:embed="rId2"/>
+          <a:stretch>
+            <a:fillRect/>
+          </a:stretch>
+        </p:blipFill>
+        <p:spPr>
+          <a:xfrm>
+            <a:off x="3726012" y="527951"/>
+            <a:ext cx="1469698" cy="1469698"/>
+          </a:xfrm>
+          <a:prstGeom prst="rect">
+            <a:avLst/>
+          </a:prstGeom>
+        </p:spPr>
+      </p:pic>
     </p:spTree>
     <p:extLst>
       <p:ext uri="{BB962C8B-B14F-4D97-AF65-F5344CB8AC3E}">
@@ -3248,37 +3273,14 @@
       </p:grpSpPr>
       <p:sp>
         <p:nvSpPr>
-          <p:cNvPr id="2" name="Title 1"/>
-          <p:cNvSpPr>
-            <a:spLocks noGrp="1"/>
-          </p:cNvSpPr>
-          <p:nvPr>
-            <p:ph type="title"/>
-          </p:nvPr>
-        </p:nvSpPr>
-        <p:spPr/>
-        <p:txBody>
-          <a:bodyPr/>
-          <a:lstStyle/>
-          <a:p>
-            <a:r>
-              <a:rPr lang="en-US" dirty="0" smtClean="0"/>
-              <a:t>03.2-branchingswitch.go</a:t>
-            </a:r>
-            <a:endParaRPr lang="en-US" dirty="0"/>
-          </a:p>
-        </p:txBody>
-      </p:sp>
-      <p:sp>
-        <p:nvSpPr>
           <p:cNvPr id="4" name="TextBox 3"/>
           <p:cNvSpPr txBox="1"/>
           <p:nvPr/>
         </p:nvSpPr>
         <p:spPr>
           <a:xfrm>
-            <a:off x="457200" y="1422859"/>
-            <a:ext cx="8229600" cy="5355313"/>
+            <a:off x="227685" y="81906"/>
+            <a:ext cx="8673329" cy="6740308"/>
           </a:xfrm>
           <a:prstGeom prst="rect">
             <a:avLst/>
@@ -3376,17 +3378,6 @@
             <a:r>
               <a:rPr lang="en-US" dirty="0">
                 <a:solidFill>
-                  <a:srgbClr val="A4B0B1"/>
-                </a:solidFill>
-                <a:latin typeface="Courier New"/>
-                <a:ea typeface="Courier New"/>
-                <a:cs typeface="Courier New"/>
-              </a:rPr>
-              <a:t>(</a:t>
-            </a:r>
-            <a:r>
-              <a:rPr lang="en-US" dirty="0">
-                <a:solidFill>
                   <a:srgbClr val="E6493D"/>
                 </a:solidFill>
                 <a:latin typeface="Courier New"/>
@@ -3396,7 +3387,7 @@
               <a:t>"</a:t>
             </a:r>
             <a:r>
-              <a:rPr lang="en-US" dirty="0" err="1" smtClean="0">
+              <a:rPr lang="en-US" dirty="0" err="1">
                 <a:solidFill>
                   <a:srgbClr val="E6493D"/>
                 </a:solidFill>
@@ -3407,7 +3398,7 @@
               <a:t>fmt</a:t>
             </a:r>
             <a:r>
-              <a:rPr lang="en-US" dirty="0" smtClean="0">
+              <a:rPr lang="en-US" dirty="0">
                 <a:solidFill>
                   <a:srgbClr val="E6493D"/>
                 </a:solidFill>
@@ -3415,21 +3406,8 @@
                 <a:ea typeface="Courier New"/>
                 <a:cs typeface="Courier New"/>
               </a:rPr>
-              <a:t>”</a:t>
-            </a:r>
-            <a:r>
-              <a:rPr lang="en-US" dirty="0" smtClean="0">
-                <a:solidFill>
-                  <a:srgbClr val="A4B0B1"/>
-                </a:solidFill>
-                <a:latin typeface="Courier New"/>
-                <a:ea typeface="Courier New"/>
-                <a:cs typeface="Courier New"/>
-              </a:rPr>
-              <a:t>)</a:t>
-            </a:r>
-          </a:p>
-          <a:p>
+              <a:t>"</a:t>
+            </a:r>
             <a:endParaRPr lang="en-US" dirty="0">
               <a:solidFill>
                 <a:srgbClr val="000000"/>
@@ -3440,8 +3418,18 @@
             </a:endParaRPr>
           </a:p>
           <a:p>
-            <a:r>
-              <a:rPr lang="en-US" dirty="0" err="1">
+            <a:endParaRPr lang="en-US" dirty="0" smtClean="0">
+              <a:solidFill>
+                <a:srgbClr val="D7601A"/>
+              </a:solidFill>
+              <a:latin typeface="Courier New"/>
+              <a:ea typeface="Courier New"/>
+              <a:cs typeface="Courier New"/>
+            </a:endParaRPr>
+          </a:p>
+          <a:p>
+            <a:r>
+              <a:rPr lang="en-US" dirty="0" err="1" smtClean="0">
                 <a:solidFill>
                   <a:srgbClr val="D7601A"/>
                 </a:solidFill>
@@ -3452,7 +3440,7 @@
               <a:t>func</a:t>
             </a:r>
             <a:r>
-              <a:rPr lang="en-US" dirty="0">
+              <a:rPr lang="en-US" dirty="0" smtClean="0">
                 <a:solidFill>
                   <a:srgbClr val="000000"/>
                 </a:solidFill>
@@ -3483,72 +3471,6 @@
             </a:endParaRPr>
           </a:p>
           <a:p>
-            <a:r>
-              <a:rPr lang="en-US" dirty="0">
-                <a:solidFill>
-                  <a:srgbClr val="95A5A7"/>
-                </a:solidFill>
-                <a:latin typeface="Courier New"/>
-                <a:ea typeface="Courier New"/>
-                <a:cs typeface="Courier New"/>
-              </a:rPr>
-              <a:t>    </a:t>
-            </a:r>
-            <a:r>
-              <a:rPr lang="en-US" dirty="0" err="1">
-                <a:solidFill>
-                  <a:srgbClr val="95A5A7"/>
-                </a:solidFill>
-                <a:latin typeface="Courier New"/>
-                <a:ea typeface="Courier New"/>
-                <a:cs typeface="Courier New"/>
-              </a:rPr>
-              <a:t>i</a:t>
-            </a:r>
-            <a:r>
-              <a:rPr lang="en-US" dirty="0">
-                <a:solidFill>
-                  <a:srgbClr val="000000"/>
-                </a:solidFill>
-                <a:latin typeface="Courier New"/>
-                <a:ea typeface="Courier New"/>
-                <a:cs typeface="Courier New"/>
-              </a:rPr>
-              <a:t> </a:t>
-            </a:r>
-            <a:r>
-              <a:rPr lang="en-US" dirty="0">
-                <a:solidFill>
-                  <a:srgbClr val="A4B0B1"/>
-                </a:solidFill>
-                <a:latin typeface="Courier New"/>
-                <a:ea typeface="Courier New"/>
-                <a:cs typeface="Courier New"/>
-              </a:rPr>
-              <a:t>:=</a:t>
-            </a:r>
-            <a:r>
-              <a:rPr lang="en-US" dirty="0">
-                <a:solidFill>
-                  <a:srgbClr val="000000"/>
-                </a:solidFill>
-                <a:latin typeface="Courier New"/>
-                <a:ea typeface="Courier New"/>
-                <a:cs typeface="Courier New"/>
-              </a:rPr>
-              <a:t> </a:t>
-            </a:r>
-            <a:r>
-              <a:rPr lang="en-US" dirty="0">
-                <a:solidFill>
-                  <a:srgbClr val="E6493D"/>
-                </a:solidFill>
-                <a:latin typeface="Courier New"/>
-                <a:ea typeface="Courier New"/>
-                <a:cs typeface="Courier New"/>
-              </a:rPr>
-              <a:t>2</a:t>
-            </a:r>
             <a:endParaRPr lang="en-US" dirty="0">
               <a:solidFill>
                 <a:srgbClr val="000000"/>
@@ -3562,7 +3484,7 @@
             <a:r>
               <a:rPr lang="en-US" dirty="0">
                 <a:solidFill>
-                  <a:srgbClr val="95A5A7"/>
+                  <a:srgbClr val="000000"/>
                 </a:solidFill>
                 <a:latin typeface="Courier New"/>
                 <a:ea typeface="Courier New"/>
@@ -3571,37 +3493,26 @@
               <a:t>    </a:t>
             </a:r>
             <a:r>
-              <a:rPr lang="en-US" dirty="0" err="1">
-                <a:solidFill>
-                  <a:srgbClr val="95A5A7"/>
-                </a:solidFill>
-                <a:latin typeface="Courier New"/>
-                <a:ea typeface="Courier New"/>
-                <a:cs typeface="Courier New"/>
-              </a:rPr>
-              <a:t>fmt</a:t>
-            </a:r>
-            <a:r>
-              <a:rPr lang="en-US" dirty="0" err="1">
-                <a:solidFill>
-                  <a:srgbClr val="A4B0B1"/>
-                </a:solidFill>
-                <a:latin typeface="Courier New"/>
-                <a:ea typeface="Courier New"/>
-                <a:cs typeface="Courier New"/>
-              </a:rPr>
-              <a:t>.Print</a:t>
-            </a:r>
-            <a:r>
-              <a:rPr lang="en-US" dirty="0">
-                <a:solidFill>
-                  <a:srgbClr val="A4B0B1"/>
-                </a:solidFill>
-                <a:latin typeface="Courier New"/>
-                <a:ea typeface="Courier New"/>
-                <a:cs typeface="Courier New"/>
-              </a:rPr>
-              <a:t>(</a:t>
+              <a:rPr lang="en-US" dirty="0">
+                <a:solidFill>
+                  <a:srgbClr val="D7601A"/>
+                </a:solidFill>
+                <a:latin typeface="Courier New"/>
+                <a:ea typeface="Courier New"/>
+                <a:cs typeface="Courier New"/>
+              </a:rPr>
+              <a:t>if</a:t>
+            </a:r>
+            <a:r>
+              <a:rPr lang="en-US" dirty="0">
+                <a:solidFill>
+                  <a:srgbClr val="000000"/>
+                </a:solidFill>
+                <a:latin typeface="Courier New"/>
+                <a:ea typeface="Courier New"/>
+                <a:cs typeface="Courier New"/>
+              </a:rPr>
+              <a:t> </a:t>
             </a:r>
             <a:r>
               <a:rPr lang="en-US" dirty="0">
@@ -3612,62 +3523,18 @@
                 <a:ea typeface="Courier New"/>
                 <a:cs typeface="Courier New"/>
               </a:rPr>
-              <a:t>"write "</a:t>
-            </a:r>
-            <a:r>
-              <a:rPr lang="en-US" dirty="0">
-                <a:solidFill>
-                  <a:srgbClr val="A4B0B1"/>
-                </a:solidFill>
-                <a:latin typeface="Courier New"/>
-                <a:ea typeface="Courier New"/>
-                <a:cs typeface="Courier New"/>
-              </a:rPr>
-              <a:t>,</a:t>
-            </a:r>
-            <a:r>
-              <a:rPr lang="en-US" dirty="0">
-                <a:solidFill>
-                  <a:srgbClr val="000000"/>
-                </a:solidFill>
-                <a:latin typeface="Courier New"/>
-                <a:ea typeface="Courier New"/>
-                <a:cs typeface="Courier New"/>
-              </a:rPr>
-              <a:t> </a:t>
-            </a:r>
-            <a:r>
-              <a:rPr lang="en-US" dirty="0" err="1">
-                <a:solidFill>
-                  <a:srgbClr val="95A5A7"/>
-                </a:solidFill>
-                <a:latin typeface="Courier New"/>
-                <a:ea typeface="Courier New"/>
-                <a:cs typeface="Courier New"/>
-              </a:rPr>
-              <a:t>i</a:t>
-            </a:r>
-            <a:r>
-              <a:rPr lang="en-US" dirty="0">
-                <a:solidFill>
-                  <a:srgbClr val="A4B0B1"/>
-                </a:solidFill>
-                <a:latin typeface="Courier New"/>
-                <a:ea typeface="Courier New"/>
-                <a:cs typeface="Courier New"/>
-              </a:rPr>
-              <a:t>,</a:t>
-            </a:r>
-            <a:r>
-              <a:rPr lang="en-US" dirty="0">
-                <a:solidFill>
-                  <a:srgbClr val="000000"/>
-                </a:solidFill>
-                <a:latin typeface="Courier New"/>
-                <a:ea typeface="Courier New"/>
-                <a:cs typeface="Courier New"/>
-              </a:rPr>
-              <a:t> </a:t>
+              <a:t>7</a:t>
+            </a:r>
+            <a:r>
+              <a:rPr lang="en-US" dirty="0">
+                <a:solidFill>
+                  <a:srgbClr val="A4B0B1"/>
+                </a:solidFill>
+                <a:latin typeface="Courier New"/>
+                <a:ea typeface="Courier New"/>
+                <a:cs typeface="Courier New"/>
+              </a:rPr>
+              <a:t>%</a:t>
             </a:r>
             <a:r>
               <a:rPr lang="en-US" dirty="0">
@@ -3678,18 +3545,73 @@
                 <a:ea typeface="Courier New"/>
                 <a:cs typeface="Courier New"/>
               </a:rPr>
-              <a:t>" as "</a:t>
-            </a:r>
-            <a:r>
-              <a:rPr lang="en-US" dirty="0">
-                <a:solidFill>
-                  <a:srgbClr val="A4B0B1"/>
-                </a:solidFill>
-                <a:latin typeface="Courier New"/>
-                <a:ea typeface="Courier New"/>
-                <a:cs typeface="Courier New"/>
-              </a:rPr>
-              <a:t>)</a:t>
+              <a:t>2</a:t>
+            </a:r>
+            <a:r>
+              <a:rPr lang="en-US" dirty="0">
+                <a:solidFill>
+                  <a:srgbClr val="000000"/>
+                </a:solidFill>
+                <a:latin typeface="Courier New"/>
+                <a:ea typeface="Courier New"/>
+                <a:cs typeface="Courier New"/>
+              </a:rPr>
+              <a:t> </a:t>
+            </a:r>
+            <a:r>
+              <a:rPr lang="en-US" dirty="0">
+                <a:solidFill>
+                  <a:srgbClr val="A4B0B1"/>
+                </a:solidFill>
+                <a:latin typeface="Courier New"/>
+                <a:ea typeface="Courier New"/>
+                <a:cs typeface="Courier New"/>
+              </a:rPr>
+              <a:t>==</a:t>
+            </a:r>
+            <a:r>
+              <a:rPr lang="en-US" dirty="0">
+                <a:solidFill>
+                  <a:srgbClr val="000000"/>
+                </a:solidFill>
+                <a:latin typeface="Courier New"/>
+                <a:ea typeface="Courier New"/>
+                <a:cs typeface="Courier New"/>
+              </a:rPr>
+              <a:t> </a:t>
+            </a:r>
+            <a:r>
+              <a:rPr lang="en-US" dirty="0">
+                <a:solidFill>
+                  <a:srgbClr val="E6493D"/>
+                </a:solidFill>
+                <a:latin typeface="Courier New"/>
+                <a:ea typeface="Courier New"/>
+                <a:cs typeface="Courier New"/>
+              </a:rPr>
+              <a:t>0</a:t>
+            </a:r>
+            <a:r>
+              <a:rPr lang="en-US" dirty="0">
+                <a:solidFill>
+                  <a:srgbClr val="000000"/>
+                </a:solidFill>
+                <a:latin typeface="Courier New"/>
+                <a:ea typeface="Courier New"/>
+                <a:cs typeface="Courier New"/>
+              </a:rPr>
+              <a:t> </a:t>
+            </a:r>
+            <a:r>
+              <a:rPr lang="en-US" dirty="0">
+                <a:solidFill>
+                  <a:srgbClr val="A4B0B1"/>
+                </a:solidFill>
+                <a:latin typeface="Courier New"/>
+                <a:ea typeface="Courier New"/>
+                <a:cs typeface="Courier New"/>
+              </a:rPr>
+              <a:t>{</a:t>
             </a:r>
             <a:endParaRPr lang="en-US" dirty="0">
               <a:solidFill>
@@ -3704,35 +3626,13 @@
             <a:r>
               <a:rPr lang="en-US" dirty="0">
                 <a:solidFill>
-                  <a:srgbClr val="000000"/>
-                </a:solidFill>
-                <a:latin typeface="Courier New"/>
-                <a:ea typeface="Courier New"/>
-                <a:cs typeface="Courier New"/>
-              </a:rPr>
-              <a:t>    </a:t>
-            </a:r>
-            <a:r>
-              <a:rPr lang="en-US" dirty="0">
-                <a:solidFill>
-                  <a:srgbClr val="D7601A"/>
-                </a:solidFill>
-                <a:latin typeface="Courier New"/>
-                <a:ea typeface="Courier New"/>
-                <a:cs typeface="Courier New"/>
-              </a:rPr>
-              <a:t>switch</a:t>
-            </a:r>
-            <a:r>
-              <a:rPr lang="en-US" dirty="0">
-                <a:solidFill>
-                  <a:srgbClr val="000000"/>
-                </a:solidFill>
-                <a:latin typeface="Courier New"/>
-                <a:ea typeface="Courier New"/>
-                <a:cs typeface="Courier New"/>
-              </a:rPr>
-              <a:t> </a:t>
+                  <a:srgbClr val="95A5A7"/>
+                </a:solidFill>
+                <a:latin typeface="Courier New"/>
+                <a:ea typeface="Courier New"/>
+                <a:cs typeface="Courier New"/>
+              </a:rPr>
+              <a:t>        </a:t>
             </a:r>
             <a:r>
               <a:rPr lang="en-US" dirty="0" err="1">
@@ -3743,29 +3643,51 @@
                 <a:ea typeface="Courier New"/>
                 <a:cs typeface="Courier New"/>
               </a:rPr>
-              <a:t>i</a:t>
-            </a:r>
-            <a:r>
-              <a:rPr lang="en-US" dirty="0">
-                <a:solidFill>
-                  <a:srgbClr val="000000"/>
-                </a:solidFill>
-                <a:latin typeface="Courier New"/>
-                <a:ea typeface="Courier New"/>
-                <a:cs typeface="Courier New"/>
-              </a:rPr>
-              <a:t> </a:t>
-            </a:r>
-            <a:r>
-              <a:rPr lang="en-US" dirty="0">
-                <a:solidFill>
-                  <a:srgbClr val="A4B0B1"/>
-                </a:solidFill>
-                <a:latin typeface="Courier New"/>
-                <a:ea typeface="Courier New"/>
-                <a:cs typeface="Courier New"/>
-              </a:rPr>
-              <a:t>{</a:t>
+              <a:t>fmt</a:t>
+            </a:r>
+            <a:r>
+              <a:rPr lang="en-US" dirty="0" err="1">
+                <a:solidFill>
+                  <a:srgbClr val="A4B0B1"/>
+                </a:solidFill>
+                <a:latin typeface="Courier New"/>
+                <a:ea typeface="Courier New"/>
+                <a:cs typeface="Courier New"/>
+              </a:rPr>
+              <a:t>.Println</a:t>
+            </a:r>
+            <a:r>
+              <a:rPr lang="en-US" dirty="0">
+                <a:solidFill>
+                  <a:srgbClr val="A4B0B1"/>
+                </a:solidFill>
+                <a:latin typeface="Courier New"/>
+                <a:ea typeface="Courier New"/>
+                <a:cs typeface="Courier New"/>
+              </a:rPr>
+              <a:t>(</a:t>
+            </a:r>
+            <a:r>
+              <a:rPr lang="en-US" dirty="0">
+                <a:solidFill>
+                  <a:srgbClr val="E6493D"/>
+                </a:solidFill>
+                <a:latin typeface="Courier New"/>
+                <a:ea typeface="Courier New"/>
+                <a:cs typeface="Courier New"/>
+              </a:rPr>
+              <a:t>"7 is even"</a:t>
+            </a:r>
+            <a:r>
+              <a:rPr lang="en-US" dirty="0">
+                <a:solidFill>
+                  <a:srgbClr val="A4B0B1"/>
+                </a:solidFill>
+                <a:latin typeface="Courier New"/>
+                <a:ea typeface="Courier New"/>
+                <a:cs typeface="Courier New"/>
+              </a:rPr>
+              <a:t>)</a:t>
             </a:r>
             <a:endParaRPr lang="en-US" dirty="0">
               <a:solidFill>
@@ -3791,46 +3713,57 @@
             <a:r>
               <a:rPr lang="en-US" dirty="0">
                 <a:solidFill>
+                  <a:srgbClr val="A4B0B1"/>
+                </a:solidFill>
+                <a:latin typeface="Courier New"/>
+                <a:ea typeface="Courier New"/>
+                <a:cs typeface="Courier New"/>
+              </a:rPr>
+              <a:t>}</a:t>
+            </a:r>
+            <a:r>
+              <a:rPr lang="en-US" dirty="0">
+                <a:solidFill>
+                  <a:srgbClr val="000000"/>
+                </a:solidFill>
+                <a:latin typeface="Courier New"/>
+                <a:ea typeface="Courier New"/>
+                <a:cs typeface="Courier New"/>
+              </a:rPr>
+              <a:t> </a:t>
+            </a:r>
+            <a:r>
+              <a:rPr lang="en-US" dirty="0">
+                <a:solidFill>
                   <a:srgbClr val="D7601A"/>
                 </a:solidFill>
                 <a:latin typeface="Courier New"/>
                 <a:ea typeface="Courier New"/>
                 <a:cs typeface="Courier New"/>
               </a:rPr>
-              <a:t>case</a:t>
-            </a:r>
-            <a:r>
-              <a:rPr lang="en-US" dirty="0">
-                <a:solidFill>
-                  <a:srgbClr val="000000"/>
-                </a:solidFill>
-                <a:latin typeface="Courier New"/>
-                <a:ea typeface="Courier New"/>
-                <a:cs typeface="Courier New"/>
-              </a:rPr>
-              <a:t> </a:t>
-            </a:r>
-            <a:r>
-              <a:rPr lang="en-US" dirty="0">
-                <a:solidFill>
-                  <a:srgbClr val="E6493D"/>
-                </a:solidFill>
-                <a:latin typeface="Courier New"/>
-                <a:ea typeface="Courier New"/>
-                <a:cs typeface="Courier New"/>
-              </a:rPr>
-              <a:t>1</a:t>
-            </a:r>
-            <a:r>
-              <a:rPr lang="en-US" dirty="0">
-                <a:solidFill>
-                  <a:srgbClr val="A4B0B1"/>
-                </a:solidFill>
-                <a:latin typeface="Courier New"/>
-                <a:ea typeface="Courier New"/>
-                <a:cs typeface="Courier New"/>
-              </a:rPr>
-              <a:t>:</a:t>
+              <a:t>else</a:t>
+            </a:r>
+            <a:r>
+              <a:rPr lang="en-US" dirty="0">
+                <a:solidFill>
+                  <a:srgbClr val="000000"/>
+                </a:solidFill>
+                <a:latin typeface="Courier New"/>
+                <a:ea typeface="Courier New"/>
+                <a:cs typeface="Courier New"/>
+              </a:rPr>
+              <a:t> </a:t>
+            </a:r>
+            <a:r>
+              <a:rPr lang="en-US" dirty="0">
+                <a:solidFill>
+                  <a:srgbClr val="A4B0B1"/>
+                </a:solidFill>
+                <a:latin typeface="Courier New"/>
+                <a:ea typeface="Courier New"/>
+                <a:cs typeface="Courier New"/>
+              </a:rPr>
+              <a:t>{</a:t>
             </a:r>
             <a:endParaRPr lang="en-US" dirty="0">
               <a:solidFill>
@@ -3895,7 +3828,7 @@
                 <a:ea typeface="Courier New"/>
                 <a:cs typeface="Courier New"/>
               </a:rPr>
-              <a:t>"one"</a:t>
+              <a:t>"7 is odd"</a:t>
             </a:r>
             <a:r>
               <a:rPr lang="en-US" dirty="0">
@@ -3932,46 +3865,13 @@
             <a:r>
               <a:rPr lang="en-US" dirty="0">
                 <a:solidFill>
-                  <a:srgbClr val="D7601A"/>
-                </a:solidFill>
-                <a:latin typeface="Courier New"/>
-                <a:ea typeface="Courier New"/>
-                <a:cs typeface="Courier New"/>
-              </a:rPr>
-              <a:t>case</a:t>
-            </a:r>
-            <a:r>
-              <a:rPr lang="en-US" dirty="0">
-                <a:solidFill>
-                  <a:srgbClr val="000000"/>
-                </a:solidFill>
-                <a:latin typeface="Courier New"/>
-                <a:ea typeface="Courier New"/>
-                <a:cs typeface="Courier New"/>
-              </a:rPr>
-              <a:t> </a:t>
-            </a:r>
-            <a:r>
-              <a:rPr lang="en-US" dirty="0">
-                <a:solidFill>
-                  <a:srgbClr val="E6493D"/>
-                </a:solidFill>
-                <a:latin typeface="Courier New"/>
-                <a:ea typeface="Courier New"/>
-                <a:cs typeface="Courier New"/>
-              </a:rPr>
-              <a:t>2</a:t>
-            </a:r>
-            <a:r>
-              <a:rPr lang="en-US" dirty="0">
-                <a:solidFill>
-                  <a:srgbClr val="A4B0B1"/>
-                </a:solidFill>
-                <a:latin typeface="Courier New"/>
-                <a:ea typeface="Courier New"/>
-                <a:cs typeface="Courier New"/>
-              </a:rPr>
-              <a:t>:</a:t>
+                  <a:srgbClr val="A4B0B1"/>
+                </a:solidFill>
+                <a:latin typeface="Courier New"/>
+                <a:ea typeface="Courier New"/>
+                <a:cs typeface="Courier New"/>
+              </a:rPr>
+              <a:t>}</a:t>
             </a:r>
             <a:endParaRPr lang="en-US" dirty="0">
               <a:solidFill>
@@ -3983,72 +3883,6 @@
             </a:endParaRPr>
           </a:p>
           <a:p>
-            <a:r>
-              <a:rPr lang="en-US" dirty="0">
-                <a:solidFill>
-                  <a:srgbClr val="95A5A7"/>
-                </a:solidFill>
-                <a:latin typeface="Courier New"/>
-                <a:ea typeface="Courier New"/>
-                <a:cs typeface="Courier New"/>
-              </a:rPr>
-              <a:t>        </a:t>
-            </a:r>
-            <a:r>
-              <a:rPr lang="en-US" dirty="0" err="1">
-                <a:solidFill>
-                  <a:srgbClr val="95A5A7"/>
-                </a:solidFill>
-                <a:latin typeface="Courier New"/>
-                <a:ea typeface="Courier New"/>
-                <a:cs typeface="Courier New"/>
-              </a:rPr>
-              <a:t>fmt</a:t>
-            </a:r>
-            <a:r>
-              <a:rPr lang="en-US" dirty="0" err="1">
-                <a:solidFill>
-                  <a:srgbClr val="A4B0B1"/>
-                </a:solidFill>
-                <a:latin typeface="Courier New"/>
-                <a:ea typeface="Courier New"/>
-                <a:cs typeface="Courier New"/>
-              </a:rPr>
-              <a:t>.Println</a:t>
-            </a:r>
-            <a:r>
-              <a:rPr lang="en-US" dirty="0">
-                <a:solidFill>
-                  <a:srgbClr val="A4B0B1"/>
-                </a:solidFill>
-                <a:latin typeface="Courier New"/>
-                <a:ea typeface="Courier New"/>
-                <a:cs typeface="Courier New"/>
-              </a:rPr>
-              <a:t>(</a:t>
-            </a:r>
-            <a:r>
-              <a:rPr lang="en-US" dirty="0">
-                <a:solidFill>
-                  <a:srgbClr val="E6493D"/>
-                </a:solidFill>
-                <a:latin typeface="Courier New"/>
-                <a:ea typeface="Courier New"/>
-                <a:cs typeface="Courier New"/>
-              </a:rPr>
-              <a:t>"two"</a:t>
-            </a:r>
-            <a:r>
-              <a:rPr lang="en-US" dirty="0">
-                <a:solidFill>
-                  <a:srgbClr val="A4B0B1"/>
-                </a:solidFill>
-                <a:latin typeface="Courier New"/>
-                <a:ea typeface="Courier New"/>
-                <a:cs typeface="Courier New"/>
-              </a:rPr>
-              <a:t>)</a:t>
-            </a:r>
             <a:endParaRPr lang="en-US" dirty="0">
               <a:solidFill>
                 <a:srgbClr val="000000"/>
@@ -4079,7 +3913,7 @@
                 <a:ea typeface="Courier New"/>
                 <a:cs typeface="Courier New"/>
               </a:rPr>
-              <a:t>case</a:t>
+              <a:t>if</a:t>
             </a:r>
             <a:r>
               <a:rPr lang="en-US" dirty="0">
@@ -4101,18 +3935,95 @@
                 <a:ea typeface="Courier New"/>
                 <a:cs typeface="Courier New"/>
               </a:rPr>
-              <a:t>3</a:t>
-            </a:r>
-            <a:r>
-              <a:rPr lang="en-US" dirty="0">
-                <a:solidFill>
-                  <a:srgbClr val="A4B0B1"/>
-                </a:solidFill>
-                <a:latin typeface="Courier New"/>
-                <a:ea typeface="Courier New"/>
-                <a:cs typeface="Courier New"/>
-              </a:rPr>
-              <a:t>:</a:t>
+              <a:t>8</a:t>
+            </a:r>
+            <a:r>
+              <a:rPr lang="en-US" dirty="0">
+                <a:solidFill>
+                  <a:srgbClr val="A4B0B1"/>
+                </a:solidFill>
+                <a:latin typeface="Courier New"/>
+                <a:ea typeface="Courier New"/>
+                <a:cs typeface="Courier New"/>
+              </a:rPr>
+              <a:t>%</a:t>
+            </a:r>
+            <a:r>
+              <a:rPr lang="en-US" dirty="0">
+                <a:solidFill>
+                  <a:srgbClr val="E6493D"/>
+                </a:solidFill>
+                <a:latin typeface="Courier New"/>
+                <a:ea typeface="Courier New"/>
+                <a:cs typeface="Courier New"/>
+              </a:rPr>
+              <a:t>4</a:t>
+            </a:r>
+            <a:r>
+              <a:rPr lang="en-US" dirty="0">
+                <a:solidFill>
+                  <a:srgbClr val="000000"/>
+                </a:solidFill>
+                <a:latin typeface="Courier New"/>
+                <a:ea typeface="Courier New"/>
+                <a:cs typeface="Courier New"/>
+              </a:rPr>
+              <a:t> </a:t>
+            </a:r>
+            <a:r>
+              <a:rPr lang="en-US" dirty="0">
+                <a:solidFill>
+                  <a:srgbClr val="A4B0B1"/>
+                </a:solidFill>
+                <a:latin typeface="Courier New"/>
+                <a:ea typeface="Courier New"/>
+                <a:cs typeface="Courier New"/>
+              </a:rPr>
+              <a:t>==</a:t>
+            </a:r>
+            <a:r>
+              <a:rPr lang="en-US" dirty="0">
+                <a:solidFill>
+                  <a:srgbClr val="000000"/>
+                </a:solidFill>
+                <a:latin typeface="Courier New"/>
+                <a:ea typeface="Courier New"/>
+                <a:cs typeface="Courier New"/>
+              </a:rPr>
+              <a:t> </a:t>
+            </a:r>
+            <a:r>
+              <a:rPr lang="en-US" dirty="0">
+                <a:solidFill>
+                  <a:srgbClr val="E6493D"/>
+                </a:solidFill>
+                <a:latin typeface="Courier New"/>
+                <a:ea typeface="Courier New"/>
+                <a:cs typeface="Courier New"/>
+              </a:rPr>
+              <a:t>0</a:t>
+            </a:r>
+            <a:r>
+              <a:rPr lang="en-US" dirty="0">
+                <a:solidFill>
+                  <a:srgbClr val="000000"/>
+                </a:solidFill>
+                <a:latin typeface="Courier New"/>
+                <a:ea typeface="Courier New"/>
+                <a:cs typeface="Courier New"/>
+              </a:rPr>
+              <a:t> </a:t>
+            </a:r>
+            <a:r>
+              <a:rPr lang="en-US" dirty="0">
+                <a:solidFill>
+                  <a:srgbClr val="A4B0B1"/>
+                </a:solidFill>
+                <a:latin typeface="Courier New"/>
+                <a:ea typeface="Courier New"/>
+                <a:cs typeface="Courier New"/>
+              </a:rPr>
+              <a:t>{</a:t>
             </a:r>
             <a:endParaRPr lang="en-US" dirty="0">
               <a:solidFill>
@@ -4177,7 +4088,7 @@
                 <a:ea typeface="Courier New"/>
                 <a:cs typeface="Courier New"/>
               </a:rPr>
-              <a:t>"three"</a:t>
+              <a:t>"8 is divisible by 4"</a:t>
             </a:r>
             <a:r>
               <a:rPr lang="en-US" dirty="0">
@@ -4232,35 +4143,9 @@
             </a:endParaRPr>
           </a:p>
           <a:p>
-            <a:r>
-              <a:rPr lang="en-US" dirty="0">
-                <a:solidFill>
-                  <a:srgbClr val="000000"/>
-                </a:solidFill>
-                <a:latin typeface="Courier New"/>
-                <a:ea typeface="Courier New"/>
-                <a:cs typeface="Courier New"/>
-              </a:rPr>
-              <a:t>    </a:t>
-            </a:r>
-          </a:p>
-          <a:p>
-            <a:r>
-              <a:rPr lang="en-US" dirty="0" smtClean="0">
-                <a:solidFill>
-                  <a:srgbClr val="A4B0B1"/>
-                </a:solidFill>
-                <a:latin typeface="Courier New"/>
-                <a:ea typeface="Courier New"/>
-                <a:cs typeface="Courier New"/>
-              </a:rPr>
-              <a:t>}</a:t>
-            </a:r>
-          </a:p>
-          <a:p>
             <a:endParaRPr lang="en-US" dirty="0">
               <a:solidFill>
-                <a:srgbClr val="A4B0B1"/>
+                <a:srgbClr val="000000"/>
               </a:solidFill>
               <a:latin typeface="Courier New"/>
               <a:ea typeface="Courier New"/>
@@ -4268,6 +4153,835 @@
             </a:endParaRPr>
           </a:p>
           <a:p>
+            <a:r>
+              <a:rPr lang="en-US" dirty="0">
+                <a:solidFill>
+                  <a:srgbClr val="000000"/>
+                </a:solidFill>
+                <a:latin typeface="Courier New"/>
+                <a:ea typeface="Courier New"/>
+                <a:cs typeface="Courier New"/>
+              </a:rPr>
+              <a:t>    </a:t>
+            </a:r>
+            <a:r>
+              <a:rPr lang="en-US" dirty="0">
+                <a:solidFill>
+                  <a:srgbClr val="D7601A"/>
+                </a:solidFill>
+                <a:latin typeface="Courier New"/>
+                <a:ea typeface="Courier New"/>
+                <a:cs typeface="Courier New"/>
+              </a:rPr>
+              <a:t>if</a:t>
+            </a:r>
+            <a:r>
+              <a:rPr lang="en-US" dirty="0">
+                <a:solidFill>
+                  <a:srgbClr val="000000"/>
+                </a:solidFill>
+                <a:latin typeface="Courier New"/>
+                <a:ea typeface="Courier New"/>
+                <a:cs typeface="Courier New"/>
+              </a:rPr>
+              <a:t> </a:t>
+            </a:r>
+            <a:r>
+              <a:rPr lang="en-US" dirty="0" err="1">
+                <a:solidFill>
+                  <a:srgbClr val="95A5A7"/>
+                </a:solidFill>
+                <a:latin typeface="Courier New"/>
+                <a:ea typeface="Courier New"/>
+                <a:cs typeface="Courier New"/>
+              </a:rPr>
+              <a:t>num</a:t>
+            </a:r>
+            <a:r>
+              <a:rPr lang="en-US" dirty="0">
+                <a:solidFill>
+                  <a:srgbClr val="000000"/>
+                </a:solidFill>
+                <a:latin typeface="Courier New"/>
+                <a:ea typeface="Courier New"/>
+                <a:cs typeface="Courier New"/>
+              </a:rPr>
+              <a:t> </a:t>
+            </a:r>
+            <a:r>
+              <a:rPr lang="en-US" dirty="0">
+                <a:solidFill>
+                  <a:srgbClr val="A4B0B1"/>
+                </a:solidFill>
+                <a:latin typeface="Courier New"/>
+                <a:ea typeface="Courier New"/>
+                <a:cs typeface="Courier New"/>
+              </a:rPr>
+              <a:t>:=</a:t>
+            </a:r>
+            <a:r>
+              <a:rPr lang="en-US" dirty="0">
+                <a:solidFill>
+                  <a:srgbClr val="000000"/>
+                </a:solidFill>
+                <a:latin typeface="Courier New"/>
+                <a:ea typeface="Courier New"/>
+                <a:cs typeface="Courier New"/>
+              </a:rPr>
+              <a:t> </a:t>
+            </a:r>
+            <a:r>
+              <a:rPr lang="en-US" dirty="0">
+                <a:solidFill>
+                  <a:srgbClr val="E6493D"/>
+                </a:solidFill>
+                <a:latin typeface="Courier New"/>
+                <a:ea typeface="Courier New"/>
+                <a:cs typeface="Courier New"/>
+              </a:rPr>
+              <a:t>9</a:t>
+            </a:r>
+            <a:r>
+              <a:rPr lang="en-US" dirty="0">
+                <a:solidFill>
+                  <a:srgbClr val="A4B0B1"/>
+                </a:solidFill>
+                <a:latin typeface="Courier New"/>
+                <a:ea typeface="Courier New"/>
+                <a:cs typeface="Courier New"/>
+              </a:rPr>
+              <a:t>;</a:t>
+            </a:r>
+            <a:r>
+              <a:rPr lang="en-US" dirty="0">
+                <a:solidFill>
+                  <a:srgbClr val="000000"/>
+                </a:solidFill>
+                <a:latin typeface="Courier New"/>
+                <a:ea typeface="Courier New"/>
+                <a:cs typeface="Courier New"/>
+              </a:rPr>
+              <a:t> </a:t>
+            </a:r>
+            <a:r>
+              <a:rPr lang="en-US" dirty="0" err="1">
+                <a:solidFill>
+                  <a:srgbClr val="95A5A7"/>
+                </a:solidFill>
+                <a:latin typeface="Courier New"/>
+                <a:ea typeface="Courier New"/>
+                <a:cs typeface="Courier New"/>
+              </a:rPr>
+              <a:t>num</a:t>
+            </a:r>
+            <a:r>
+              <a:rPr lang="en-US" dirty="0">
+                <a:solidFill>
+                  <a:srgbClr val="000000"/>
+                </a:solidFill>
+                <a:latin typeface="Courier New"/>
+                <a:ea typeface="Courier New"/>
+                <a:cs typeface="Courier New"/>
+              </a:rPr>
+              <a:t> </a:t>
+            </a:r>
+            <a:r>
+              <a:rPr lang="en-US" dirty="0">
+                <a:solidFill>
+                  <a:srgbClr val="A4B0B1"/>
+                </a:solidFill>
+                <a:latin typeface="Courier New"/>
+                <a:ea typeface="Courier New"/>
+                <a:cs typeface="Courier New"/>
+              </a:rPr>
+              <a:t>&lt;</a:t>
+            </a:r>
+            <a:r>
+              <a:rPr lang="en-US" dirty="0">
+                <a:solidFill>
+                  <a:srgbClr val="000000"/>
+                </a:solidFill>
+                <a:latin typeface="Courier New"/>
+                <a:ea typeface="Courier New"/>
+                <a:cs typeface="Courier New"/>
+              </a:rPr>
+              <a:t> </a:t>
+            </a:r>
+            <a:r>
+              <a:rPr lang="en-US" dirty="0">
+                <a:solidFill>
+                  <a:srgbClr val="E6493D"/>
+                </a:solidFill>
+                <a:latin typeface="Courier New"/>
+                <a:ea typeface="Courier New"/>
+                <a:cs typeface="Courier New"/>
+              </a:rPr>
+              <a:t>0</a:t>
+            </a:r>
+            <a:r>
+              <a:rPr lang="en-US" dirty="0">
+                <a:solidFill>
+                  <a:srgbClr val="000000"/>
+                </a:solidFill>
+                <a:latin typeface="Courier New"/>
+                <a:ea typeface="Courier New"/>
+                <a:cs typeface="Courier New"/>
+              </a:rPr>
+              <a:t> </a:t>
+            </a:r>
+            <a:r>
+              <a:rPr lang="en-US" dirty="0">
+                <a:solidFill>
+                  <a:srgbClr val="A4B0B1"/>
+                </a:solidFill>
+                <a:latin typeface="Courier New"/>
+                <a:ea typeface="Courier New"/>
+                <a:cs typeface="Courier New"/>
+              </a:rPr>
+              <a:t>{</a:t>
+            </a:r>
+            <a:endParaRPr lang="en-US" dirty="0">
+              <a:solidFill>
+                <a:srgbClr val="000000"/>
+              </a:solidFill>
+              <a:latin typeface="Courier New"/>
+              <a:ea typeface="Courier New"/>
+              <a:cs typeface="Courier New"/>
+            </a:endParaRPr>
+          </a:p>
+          <a:p>
+            <a:r>
+              <a:rPr lang="en-US" dirty="0">
+                <a:solidFill>
+                  <a:srgbClr val="95A5A7"/>
+                </a:solidFill>
+                <a:latin typeface="Courier New"/>
+                <a:ea typeface="Courier New"/>
+                <a:cs typeface="Courier New"/>
+              </a:rPr>
+              <a:t>        </a:t>
+            </a:r>
+            <a:r>
+              <a:rPr lang="en-US" dirty="0" err="1">
+                <a:solidFill>
+                  <a:srgbClr val="95A5A7"/>
+                </a:solidFill>
+                <a:latin typeface="Courier New"/>
+                <a:ea typeface="Courier New"/>
+                <a:cs typeface="Courier New"/>
+              </a:rPr>
+              <a:t>fmt</a:t>
+            </a:r>
+            <a:r>
+              <a:rPr lang="en-US" dirty="0" err="1">
+                <a:solidFill>
+                  <a:srgbClr val="A4B0B1"/>
+                </a:solidFill>
+                <a:latin typeface="Courier New"/>
+                <a:ea typeface="Courier New"/>
+                <a:cs typeface="Courier New"/>
+              </a:rPr>
+              <a:t>.Println</a:t>
+            </a:r>
+            <a:r>
+              <a:rPr lang="en-US" dirty="0">
+                <a:solidFill>
+                  <a:srgbClr val="A4B0B1"/>
+                </a:solidFill>
+                <a:latin typeface="Courier New"/>
+                <a:ea typeface="Courier New"/>
+                <a:cs typeface="Courier New"/>
+              </a:rPr>
+              <a:t>(</a:t>
+            </a:r>
+            <a:r>
+              <a:rPr lang="en-US" dirty="0" err="1">
+                <a:solidFill>
+                  <a:srgbClr val="95A5A7"/>
+                </a:solidFill>
+                <a:latin typeface="Courier New"/>
+                <a:ea typeface="Courier New"/>
+                <a:cs typeface="Courier New"/>
+              </a:rPr>
+              <a:t>num</a:t>
+            </a:r>
+            <a:r>
+              <a:rPr lang="en-US" dirty="0">
+                <a:solidFill>
+                  <a:srgbClr val="A4B0B1"/>
+                </a:solidFill>
+                <a:latin typeface="Courier New"/>
+                <a:ea typeface="Courier New"/>
+                <a:cs typeface="Courier New"/>
+              </a:rPr>
+              <a:t>,</a:t>
+            </a:r>
+            <a:r>
+              <a:rPr lang="en-US" dirty="0">
+                <a:solidFill>
+                  <a:srgbClr val="000000"/>
+                </a:solidFill>
+                <a:latin typeface="Courier New"/>
+                <a:ea typeface="Courier New"/>
+                <a:cs typeface="Courier New"/>
+              </a:rPr>
+              <a:t> </a:t>
+            </a:r>
+            <a:r>
+              <a:rPr lang="en-US" dirty="0">
+                <a:solidFill>
+                  <a:srgbClr val="E6493D"/>
+                </a:solidFill>
+                <a:latin typeface="Courier New"/>
+                <a:ea typeface="Courier New"/>
+                <a:cs typeface="Courier New"/>
+              </a:rPr>
+              <a:t>"is negative"</a:t>
+            </a:r>
+            <a:r>
+              <a:rPr lang="en-US" dirty="0">
+                <a:solidFill>
+                  <a:srgbClr val="A4B0B1"/>
+                </a:solidFill>
+                <a:latin typeface="Courier New"/>
+                <a:ea typeface="Courier New"/>
+                <a:cs typeface="Courier New"/>
+              </a:rPr>
+              <a:t>)</a:t>
+            </a:r>
+            <a:endParaRPr lang="en-US" dirty="0">
+              <a:solidFill>
+                <a:srgbClr val="000000"/>
+              </a:solidFill>
+              <a:latin typeface="Courier New"/>
+              <a:ea typeface="Courier New"/>
+              <a:cs typeface="Courier New"/>
+            </a:endParaRPr>
+          </a:p>
+          <a:p>
+            <a:r>
+              <a:rPr lang="en-US" dirty="0">
+                <a:solidFill>
+                  <a:srgbClr val="000000"/>
+                </a:solidFill>
+                <a:latin typeface="Courier New"/>
+                <a:ea typeface="Courier New"/>
+                <a:cs typeface="Courier New"/>
+              </a:rPr>
+              <a:t>    </a:t>
+            </a:r>
+            <a:r>
+              <a:rPr lang="en-US" dirty="0">
+                <a:solidFill>
+                  <a:srgbClr val="A4B0B1"/>
+                </a:solidFill>
+                <a:latin typeface="Courier New"/>
+                <a:ea typeface="Courier New"/>
+                <a:cs typeface="Courier New"/>
+              </a:rPr>
+              <a:t>}</a:t>
+            </a:r>
+            <a:r>
+              <a:rPr lang="en-US" dirty="0">
+                <a:solidFill>
+                  <a:srgbClr val="000000"/>
+                </a:solidFill>
+                <a:latin typeface="Courier New"/>
+                <a:ea typeface="Courier New"/>
+                <a:cs typeface="Courier New"/>
+              </a:rPr>
+              <a:t> </a:t>
+            </a:r>
+            <a:r>
+              <a:rPr lang="en-US" dirty="0">
+                <a:solidFill>
+                  <a:srgbClr val="D7601A"/>
+                </a:solidFill>
+                <a:latin typeface="Courier New"/>
+                <a:ea typeface="Courier New"/>
+                <a:cs typeface="Courier New"/>
+              </a:rPr>
+              <a:t>else if</a:t>
+            </a:r>
+            <a:r>
+              <a:rPr lang="en-US" dirty="0">
+                <a:solidFill>
+                  <a:srgbClr val="000000"/>
+                </a:solidFill>
+                <a:latin typeface="Courier New"/>
+                <a:ea typeface="Courier New"/>
+                <a:cs typeface="Courier New"/>
+              </a:rPr>
+              <a:t> </a:t>
+            </a:r>
+            <a:r>
+              <a:rPr lang="en-US" dirty="0" err="1">
+                <a:solidFill>
+                  <a:srgbClr val="95A5A7"/>
+                </a:solidFill>
+                <a:latin typeface="Courier New"/>
+                <a:ea typeface="Courier New"/>
+                <a:cs typeface="Courier New"/>
+              </a:rPr>
+              <a:t>num</a:t>
+            </a:r>
+            <a:r>
+              <a:rPr lang="en-US" dirty="0">
+                <a:solidFill>
+                  <a:srgbClr val="000000"/>
+                </a:solidFill>
+                <a:latin typeface="Courier New"/>
+                <a:ea typeface="Courier New"/>
+                <a:cs typeface="Courier New"/>
+              </a:rPr>
+              <a:t> </a:t>
+            </a:r>
+            <a:r>
+              <a:rPr lang="en-US" dirty="0">
+                <a:solidFill>
+                  <a:srgbClr val="A4B0B1"/>
+                </a:solidFill>
+                <a:latin typeface="Courier New"/>
+                <a:ea typeface="Courier New"/>
+                <a:cs typeface="Courier New"/>
+              </a:rPr>
+              <a:t>&lt;</a:t>
+            </a:r>
+            <a:r>
+              <a:rPr lang="en-US" dirty="0">
+                <a:solidFill>
+                  <a:srgbClr val="000000"/>
+                </a:solidFill>
+                <a:latin typeface="Courier New"/>
+                <a:ea typeface="Courier New"/>
+                <a:cs typeface="Courier New"/>
+              </a:rPr>
+              <a:t> </a:t>
+            </a:r>
+            <a:r>
+              <a:rPr lang="en-US" dirty="0">
+                <a:solidFill>
+                  <a:srgbClr val="E6493D"/>
+                </a:solidFill>
+                <a:latin typeface="Courier New"/>
+                <a:ea typeface="Courier New"/>
+                <a:cs typeface="Courier New"/>
+              </a:rPr>
+              <a:t>10</a:t>
+            </a:r>
+            <a:r>
+              <a:rPr lang="en-US" dirty="0">
+                <a:solidFill>
+                  <a:srgbClr val="000000"/>
+                </a:solidFill>
+                <a:latin typeface="Courier New"/>
+                <a:ea typeface="Courier New"/>
+                <a:cs typeface="Courier New"/>
+              </a:rPr>
+              <a:t> </a:t>
+            </a:r>
+            <a:r>
+              <a:rPr lang="en-US" dirty="0">
+                <a:solidFill>
+                  <a:srgbClr val="A4B0B1"/>
+                </a:solidFill>
+                <a:latin typeface="Courier New"/>
+                <a:ea typeface="Courier New"/>
+                <a:cs typeface="Courier New"/>
+              </a:rPr>
+              <a:t>{</a:t>
+            </a:r>
+            <a:endParaRPr lang="en-US" dirty="0">
+              <a:solidFill>
+                <a:srgbClr val="000000"/>
+              </a:solidFill>
+              <a:latin typeface="Courier New"/>
+              <a:ea typeface="Courier New"/>
+              <a:cs typeface="Courier New"/>
+            </a:endParaRPr>
+          </a:p>
+          <a:p>
+            <a:r>
+              <a:rPr lang="en-US" dirty="0">
+                <a:solidFill>
+                  <a:srgbClr val="95A5A7"/>
+                </a:solidFill>
+                <a:latin typeface="Courier New"/>
+                <a:ea typeface="Courier New"/>
+                <a:cs typeface="Courier New"/>
+              </a:rPr>
+              <a:t>        </a:t>
+            </a:r>
+            <a:r>
+              <a:rPr lang="en-US" dirty="0" err="1">
+                <a:solidFill>
+                  <a:srgbClr val="95A5A7"/>
+                </a:solidFill>
+                <a:latin typeface="Courier New"/>
+                <a:ea typeface="Courier New"/>
+                <a:cs typeface="Courier New"/>
+              </a:rPr>
+              <a:t>fmt</a:t>
+            </a:r>
+            <a:r>
+              <a:rPr lang="en-US" dirty="0" err="1">
+                <a:solidFill>
+                  <a:srgbClr val="A4B0B1"/>
+                </a:solidFill>
+                <a:latin typeface="Courier New"/>
+                <a:ea typeface="Courier New"/>
+                <a:cs typeface="Courier New"/>
+              </a:rPr>
+              <a:t>.Println</a:t>
+            </a:r>
+            <a:r>
+              <a:rPr lang="en-US" dirty="0">
+                <a:solidFill>
+                  <a:srgbClr val="A4B0B1"/>
+                </a:solidFill>
+                <a:latin typeface="Courier New"/>
+                <a:ea typeface="Courier New"/>
+                <a:cs typeface="Courier New"/>
+              </a:rPr>
+              <a:t>(</a:t>
+            </a:r>
+            <a:r>
+              <a:rPr lang="en-US" dirty="0" err="1">
+                <a:solidFill>
+                  <a:srgbClr val="95A5A7"/>
+                </a:solidFill>
+                <a:latin typeface="Courier New"/>
+                <a:ea typeface="Courier New"/>
+                <a:cs typeface="Courier New"/>
+              </a:rPr>
+              <a:t>num</a:t>
+            </a:r>
+            <a:r>
+              <a:rPr lang="en-US" dirty="0">
+                <a:solidFill>
+                  <a:srgbClr val="A4B0B1"/>
+                </a:solidFill>
+                <a:latin typeface="Courier New"/>
+                <a:ea typeface="Courier New"/>
+                <a:cs typeface="Courier New"/>
+              </a:rPr>
+              <a:t>,</a:t>
+            </a:r>
+            <a:r>
+              <a:rPr lang="en-US" dirty="0">
+                <a:solidFill>
+                  <a:srgbClr val="000000"/>
+                </a:solidFill>
+                <a:latin typeface="Courier New"/>
+                <a:ea typeface="Courier New"/>
+                <a:cs typeface="Courier New"/>
+              </a:rPr>
+              <a:t> </a:t>
+            </a:r>
+            <a:r>
+              <a:rPr lang="en-US" dirty="0">
+                <a:solidFill>
+                  <a:srgbClr val="E6493D"/>
+                </a:solidFill>
+                <a:latin typeface="Courier New"/>
+                <a:ea typeface="Courier New"/>
+                <a:cs typeface="Courier New"/>
+              </a:rPr>
+              <a:t>"has 1 digit"</a:t>
+            </a:r>
+            <a:r>
+              <a:rPr lang="en-US" dirty="0">
+                <a:solidFill>
+                  <a:srgbClr val="A4B0B1"/>
+                </a:solidFill>
+                <a:latin typeface="Courier New"/>
+                <a:ea typeface="Courier New"/>
+                <a:cs typeface="Courier New"/>
+              </a:rPr>
+              <a:t>)</a:t>
+            </a:r>
+            <a:endParaRPr lang="en-US" dirty="0">
+              <a:solidFill>
+                <a:srgbClr val="000000"/>
+              </a:solidFill>
+              <a:latin typeface="Courier New"/>
+              <a:ea typeface="Courier New"/>
+              <a:cs typeface="Courier New"/>
+            </a:endParaRPr>
+          </a:p>
+          <a:p>
+            <a:r>
+              <a:rPr lang="en-US" dirty="0">
+                <a:solidFill>
+                  <a:srgbClr val="000000"/>
+                </a:solidFill>
+                <a:latin typeface="Courier New"/>
+                <a:ea typeface="Courier New"/>
+                <a:cs typeface="Courier New"/>
+              </a:rPr>
+              <a:t>    </a:t>
+            </a:r>
+            <a:r>
+              <a:rPr lang="en-US" dirty="0">
+                <a:solidFill>
+                  <a:srgbClr val="A4B0B1"/>
+                </a:solidFill>
+                <a:latin typeface="Courier New"/>
+                <a:ea typeface="Courier New"/>
+                <a:cs typeface="Courier New"/>
+              </a:rPr>
+              <a:t>}</a:t>
+            </a:r>
+            <a:r>
+              <a:rPr lang="en-US" dirty="0">
+                <a:solidFill>
+                  <a:srgbClr val="000000"/>
+                </a:solidFill>
+                <a:latin typeface="Courier New"/>
+                <a:ea typeface="Courier New"/>
+                <a:cs typeface="Courier New"/>
+              </a:rPr>
+              <a:t> </a:t>
+            </a:r>
+            <a:r>
+              <a:rPr lang="en-US" dirty="0">
+                <a:solidFill>
+                  <a:srgbClr val="D7601A"/>
+                </a:solidFill>
+                <a:latin typeface="Courier New"/>
+                <a:ea typeface="Courier New"/>
+                <a:cs typeface="Courier New"/>
+              </a:rPr>
+              <a:t>else</a:t>
+            </a:r>
+            <a:r>
+              <a:rPr lang="en-US" dirty="0">
+                <a:solidFill>
+                  <a:srgbClr val="000000"/>
+                </a:solidFill>
+                <a:latin typeface="Courier New"/>
+                <a:ea typeface="Courier New"/>
+                <a:cs typeface="Courier New"/>
+              </a:rPr>
+              <a:t> </a:t>
+            </a:r>
+            <a:r>
+              <a:rPr lang="en-US" dirty="0">
+                <a:solidFill>
+                  <a:srgbClr val="A4B0B1"/>
+                </a:solidFill>
+                <a:latin typeface="Courier New"/>
+                <a:ea typeface="Courier New"/>
+                <a:cs typeface="Courier New"/>
+              </a:rPr>
+              <a:t>{</a:t>
+            </a:r>
+            <a:endParaRPr lang="en-US" dirty="0">
+              <a:solidFill>
+                <a:srgbClr val="000000"/>
+              </a:solidFill>
+              <a:latin typeface="Courier New"/>
+              <a:ea typeface="Courier New"/>
+              <a:cs typeface="Courier New"/>
+            </a:endParaRPr>
+          </a:p>
+          <a:p>
+            <a:r>
+              <a:rPr lang="en-US" dirty="0">
+                <a:solidFill>
+                  <a:srgbClr val="95A5A7"/>
+                </a:solidFill>
+                <a:latin typeface="Courier New"/>
+                <a:ea typeface="Courier New"/>
+                <a:cs typeface="Courier New"/>
+              </a:rPr>
+              <a:t>        </a:t>
+            </a:r>
+            <a:r>
+              <a:rPr lang="en-US" dirty="0" err="1">
+                <a:solidFill>
+                  <a:srgbClr val="95A5A7"/>
+                </a:solidFill>
+                <a:latin typeface="Courier New"/>
+                <a:ea typeface="Courier New"/>
+                <a:cs typeface="Courier New"/>
+              </a:rPr>
+              <a:t>fmt</a:t>
+            </a:r>
+            <a:r>
+              <a:rPr lang="en-US" dirty="0" err="1">
+                <a:solidFill>
+                  <a:srgbClr val="A4B0B1"/>
+                </a:solidFill>
+                <a:latin typeface="Courier New"/>
+                <a:ea typeface="Courier New"/>
+                <a:cs typeface="Courier New"/>
+              </a:rPr>
+              <a:t>.Println</a:t>
+            </a:r>
+            <a:r>
+              <a:rPr lang="en-US" dirty="0">
+                <a:solidFill>
+                  <a:srgbClr val="A4B0B1"/>
+                </a:solidFill>
+                <a:latin typeface="Courier New"/>
+                <a:ea typeface="Courier New"/>
+                <a:cs typeface="Courier New"/>
+              </a:rPr>
+              <a:t>(</a:t>
+            </a:r>
+            <a:r>
+              <a:rPr lang="en-US" dirty="0" err="1">
+                <a:solidFill>
+                  <a:srgbClr val="95A5A7"/>
+                </a:solidFill>
+                <a:latin typeface="Courier New"/>
+                <a:ea typeface="Courier New"/>
+                <a:cs typeface="Courier New"/>
+              </a:rPr>
+              <a:t>num</a:t>
+            </a:r>
+            <a:r>
+              <a:rPr lang="en-US" dirty="0">
+                <a:solidFill>
+                  <a:srgbClr val="A4B0B1"/>
+                </a:solidFill>
+                <a:latin typeface="Courier New"/>
+                <a:ea typeface="Courier New"/>
+                <a:cs typeface="Courier New"/>
+              </a:rPr>
+              <a:t>,</a:t>
+            </a:r>
+            <a:r>
+              <a:rPr lang="en-US" dirty="0">
+                <a:solidFill>
+                  <a:srgbClr val="000000"/>
+                </a:solidFill>
+                <a:latin typeface="Courier New"/>
+                <a:ea typeface="Courier New"/>
+                <a:cs typeface="Courier New"/>
+              </a:rPr>
+              <a:t> </a:t>
+            </a:r>
+            <a:r>
+              <a:rPr lang="en-US" dirty="0">
+                <a:solidFill>
+                  <a:srgbClr val="E6493D"/>
+                </a:solidFill>
+                <a:latin typeface="Courier New"/>
+                <a:ea typeface="Courier New"/>
+                <a:cs typeface="Courier New"/>
+              </a:rPr>
+              <a:t>"has multiple digits"</a:t>
+            </a:r>
+            <a:r>
+              <a:rPr lang="en-US" dirty="0">
+                <a:solidFill>
+                  <a:srgbClr val="A4B0B1"/>
+                </a:solidFill>
+                <a:latin typeface="Courier New"/>
+                <a:ea typeface="Courier New"/>
+                <a:cs typeface="Courier New"/>
+              </a:rPr>
+              <a:t>)</a:t>
+            </a:r>
+            <a:endParaRPr lang="en-US" dirty="0">
+              <a:solidFill>
+                <a:srgbClr val="000000"/>
+              </a:solidFill>
+              <a:latin typeface="Courier New"/>
+              <a:ea typeface="Courier New"/>
+              <a:cs typeface="Courier New"/>
+            </a:endParaRPr>
+          </a:p>
+          <a:p>
+            <a:r>
+              <a:rPr lang="en-US" dirty="0">
+                <a:solidFill>
+                  <a:srgbClr val="000000"/>
+                </a:solidFill>
+                <a:latin typeface="Courier New"/>
+                <a:ea typeface="Courier New"/>
+                <a:cs typeface="Courier New"/>
+              </a:rPr>
+              <a:t>    </a:t>
+            </a:r>
+            <a:r>
+              <a:rPr lang="en-US" dirty="0">
+                <a:solidFill>
+                  <a:srgbClr val="A4B0B1"/>
+                </a:solidFill>
+                <a:latin typeface="Courier New"/>
+                <a:ea typeface="Courier New"/>
+                <a:cs typeface="Courier New"/>
+              </a:rPr>
+              <a:t>}</a:t>
+            </a:r>
+            <a:endParaRPr lang="en-US" dirty="0">
+              <a:solidFill>
+                <a:srgbClr val="000000"/>
+              </a:solidFill>
+              <a:latin typeface="Courier New"/>
+              <a:ea typeface="Courier New"/>
+              <a:cs typeface="Courier New"/>
+            </a:endParaRPr>
+          </a:p>
+          <a:p>
+            <a:r>
+              <a:rPr lang="en-US" dirty="0">
+                <a:solidFill>
+                  <a:srgbClr val="A4B0B1"/>
+                </a:solidFill>
+                <a:latin typeface="Courier New"/>
+                <a:ea typeface="Courier New"/>
+                <a:cs typeface="Courier New"/>
+              </a:rPr>
+              <a:t>}</a:t>
+            </a:r>
+            <a:endParaRPr lang="en-US" dirty="0"/>
+          </a:p>
+        </p:txBody>
+      </p:sp>
+      <p:sp>
+        <p:nvSpPr>
+          <p:cNvPr id="2" name="Title 1"/>
+          <p:cNvSpPr>
+            <a:spLocks noGrp="1"/>
+          </p:cNvSpPr>
+          <p:nvPr>
+            <p:ph type="title"/>
+          </p:nvPr>
+        </p:nvSpPr>
+        <p:spPr>
+          <a:xfrm>
+            <a:off x="4222968" y="172946"/>
+            <a:ext cx="4666667" cy="551537"/>
+          </a:xfrm>
+        </p:spPr>
+        <p:style>
+          <a:lnRef idx="2">
+            <a:schemeClr val="accent6"/>
+          </a:lnRef>
+          <a:fillRef idx="1">
+            <a:schemeClr val="lt1"/>
+          </a:fillRef>
+          <a:effectRef idx="0">
+            <a:schemeClr val="accent6"/>
+          </a:effectRef>
+          <a:fontRef idx="minor">
+            <a:schemeClr val="dk1"/>
+          </a:fontRef>
+        </p:style>
+        <p:txBody>
+          <a:bodyPr>
+            <a:normAutofit fontScale="90000"/>
+          </a:bodyPr>
+          <a:lstStyle/>
+          <a:p>
+            <a:r>
+              <a:rPr lang="en-US" dirty="0" smtClean="0"/>
+              <a:t>03.1-branchingif.go</a:t>
+            </a:r>
             <a:endParaRPr lang="en-US" dirty="0"/>
           </a:p>
         </p:txBody>
@@ -4275,7 +4989,7 @@
     </p:spTree>
     <p:extLst>
       <p:ext uri="{BB962C8B-B14F-4D97-AF65-F5344CB8AC3E}">
-        <p14:creationId xmlns:p14="http://schemas.microsoft.com/office/powerpoint/2010/main" val="2677658468"/>
+        <p14:creationId xmlns:p14="http://schemas.microsoft.com/office/powerpoint/2010/main" val="2047950276"/>
       </p:ext>
     </p:extLst>
   </p:cSld>
@@ -4326,6 +5040,1069 @@
           <a:p>
             <a:r>
               <a:rPr lang="en-US" dirty="0" smtClean="0"/>
+              <a:t>03.2-branchingswitch.go</a:t>
+            </a:r>
+            <a:endParaRPr lang="en-US" dirty="0"/>
+          </a:p>
+        </p:txBody>
+      </p:sp>
+      <p:sp>
+        <p:nvSpPr>
+          <p:cNvPr id="4" name="TextBox 3"/>
+          <p:cNvSpPr txBox="1"/>
+          <p:nvPr/>
+        </p:nvSpPr>
+        <p:spPr>
+          <a:xfrm>
+            <a:off x="457200" y="1422859"/>
+            <a:ext cx="8229600" cy="5355313"/>
+          </a:xfrm>
+          <a:prstGeom prst="rect">
+            <a:avLst/>
+          </a:prstGeom>
+        </p:spPr>
+        <p:style>
+          <a:lnRef idx="2">
+            <a:schemeClr val="dk1">
+              <a:shade val="50000"/>
+            </a:schemeClr>
+          </a:lnRef>
+          <a:fillRef idx="1">
+            <a:schemeClr val="dk1"/>
+          </a:fillRef>
+          <a:effectRef idx="0">
+            <a:schemeClr val="dk1"/>
+          </a:effectRef>
+          <a:fontRef idx="minor">
+            <a:schemeClr val="lt1"/>
+          </a:fontRef>
+        </p:style>
+        <p:txBody>
+          <a:bodyPr wrap="square" rtlCol="0">
+            <a:spAutoFit/>
+          </a:bodyPr>
+          <a:lstStyle/>
+          <a:p>
+            <a:r>
+              <a:rPr lang="en-US" dirty="0">
+                <a:solidFill>
+                  <a:srgbClr val="D7601A"/>
+                </a:solidFill>
+                <a:latin typeface="Courier New"/>
+                <a:ea typeface="Courier New"/>
+                <a:cs typeface="Courier New"/>
+              </a:rPr>
+              <a:t>package</a:t>
+            </a:r>
+            <a:r>
+              <a:rPr lang="en-US" dirty="0">
+                <a:solidFill>
+                  <a:srgbClr val="000000"/>
+                </a:solidFill>
+                <a:latin typeface="Courier New"/>
+                <a:ea typeface="Courier New"/>
+                <a:cs typeface="Courier New"/>
+              </a:rPr>
+              <a:t> </a:t>
+            </a:r>
+            <a:r>
+              <a:rPr lang="en-US" dirty="0" smtClean="0">
+                <a:solidFill>
+                  <a:srgbClr val="95A5A7"/>
+                </a:solidFill>
+                <a:latin typeface="Courier New"/>
+                <a:ea typeface="Courier New"/>
+                <a:cs typeface="Courier New"/>
+              </a:rPr>
+              <a:t>main</a:t>
+            </a:r>
+          </a:p>
+          <a:p>
+            <a:endParaRPr lang="en-US" dirty="0">
+              <a:solidFill>
+                <a:srgbClr val="000000"/>
+              </a:solidFill>
+              <a:latin typeface="Courier New"/>
+              <a:ea typeface="Courier New"/>
+              <a:cs typeface="Courier New"/>
+            </a:endParaRPr>
+          </a:p>
+          <a:p>
+            <a:r>
+              <a:rPr lang="en-US" dirty="0">
+                <a:solidFill>
+                  <a:srgbClr val="D7601A"/>
+                </a:solidFill>
+                <a:latin typeface="Courier New"/>
+                <a:ea typeface="Courier New"/>
+                <a:cs typeface="Courier New"/>
+              </a:rPr>
+              <a:t>import</a:t>
+            </a:r>
+            <a:r>
+              <a:rPr lang="en-US" dirty="0">
+                <a:solidFill>
+                  <a:srgbClr val="000000"/>
+                </a:solidFill>
+                <a:latin typeface="Courier New"/>
+                <a:ea typeface="Courier New"/>
+                <a:cs typeface="Courier New"/>
+              </a:rPr>
+              <a:t> </a:t>
+            </a:r>
+            <a:r>
+              <a:rPr lang="en-US" dirty="0">
+                <a:solidFill>
+                  <a:srgbClr val="A4B0B1"/>
+                </a:solidFill>
+                <a:latin typeface="Courier New"/>
+                <a:ea typeface="Courier New"/>
+                <a:cs typeface="Courier New"/>
+              </a:rPr>
+              <a:t>(</a:t>
+            </a:r>
+            <a:r>
+              <a:rPr lang="en-US" dirty="0">
+                <a:solidFill>
+                  <a:srgbClr val="E6493D"/>
+                </a:solidFill>
+                <a:latin typeface="Courier New"/>
+                <a:ea typeface="Courier New"/>
+                <a:cs typeface="Courier New"/>
+              </a:rPr>
+              <a:t>"</a:t>
+            </a:r>
+            <a:r>
+              <a:rPr lang="en-US" dirty="0" err="1" smtClean="0">
+                <a:solidFill>
+                  <a:srgbClr val="E6493D"/>
+                </a:solidFill>
+                <a:latin typeface="Courier New"/>
+                <a:ea typeface="Courier New"/>
+                <a:cs typeface="Courier New"/>
+              </a:rPr>
+              <a:t>fmt</a:t>
+            </a:r>
+            <a:r>
+              <a:rPr lang="en-US" dirty="0" smtClean="0">
+                <a:solidFill>
+                  <a:srgbClr val="E6493D"/>
+                </a:solidFill>
+                <a:latin typeface="Courier New"/>
+                <a:ea typeface="Courier New"/>
+                <a:cs typeface="Courier New"/>
+              </a:rPr>
+              <a:t>”</a:t>
+            </a:r>
+            <a:r>
+              <a:rPr lang="en-US" dirty="0" smtClean="0">
+                <a:solidFill>
+                  <a:srgbClr val="A4B0B1"/>
+                </a:solidFill>
+                <a:latin typeface="Courier New"/>
+                <a:ea typeface="Courier New"/>
+                <a:cs typeface="Courier New"/>
+              </a:rPr>
+              <a:t>)</a:t>
+            </a:r>
+          </a:p>
+          <a:p>
+            <a:endParaRPr lang="en-US" dirty="0">
+              <a:solidFill>
+                <a:srgbClr val="000000"/>
+              </a:solidFill>
+              <a:latin typeface="Courier New"/>
+              <a:ea typeface="Courier New"/>
+              <a:cs typeface="Courier New"/>
+            </a:endParaRPr>
+          </a:p>
+          <a:p>
+            <a:r>
+              <a:rPr lang="en-US" dirty="0" err="1">
+                <a:solidFill>
+                  <a:srgbClr val="D7601A"/>
+                </a:solidFill>
+                <a:latin typeface="Courier New"/>
+                <a:ea typeface="Courier New"/>
+                <a:cs typeface="Courier New"/>
+              </a:rPr>
+              <a:t>func</a:t>
+            </a:r>
+            <a:r>
+              <a:rPr lang="en-US" dirty="0">
+                <a:solidFill>
+                  <a:srgbClr val="000000"/>
+                </a:solidFill>
+                <a:latin typeface="Courier New"/>
+                <a:ea typeface="Courier New"/>
+                <a:cs typeface="Courier New"/>
+              </a:rPr>
+              <a:t> </a:t>
+            </a:r>
+            <a:r>
+              <a:rPr lang="en-US" dirty="0">
+                <a:solidFill>
+                  <a:srgbClr val="A4B0B1"/>
+                </a:solidFill>
+                <a:latin typeface="Courier New"/>
+                <a:ea typeface="Courier New"/>
+                <a:cs typeface="Courier New"/>
+              </a:rPr>
+              <a:t>main() {</a:t>
+            </a:r>
+            <a:endParaRPr lang="en-US" dirty="0">
+              <a:solidFill>
+                <a:srgbClr val="000000"/>
+              </a:solidFill>
+              <a:latin typeface="Courier New"/>
+              <a:ea typeface="Courier New"/>
+              <a:cs typeface="Courier New"/>
+            </a:endParaRPr>
+          </a:p>
+          <a:p>
+            <a:r>
+              <a:rPr lang="en-US" dirty="0">
+                <a:solidFill>
+                  <a:srgbClr val="95A5A7"/>
+                </a:solidFill>
+                <a:latin typeface="Courier New"/>
+                <a:ea typeface="Courier New"/>
+                <a:cs typeface="Courier New"/>
+              </a:rPr>
+              <a:t>    </a:t>
+            </a:r>
+            <a:r>
+              <a:rPr lang="en-US" dirty="0" err="1">
+                <a:solidFill>
+                  <a:srgbClr val="95A5A7"/>
+                </a:solidFill>
+                <a:latin typeface="Courier New"/>
+                <a:ea typeface="Courier New"/>
+                <a:cs typeface="Courier New"/>
+              </a:rPr>
+              <a:t>i</a:t>
+            </a:r>
+            <a:r>
+              <a:rPr lang="en-US" dirty="0">
+                <a:solidFill>
+                  <a:srgbClr val="000000"/>
+                </a:solidFill>
+                <a:latin typeface="Courier New"/>
+                <a:ea typeface="Courier New"/>
+                <a:cs typeface="Courier New"/>
+              </a:rPr>
+              <a:t> </a:t>
+            </a:r>
+            <a:r>
+              <a:rPr lang="en-US" dirty="0">
+                <a:solidFill>
+                  <a:srgbClr val="A4B0B1"/>
+                </a:solidFill>
+                <a:latin typeface="Courier New"/>
+                <a:ea typeface="Courier New"/>
+                <a:cs typeface="Courier New"/>
+              </a:rPr>
+              <a:t>:=</a:t>
+            </a:r>
+            <a:r>
+              <a:rPr lang="en-US" dirty="0">
+                <a:solidFill>
+                  <a:srgbClr val="000000"/>
+                </a:solidFill>
+                <a:latin typeface="Courier New"/>
+                <a:ea typeface="Courier New"/>
+                <a:cs typeface="Courier New"/>
+              </a:rPr>
+              <a:t> </a:t>
+            </a:r>
+            <a:r>
+              <a:rPr lang="en-US" dirty="0">
+                <a:solidFill>
+                  <a:srgbClr val="E6493D"/>
+                </a:solidFill>
+                <a:latin typeface="Courier New"/>
+                <a:ea typeface="Courier New"/>
+                <a:cs typeface="Courier New"/>
+              </a:rPr>
+              <a:t>2</a:t>
+            </a:r>
+            <a:endParaRPr lang="en-US" dirty="0">
+              <a:solidFill>
+                <a:srgbClr val="000000"/>
+              </a:solidFill>
+              <a:latin typeface="Courier New"/>
+              <a:ea typeface="Courier New"/>
+              <a:cs typeface="Courier New"/>
+            </a:endParaRPr>
+          </a:p>
+          <a:p>
+            <a:r>
+              <a:rPr lang="en-US" dirty="0">
+                <a:solidFill>
+                  <a:srgbClr val="95A5A7"/>
+                </a:solidFill>
+                <a:latin typeface="Courier New"/>
+                <a:ea typeface="Courier New"/>
+                <a:cs typeface="Courier New"/>
+              </a:rPr>
+              <a:t>    </a:t>
+            </a:r>
+            <a:r>
+              <a:rPr lang="en-US" dirty="0" err="1">
+                <a:solidFill>
+                  <a:srgbClr val="95A5A7"/>
+                </a:solidFill>
+                <a:latin typeface="Courier New"/>
+                <a:ea typeface="Courier New"/>
+                <a:cs typeface="Courier New"/>
+              </a:rPr>
+              <a:t>fmt</a:t>
+            </a:r>
+            <a:r>
+              <a:rPr lang="en-US" dirty="0" err="1">
+                <a:solidFill>
+                  <a:srgbClr val="A4B0B1"/>
+                </a:solidFill>
+                <a:latin typeface="Courier New"/>
+                <a:ea typeface="Courier New"/>
+                <a:cs typeface="Courier New"/>
+              </a:rPr>
+              <a:t>.Print</a:t>
+            </a:r>
+            <a:r>
+              <a:rPr lang="en-US" dirty="0">
+                <a:solidFill>
+                  <a:srgbClr val="A4B0B1"/>
+                </a:solidFill>
+                <a:latin typeface="Courier New"/>
+                <a:ea typeface="Courier New"/>
+                <a:cs typeface="Courier New"/>
+              </a:rPr>
+              <a:t>(</a:t>
+            </a:r>
+            <a:r>
+              <a:rPr lang="en-US" dirty="0">
+                <a:solidFill>
+                  <a:srgbClr val="E6493D"/>
+                </a:solidFill>
+                <a:latin typeface="Courier New"/>
+                <a:ea typeface="Courier New"/>
+                <a:cs typeface="Courier New"/>
+              </a:rPr>
+              <a:t>"write "</a:t>
+            </a:r>
+            <a:r>
+              <a:rPr lang="en-US" dirty="0">
+                <a:solidFill>
+                  <a:srgbClr val="A4B0B1"/>
+                </a:solidFill>
+                <a:latin typeface="Courier New"/>
+                <a:ea typeface="Courier New"/>
+                <a:cs typeface="Courier New"/>
+              </a:rPr>
+              <a:t>,</a:t>
+            </a:r>
+            <a:r>
+              <a:rPr lang="en-US" dirty="0">
+                <a:solidFill>
+                  <a:srgbClr val="000000"/>
+                </a:solidFill>
+                <a:latin typeface="Courier New"/>
+                <a:ea typeface="Courier New"/>
+                <a:cs typeface="Courier New"/>
+              </a:rPr>
+              <a:t> </a:t>
+            </a:r>
+            <a:r>
+              <a:rPr lang="en-US" dirty="0" err="1">
+                <a:solidFill>
+                  <a:srgbClr val="95A5A7"/>
+                </a:solidFill>
+                <a:latin typeface="Courier New"/>
+                <a:ea typeface="Courier New"/>
+                <a:cs typeface="Courier New"/>
+              </a:rPr>
+              <a:t>i</a:t>
+            </a:r>
+            <a:r>
+              <a:rPr lang="en-US" dirty="0">
+                <a:solidFill>
+                  <a:srgbClr val="A4B0B1"/>
+                </a:solidFill>
+                <a:latin typeface="Courier New"/>
+                <a:ea typeface="Courier New"/>
+                <a:cs typeface="Courier New"/>
+              </a:rPr>
+              <a:t>,</a:t>
+            </a:r>
+            <a:r>
+              <a:rPr lang="en-US" dirty="0">
+                <a:solidFill>
+                  <a:srgbClr val="000000"/>
+                </a:solidFill>
+                <a:latin typeface="Courier New"/>
+                <a:ea typeface="Courier New"/>
+                <a:cs typeface="Courier New"/>
+              </a:rPr>
+              <a:t> </a:t>
+            </a:r>
+            <a:r>
+              <a:rPr lang="en-US" dirty="0">
+                <a:solidFill>
+                  <a:srgbClr val="E6493D"/>
+                </a:solidFill>
+                <a:latin typeface="Courier New"/>
+                <a:ea typeface="Courier New"/>
+                <a:cs typeface="Courier New"/>
+              </a:rPr>
+              <a:t>" as "</a:t>
+            </a:r>
+            <a:r>
+              <a:rPr lang="en-US" dirty="0">
+                <a:solidFill>
+                  <a:srgbClr val="A4B0B1"/>
+                </a:solidFill>
+                <a:latin typeface="Courier New"/>
+                <a:ea typeface="Courier New"/>
+                <a:cs typeface="Courier New"/>
+              </a:rPr>
+              <a:t>)</a:t>
+            </a:r>
+            <a:endParaRPr lang="en-US" dirty="0">
+              <a:solidFill>
+                <a:srgbClr val="000000"/>
+              </a:solidFill>
+              <a:latin typeface="Courier New"/>
+              <a:ea typeface="Courier New"/>
+              <a:cs typeface="Courier New"/>
+            </a:endParaRPr>
+          </a:p>
+          <a:p>
+            <a:r>
+              <a:rPr lang="en-US" dirty="0">
+                <a:solidFill>
+                  <a:srgbClr val="000000"/>
+                </a:solidFill>
+                <a:latin typeface="Courier New"/>
+                <a:ea typeface="Courier New"/>
+                <a:cs typeface="Courier New"/>
+              </a:rPr>
+              <a:t>    </a:t>
+            </a:r>
+            <a:r>
+              <a:rPr lang="en-US" dirty="0">
+                <a:solidFill>
+                  <a:srgbClr val="D7601A"/>
+                </a:solidFill>
+                <a:latin typeface="Courier New"/>
+                <a:ea typeface="Courier New"/>
+                <a:cs typeface="Courier New"/>
+              </a:rPr>
+              <a:t>switch</a:t>
+            </a:r>
+            <a:r>
+              <a:rPr lang="en-US" dirty="0">
+                <a:solidFill>
+                  <a:srgbClr val="000000"/>
+                </a:solidFill>
+                <a:latin typeface="Courier New"/>
+                <a:ea typeface="Courier New"/>
+                <a:cs typeface="Courier New"/>
+              </a:rPr>
+              <a:t> </a:t>
+            </a:r>
+            <a:r>
+              <a:rPr lang="en-US" dirty="0" err="1">
+                <a:solidFill>
+                  <a:srgbClr val="95A5A7"/>
+                </a:solidFill>
+                <a:latin typeface="Courier New"/>
+                <a:ea typeface="Courier New"/>
+                <a:cs typeface="Courier New"/>
+              </a:rPr>
+              <a:t>i</a:t>
+            </a:r>
+            <a:r>
+              <a:rPr lang="en-US" dirty="0">
+                <a:solidFill>
+                  <a:srgbClr val="000000"/>
+                </a:solidFill>
+                <a:latin typeface="Courier New"/>
+                <a:ea typeface="Courier New"/>
+                <a:cs typeface="Courier New"/>
+              </a:rPr>
+              <a:t> </a:t>
+            </a:r>
+            <a:r>
+              <a:rPr lang="en-US" dirty="0">
+                <a:solidFill>
+                  <a:srgbClr val="A4B0B1"/>
+                </a:solidFill>
+                <a:latin typeface="Courier New"/>
+                <a:ea typeface="Courier New"/>
+                <a:cs typeface="Courier New"/>
+              </a:rPr>
+              <a:t>{</a:t>
+            </a:r>
+            <a:endParaRPr lang="en-US" dirty="0">
+              <a:solidFill>
+                <a:srgbClr val="000000"/>
+              </a:solidFill>
+              <a:latin typeface="Courier New"/>
+              <a:ea typeface="Courier New"/>
+              <a:cs typeface="Courier New"/>
+            </a:endParaRPr>
+          </a:p>
+          <a:p>
+            <a:r>
+              <a:rPr lang="en-US" dirty="0">
+                <a:solidFill>
+                  <a:srgbClr val="000000"/>
+                </a:solidFill>
+                <a:latin typeface="Courier New"/>
+                <a:ea typeface="Courier New"/>
+                <a:cs typeface="Courier New"/>
+              </a:rPr>
+              <a:t>    </a:t>
+            </a:r>
+            <a:r>
+              <a:rPr lang="en-US" dirty="0">
+                <a:solidFill>
+                  <a:srgbClr val="D7601A"/>
+                </a:solidFill>
+                <a:latin typeface="Courier New"/>
+                <a:ea typeface="Courier New"/>
+                <a:cs typeface="Courier New"/>
+              </a:rPr>
+              <a:t>case</a:t>
+            </a:r>
+            <a:r>
+              <a:rPr lang="en-US" dirty="0">
+                <a:solidFill>
+                  <a:srgbClr val="000000"/>
+                </a:solidFill>
+                <a:latin typeface="Courier New"/>
+                <a:ea typeface="Courier New"/>
+                <a:cs typeface="Courier New"/>
+              </a:rPr>
+              <a:t> </a:t>
+            </a:r>
+            <a:r>
+              <a:rPr lang="en-US" dirty="0">
+                <a:solidFill>
+                  <a:srgbClr val="E6493D"/>
+                </a:solidFill>
+                <a:latin typeface="Courier New"/>
+                <a:ea typeface="Courier New"/>
+                <a:cs typeface="Courier New"/>
+              </a:rPr>
+              <a:t>1</a:t>
+            </a:r>
+            <a:r>
+              <a:rPr lang="en-US" dirty="0">
+                <a:solidFill>
+                  <a:srgbClr val="A4B0B1"/>
+                </a:solidFill>
+                <a:latin typeface="Courier New"/>
+                <a:ea typeface="Courier New"/>
+                <a:cs typeface="Courier New"/>
+              </a:rPr>
+              <a:t>:</a:t>
+            </a:r>
+            <a:endParaRPr lang="en-US" dirty="0">
+              <a:solidFill>
+                <a:srgbClr val="000000"/>
+              </a:solidFill>
+              <a:latin typeface="Courier New"/>
+              <a:ea typeface="Courier New"/>
+              <a:cs typeface="Courier New"/>
+            </a:endParaRPr>
+          </a:p>
+          <a:p>
+            <a:r>
+              <a:rPr lang="en-US" dirty="0">
+                <a:solidFill>
+                  <a:srgbClr val="95A5A7"/>
+                </a:solidFill>
+                <a:latin typeface="Courier New"/>
+                <a:ea typeface="Courier New"/>
+                <a:cs typeface="Courier New"/>
+              </a:rPr>
+              <a:t>        </a:t>
+            </a:r>
+            <a:r>
+              <a:rPr lang="en-US" dirty="0" err="1">
+                <a:solidFill>
+                  <a:srgbClr val="95A5A7"/>
+                </a:solidFill>
+                <a:latin typeface="Courier New"/>
+                <a:ea typeface="Courier New"/>
+                <a:cs typeface="Courier New"/>
+              </a:rPr>
+              <a:t>fmt</a:t>
+            </a:r>
+            <a:r>
+              <a:rPr lang="en-US" dirty="0" err="1">
+                <a:solidFill>
+                  <a:srgbClr val="A4B0B1"/>
+                </a:solidFill>
+                <a:latin typeface="Courier New"/>
+                <a:ea typeface="Courier New"/>
+                <a:cs typeface="Courier New"/>
+              </a:rPr>
+              <a:t>.Println</a:t>
+            </a:r>
+            <a:r>
+              <a:rPr lang="en-US" dirty="0">
+                <a:solidFill>
+                  <a:srgbClr val="A4B0B1"/>
+                </a:solidFill>
+                <a:latin typeface="Courier New"/>
+                <a:ea typeface="Courier New"/>
+                <a:cs typeface="Courier New"/>
+              </a:rPr>
+              <a:t>(</a:t>
+            </a:r>
+            <a:r>
+              <a:rPr lang="en-US" dirty="0">
+                <a:solidFill>
+                  <a:srgbClr val="E6493D"/>
+                </a:solidFill>
+                <a:latin typeface="Courier New"/>
+                <a:ea typeface="Courier New"/>
+                <a:cs typeface="Courier New"/>
+              </a:rPr>
+              <a:t>"one"</a:t>
+            </a:r>
+            <a:r>
+              <a:rPr lang="en-US" dirty="0">
+                <a:solidFill>
+                  <a:srgbClr val="A4B0B1"/>
+                </a:solidFill>
+                <a:latin typeface="Courier New"/>
+                <a:ea typeface="Courier New"/>
+                <a:cs typeface="Courier New"/>
+              </a:rPr>
+              <a:t>)</a:t>
+            </a:r>
+            <a:endParaRPr lang="en-US" dirty="0">
+              <a:solidFill>
+                <a:srgbClr val="000000"/>
+              </a:solidFill>
+              <a:latin typeface="Courier New"/>
+              <a:ea typeface="Courier New"/>
+              <a:cs typeface="Courier New"/>
+            </a:endParaRPr>
+          </a:p>
+          <a:p>
+            <a:r>
+              <a:rPr lang="en-US" dirty="0">
+                <a:solidFill>
+                  <a:srgbClr val="000000"/>
+                </a:solidFill>
+                <a:latin typeface="Courier New"/>
+                <a:ea typeface="Courier New"/>
+                <a:cs typeface="Courier New"/>
+              </a:rPr>
+              <a:t>    </a:t>
+            </a:r>
+            <a:r>
+              <a:rPr lang="en-US" dirty="0">
+                <a:solidFill>
+                  <a:srgbClr val="D7601A"/>
+                </a:solidFill>
+                <a:latin typeface="Courier New"/>
+                <a:ea typeface="Courier New"/>
+                <a:cs typeface="Courier New"/>
+              </a:rPr>
+              <a:t>case</a:t>
+            </a:r>
+            <a:r>
+              <a:rPr lang="en-US" dirty="0">
+                <a:solidFill>
+                  <a:srgbClr val="000000"/>
+                </a:solidFill>
+                <a:latin typeface="Courier New"/>
+                <a:ea typeface="Courier New"/>
+                <a:cs typeface="Courier New"/>
+              </a:rPr>
+              <a:t> </a:t>
+            </a:r>
+            <a:r>
+              <a:rPr lang="en-US" dirty="0">
+                <a:solidFill>
+                  <a:srgbClr val="E6493D"/>
+                </a:solidFill>
+                <a:latin typeface="Courier New"/>
+                <a:ea typeface="Courier New"/>
+                <a:cs typeface="Courier New"/>
+              </a:rPr>
+              <a:t>2</a:t>
+            </a:r>
+            <a:r>
+              <a:rPr lang="en-US" dirty="0">
+                <a:solidFill>
+                  <a:srgbClr val="A4B0B1"/>
+                </a:solidFill>
+                <a:latin typeface="Courier New"/>
+                <a:ea typeface="Courier New"/>
+                <a:cs typeface="Courier New"/>
+              </a:rPr>
+              <a:t>:</a:t>
+            </a:r>
+            <a:endParaRPr lang="en-US" dirty="0">
+              <a:solidFill>
+                <a:srgbClr val="000000"/>
+              </a:solidFill>
+              <a:latin typeface="Courier New"/>
+              <a:ea typeface="Courier New"/>
+              <a:cs typeface="Courier New"/>
+            </a:endParaRPr>
+          </a:p>
+          <a:p>
+            <a:r>
+              <a:rPr lang="en-US" dirty="0">
+                <a:solidFill>
+                  <a:srgbClr val="95A5A7"/>
+                </a:solidFill>
+                <a:latin typeface="Courier New"/>
+                <a:ea typeface="Courier New"/>
+                <a:cs typeface="Courier New"/>
+              </a:rPr>
+              <a:t>        </a:t>
+            </a:r>
+            <a:r>
+              <a:rPr lang="en-US" dirty="0" err="1">
+                <a:solidFill>
+                  <a:srgbClr val="95A5A7"/>
+                </a:solidFill>
+                <a:latin typeface="Courier New"/>
+                <a:ea typeface="Courier New"/>
+                <a:cs typeface="Courier New"/>
+              </a:rPr>
+              <a:t>fmt</a:t>
+            </a:r>
+            <a:r>
+              <a:rPr lang="en-US" dirty="0" err="1">
+                <a:solidFill>
+                  <a:srgbClr val="A4B0B1"/>
+                </a:solidFill>
+                <a:latin typeface="Courier New"/>
+                <a:ea typeface="Courier New"/>
+                <a:cs typeface="Courier New"/>
+              </a:rPr>
+              <a:t>.Println</a:t>
+            </a:r>
+            <a:r>
+              <a:rPr lang="en-US" dirty="0">
+                <a:solidFill>
+                  <a:srgbClr val="A4B0B1"/>
+                </a:solidFill>
+                <a:latin typeface="Courier New"/>
+                <a:ea typeface="Courier New"/>
+                <a:cs typeface="Courier New"/>
+              </a:rPr>
+              <a:t>(</a:t>
+            </a:r>
+            <a:r>
+              <a:rPr lang="en-US" dirty="0">
+                <a:solidFill>
+                  <a:srgbClr val="E6493D"/>
+                </a:solidFill>
+                <a:latin typeface="Courier New"/>
+                <a:ea typeface="Courier New"/>
+                <a:cs typeface="Courier New"/>
+              </a:rPr>
+              <a:t>"two"</a:t>
+            </a:r>
+            <a:r>
+              <a:rPr lang="en-US" dirty="0">
+                <a:solidFill>
+                  <a:srgbClr val="A4B0B1"/>
+                </a:solidFill>
+                <a:latin typeface="Courier New"/>
+                <a:ea typeface="Courier New"/>
+                <a:cs typeface="Courier New"/>
+              </a:rPr>
+              <a:t>)</a:t>
+            </a:r>
+            <a:endParaRPr lang="en-US" dirty="0">
+              <a:solidFill>
+                <a:srgbClr val="000000"/>
+              </a:solidFill>
+              <a:latin typeface="Courier New"/>
+              <a:ea typeface="Courier New"/>
+              <a:cs typeface="Courier New"/>
+            </a:endParaRPr>
+          </a:p>
+          <a:p>
+            <a:r>
+              <a:rPr lang="en-US" dirty="0">
+                <a:solidFill>
+                  <a:srgbClr val="000000"/>
+                </a:solidFill>
+                <a:latin typeface="Courier New"/>
+                <a:ea typeface="Courier New"/>
+                <a:cs typeface="Courier New"/>
+              </a:rPr>
+              <a:t>    </a:t>
+            </a:r>
+            <a:r>
+              <a:rPr lang="en-US" dirty="0">
+                <a:solidFill>
+                  <a:srgbClr val="D7601A"/>
+                </a:solidFill>
+                <a:latin typeface="Courier New"/>
+                <a:ea typeface="Courier New"/>
+                <a:cs typeface="Courier New"/>
+              </a:rPr>
+              <a:t>case</a:t>
+            </a:r>
+            <a:r>
+              <a:rPr lang="en-US" dirty="0">
+                <a:solidFill>
+                  <a:srgbClr val="000000"/>
+                </a:solidFill>
+                <a:latin typeface="Courier New"/>
+                <a:ea typeface="Courier New"/>
+                <a:cs typeface="Courier New"/>
+              </a:rPr>
+              <a:t> </a:t>
+            </a:r>
+            <a:r>
+              <a:rPr lang="en-US" dirty="0">
+                <a:solidFill>
+                  <a:srgbClr val="E6493D"/>
+                </a:solidFill>
+                <a:latin typeface="Courier New"/>
+                <a:ea typeface="Courier New"/>
+                <a:cs typeface="Courier New"/>
+              </a:rPr>
+              <a:t>3</a:t>
+            </a:r>
+            <a:r>
+              <a:rPr lang="en-US" dirty="0">
+                <a:solidFill>
+                  <a:srgbClr val="A4B0B1"/>
+                </a:solidFill>
+                <a:latin typeface="Courier New"/>
+                <a:ea typeface="Courier New"/>
+                <a:cs typeface="Courier New"/>
+              </a:rPr>
+              <a:t>:</a:t>
+            </a:r>
+            <a:endParaRPr lang="en-US" dirty="0">
+              <a:solidFill>
+                <a:srgbClr val="000000"/>
+              </a:solidFill>
+              <a:latin typeface="Courier New"/>
+              <a:ea typeface="Courier New"/>
+              <a:cs typeface="Courier New"/>
+            </a:endParaRPr>
+          </a:p>
+          <a:p>
+            <a:r>
+              <a:rPr lang="en-US" dirty="0">
+                <a:solidFill>
+                  <a:srgbClr val="95A5A7"/>
+                </a:solidFill>
+                <a:latin typeface="Courier New"/>
+                <a:ea typeface="Courier New"/>
+                <a:cs typeface="Courier New"/>
+              </a:rPr>
+              <a:t>        </a:t>
+            </a:r>
+            <a:r>
+              <a:rPr lang="en-US" dirty="0" err="1">
+                <a:solidFill>
+                  <a:srgbClr val="95A5A7"/>
+                </a:solidFill>
+                <a:latin typeface="Courier New"/>
+                <a:ea typeface="Courier New"/>
+                <a:cs typeface="Courier New"/>
+              </a:rPr>
+              <a:t>fmt</a:t>
+            </a:r>
+            <a:r>
+              <a:rPr lang="en-US" dirty="0" err="1">
+                <a:solidFill>
+                  <a:srgbClr val="A4B0B1"/>
+                </a:solidFill>
+                <a:latin typeface="Courier New"/>
+                <a:ea typeface="Courier New"/>
+                <a:cs typeface="Courier New"/>
+              </a:rPr>
+              <a:t>.Println</a:t>
+            </a:r>
+            <a:r>
+              <a:rPr lang="en-US" dirty="0">
+                <a:solidFill>
+                  <a:srgbClr val="A4B0B1"/>
+                </a:solidFill>
+                <a:latin typeface="Courier New"/>
+                <a:ea typeface="Courier New"/>
+                <a:cs typeface="Courier New"/>
+              </a:rPr>
+              <a:t>(</a:t>
+            </a:r>
+            <a:r>
+              <a:rPr lang="en-US" dirty="0">
+                <a:solidFill>
+                  <a:srgbClr val="E6493D"/>
+                </a:solidFill>
+                <a:latin typeface="Courier New"/>
+                <a:ea typeface="Courier New"/>
+                <a:cs typeface="Courier New"/>
+              </a:rPr>
+              <a:t>"three"</a:t>
+            </a:r>
+            <a:r>
+              <a:rPr lang="en-US" dirty="0">
+                <a:solidFill>
+                  <a:srgbClr val="A4B0B1"/>
+                </a:solidFill>
+                <a:latin typeface="Courier New"/>
+                <a:ea typeface="Courier New"/>
+                <a:cs typeface="Courier New"/>
+              </a:rPr>
+              <a:t>)</a:t>
+            </a:r>
+            <a:endParaRPr lang="en-US" dirty="0">
+              <a:solidFill>
+                <a:srgbClr val="000000"/>
+              </a:solidFill>
+              <a:latin typeface="Courier New"/>
+              <a:ea typeface="Courier New"/>
+              <a:cs typeface="Courier New"/>
+            </a:endParaRPr>
+          </a:p>
+          <a:p>
+            <a:r>
+              <a:rPr lang="en-US" dirty="0">
+                <a:solidFill>
+                  <a:srgbClr val="000000"/>
+                </a:solidFill>
+                <a:latin typeface="Courier New"/>
+                <a:ea typeface="Courier New"/>
+                <a:cs typeface="Courier New"/>
+              </a:rPr>
+              <a:t>    </a:t>
+            </a:r>
+            <a:r>
+              <a:rPr lang="en-US" dirty="0">
+                <a:solidFill>
+                  <a:srgbClr val="A4B0B1"/>
+                </a:solidFill>
+                <a:latin typeface="Courier New"/>
+                <a:ea typeface="Courier New"/>
+                <a:cs typeface="Courier New"/>
+              </a:rPr>
+              <a:t>}</a:t>
+            </a:r>
+            <a:endParaRPr lang="en-US" dirty="0">
+              <a:solidFill>
+                <a:srgbClr val="000000"/>
+              </a:solidFill>
+              <a:latin typeface="Courier New"/>
+              <a:ea typeface="Courier New"/>
+              <a:cs typeface="Courier New"/>
+            </a:endParaRPr>
+          </a:p>
+          <a:p>
+            <a:r>
+              <a:rPr lang="en-US" dirty="0">
+                <a:solidFill>
+                  <a:srgbClr val="000000"/>
+                </a:solidFill>
+                <a:latin typeface="Courier New"/>
+                <a:ea typeface="Courier New"/>
+                <a:cs typeface="Courier New"/>
+              </a:rPr>
+              <a:t>    </a:t>
+            </a:r>
+          </a:p>
+          <a:p>
+            <a:r>
+              <a:rPr lang="en-US" dirty="0" smtClean="0">
+                <a:solidFill>
+                  <a:srgbClr val="A4B0B1"/>
+                </a:solidFill>
+                <a:latin typeface="Courier New"/>
+                <a:ea typeface="Courier New"/>
+                <a:cs typeface="Courier New"/>
+              </a:rPr>
+              <a:t>}</a:t>
+            </a:r>
+          </a:p>
+          <a:p>
+            <a:endParaRPr lang="en-US" dirty="0">
+              <a:solidFill>
+                <a:srgbClr val="A4B0B1"/>
+              </a:solidFill>
+              <a:latin typeface="Courier New"/>
+              <a:ea typeface="Courier New"/>
+              <a:cs typeface="Courier New"/>
+            </a:endParaRPr>
+          </a:p>
+          <a:p>
+            <a:endParaRPr lang="en-US" dirty="0"/>
+          </a:p>
+        </p:txBody>
+      </p:sp>
+    </p:spTree>
+    <p:extLst>
+      <p:ext uri="{BB962C8B-B14F-4D97-AF65-F5344CB8AC3E}">
+        <p14:creationId xmlns:p14="http://schemas.microsoft.com/office/powerpoint/2010/main" val="2677658468"/>
+      </p:ext>
+    </p:extLst>
+  </p:cSld>
+  <p:clrMapOvr>
+    <a:masterClrMapping/>
+  </p:clrMapOvr>
+  <p:timing>
+    <p:tnLst>
+      <p:par>
+        <p:cTn xmlns:p14="http://schemas.microsoft.com/office/powerpoint/2010/main" id="1" dur="indefinite" restart="never" nodeType="tmRoot"/>
+      </p:par>
+    </p:tnLst>
+  </p:timing>
+</p:sld>
+</file>
+
+<file path=ppt/slides/slide12.xml><?xml version="1.0" encoding="utf-8"?>
+<p:sld xmlns:a="http://schemas.openxmlformats.org/drawingml/2006/main" xmlns:r="http://schemas.openxmlformats.org/officeDocument/2006/relationships" xmlns:p="http://schemas.openxmlformats.org/presentationml/2006/main">
+  <p:cSld>
+    <p:spTree>
+      <p:nvGrpSpPr>
+        <p:cNvPr id="1" name=""/>
+        <p:cNvGrpSpPr/>
+        <p:nvPr/>
+      </p:nvGrpSpPr>
+      <p:grpSpPr>
+        <a:xfrm>
+          <a:off x="0" y="0"/>
+          <a:ext cx="0" cy="0"/>
+          <a:chOff x="0" y="0"/>
+          <a:chExt cx="0" cy="0"/>
+        </a:xfrm>
+      </p:grpSpPr>
+      <p:sp>
+        <p:nvSpPr>
+          <p:cNvPr id="2" name="Title 1"/>
+          <p:cNvSpPr>
+            <a:spLocks noGrp="1"/>
+          </p:cNvSpPr>
+          <p:nvPr>
+            <p:ph type="title"/>
+          </p:nvPr>
+        </p:nvSpPr>
+        <p:spPr/>
+        <p:txBody>
+          <a:bodyPr/>
+          <a:lstStyle/>
+          <a:p>
+            <a:r>
+              <a:rPr lang="en-US" dirty="0" smtClean="0"/>
               <a:t>03.2.1-</a:t>
             </a:r>
             <a:r>
@@ -5550,7 +7327,7 @@
 </p:sld>
 </file>
 
-<file path=ppt/slides/slide12.xml><?xml version="1.0" encoding="utf-8"?>
+<file path=ppt/slides/slide13.xml><?xml version="1.0" encoding="utf-8"?>
 <p:sld xmlns:a="http://schemas.openxmlformats.org/drawingml/2006/main" xmlns:r="http://schemas.openxmlformats.org/officeDocument/2006/relationships" xmlns:p="http://schemas.openxmlformats.org/presentationml/2006/main">
   <p:cSld>
     <p:spTree>
@@ -7201,7 +8978,7 @@
 </p:sld>
 </file>
 
-<file path=ppt/slides/slide13.xml><?xml version="1.0" encoding="utf-8"?>
+<file path=ppt/slides/slide14.xml><?xml version="1.0" encoding="utf-8"?>
 <p:sld xmlns:a="http://schemas.openxmlformats.org/drawingml/2006/main" xmlns:r="http://schemas.openxmlformats.org/officeDocument/2006/relationships" xmlns:p="http://schemas.openxmlformats.org/presentationml/2006/main">
   <p:cSld>
     <p:spTree>
@@ -8091,7 +9868,7 @@
 </p:sld>
 </file>
 
-<file path=ppt/slides/slide14.xml><?xml version="1.0" encoding="utf-8"?>
+<file path=ppt/slides/slide15.xml><?xml version="1.0" encoding="utf-8"?>
 <p:sld xmlns:a="http://schemas.openxmlformats.org/drawingml/2006/main" xmlns:r="http://schemas.openxmlformats.org/officeDocument/2006/relationships" xmlns:p="http://schemas.openxmlformats.org/presentationml/2006/main">
   <p:cSld>
     <p:spTree>
@@ -10159,7 +11936,7 @@
 </p:sld>
 </file>
 
-<file path=ppt/slides/slide15.xml><?xml version="1.0" encoding="utf-8"?>
+<file path=ppt/slides/slide16.xml><?xml version="1.0" encoding="utf-8"?>
 <p:sld xmlns:a="http://schemas.openxmlformats.org/drawingml/2006/main" xmlns:r="http://schemas.openxmlformats.org/officeDocument/2006/relationships" xmlns:p="http://schemas.openxmlformats.org/presentationml/2006/main">
   <p:cSld>
     <p:spTree>
@@ -11879,7 +13656,7 @@
 </p:sld>
 </file>
 
-<file path=ppt/slides/slide16.xml><?xml version="1.0" encoding="utf-8"?>
+<file path=ppt/slides/slide17.xml><?xml version="1.0" encoding="utf-8"?>
 <p:sld xmlns:a="http://schemas.openxmlformats.org/drawingml/2006/main" xmlns:r="http://schemas.openxmlformats.org/officeDocument/2006/relationships" xmlns:p="http://schemas.openxmlformats.org/presentationml/2006/main">
   <p:cSld>
     <p:spTree>
@@ -12948,7 +14725,7 @@
 </p:sld>
 </file>
 
-<file path=ppt/slides/slide17.xml><?xml version="1.0" encoding="utf-8"?>
+<file path=ppt/slides/slide18.xml><?xml version="1.0" encoding="utf-8"?>
 <p:sld xmlns:a="http://schemas.openxmlformats.org/drawingml/2006/main" xmlns:r="http://schemas.openxmlformats.org/officeDocument/2006/relationships" xmlns:p="http://schemas.openxmlformats.org/presentationml/2006/main">
   <p:cSld>
     <p:spTree>
@@ -14382,244 +16159,6 @@
 </p:sld>
 </file>
 
-<file path=ppt/slides/slide18.xml><?xml version="1.0" encoding="utf-8"?>
-<p:sld xmlns:a="http://schemas.openxmlformats.org/drawingml/2006/main" xmlns:r="http://schemas.openxmlformats.org/officeDocument/2006/relationships" xmlns:p="http://schemas.openxmlformats.org/presentationml/2006/main">
-  <p:cSld>
-    <p:spTree>
-      <p:nvGrpSpPr>
-        <p:cNvPr id="1" name=""/>
-        <p:cNvGrpSpPr/>
-        <p:nvPr/>
-      </p:nvGrpSpPr>
-      <p:grpSpPr>
-        <a:xfrm>
-          <a:off x="0" y="0"/>
-          <a:ext cx="0" cy="0"/>
-          <a:chOff x="0" y="0"/>
-          <a:chExt cx="0" cy="0"/>
-        </a:xfrm>
-      </p:grpSpPr>
-      <p:sp>
-        <p:nvSpPr>
-          <p:cNvPr id="2" name="Title 1"/>
-          <p:cNvSpPr>
-            <a:spLocks noGrp="1"/>
-          </p:cNvSpPr>
-          <p:nvPr>
-            <p:ph type="title"/>
-          </p:nvPr>
-        </p:nvSpPr>
-        <p:spPr/>
-        <p:txBody>
-          <a:bodyPr/>
-          <a:lstStyle/>
-          <a:p>
-            <a:r>
-              <a:rPr lang="en-US" dirty="0" smtClean="0"/>
-              <a:t>Resources</a:t>
-            </a:r>
-            <a:endParaRPr lang="en-US" dirty="0"/>
-          </a:p>
-        </p:txBody>
-      </p:sp>
-      <p:sp>
-        <p:nvSpPr>
-          <p:cNvPr id="3" name="Content Placeholder 2"/>
-          <p:cNvSpPr>
-            <a:spLocks noGrp="1"/>
-          </p:cNvSpPr>
-          <p:nvPr>
-            <p:ph idx="1"/>
-          </p:nvPr>
-        </p:nvSpPr>
-        <p:spPr/>
-        <p:txBody>
-          <a:bodyPr>
-            <a:normAutofit fontScale="62500" lnSpcReduction="20000"/>
-          </a:bodyPr>
-          <a:lstStyle/>
-          <a:p>
-            <a:r>
-              <a:rPr lang="en-US" dirty="0" smtClean="0"/>
-              <a:t>Tools</a:t>
-            </a:r>
-          </a:p>
-          <a:p>
-            <a:pPr lvl="1"/>
-            <a:r>
-              <a:rPr lang="en-US" dirty="0" smtClean="0"/>
-              <a:t>Editors </a:t>
-            </a:r>
-            <a:br>
-              <a:rPr lang="en-US" dirty="0" smtClean="0"/>
-            </a:br>
-            <a:r>
-              <a:rPr lang="en-US" dirty="0" smtClean="0">
-                <a:hlinkClick r:id="rId2"/>
-              </a:rPr>
-              <a:t>http://go-lang.cat-v.org/text-editors/</a:t>
-            </a:r>
-            <a:r>
-              <a:rPr lang="en-US" dirty="0"/>
-              <a:t/>
-            </a:r>
-            <a:br>
-              <a:rPr lang="en-US" dirty="0"/>
-            </a:br>
-            <a:endParaRPr lang="en-US" dirty="0" smtClean="0"/>
-          </a:p>
-          <a:p>
-            <a:r>
-              <a:rPr lang="en-US" dirty="0" smtClean="0"/>
-              <a:t>Books</a:t>
-            </a:r>
-          </a:p>
-          <a:p>
-            <a:pPr lvl="1"/>
-            <a:r>
-              <a:rPr lang="en-US" dirty="0" smtClean="0"/>
-              <a:t>Learning go </a:t>
-            </a:r>
-            <a:br>
-              <a:rPr lang="en-US" dirty="0" smtClean="0"/>
-            </a:br>
-            <a:r>
-              <a:rPr lang="en-US" dirty="0" smtClean="0">
-                <a:hlinkClick r:id="rId3"/>
-              </a:rPr>
-              <a:t>http://www.miek.nl/projects/learninggo/</a:t>
-            </a:r>
-            <a:endParaRPr lang="en-US" dirty="0" smtClean="0"/>
-          </a:p>
-          <a:p>
-            <a:pPr lvl="1"/>
-            <a:r>
-              <a:rPr lang="en-US" dirty="0" err="1" smtClean="0"/>
-              <a:t>GoProgramming</a:t>
-            </a:r>
-            <a:r>
-              <a:rPr lang="en-US" dirty="0" smtClean="0"/>
-              <a:t/>
-            </a:r>
-            <a:br>
-              <a:rPr lang="en-US" dirty="0" smtClean="0"/>
-            </a:br>
-            <a:r>
-              <a:rPr lang="en-US" dirty="0" smtClean="0">
-                <a:hlinkClick r:id="rId4"/>
-              </a:rPr>
-              <a:t>http://archive.org/details/GoProgramming</a:t>
-            </a:r>
-            <a:r>
-              <a:rPr lang="en-US" dirty="0" smtClean="0"/>
-              <a:t> </a:t>
-            </a:r>
-          </a:p>
-          <a:p>
-            <a:pPr lvl="1"/>
-            <a:r>
-              <a:rPr lang="en-US" dirty="0" smtClean="0"/>
-              <a:t>Network programming with go </a:t>
-            </a:r>
-            <a:br>
-              <a:rPr lang="en-US" dirty="0" smtClean="0"/>
-            </a:br>
-            <a:r>
-              <a:rPr lang="en-US" dirty="0" smtClean="0">
-                <a:hlinkClick r:id="rId5"/>
-              </a:rPr>
-              <a:t>http://jan.newmarch.name/go/</a:t>
-            </a:r>
-            <a:r>
-              <a:rPr lang="en-US" dirty="0" smtClean="0"/>
-              <a:t/>
-            </a:r>
-            <a:br>
-              <a:rPr lang="en-US" dirty="0" smtClean="0"/>
-            </a:br>
-            <a:endParaRPr lang="en-US" dirty="0" smtClean="0"/>
-          </a:p>
-          <a:p>
-            <a:r>
-              <a:rPr lang="en-US" dirty="0" smtClean="0"/>
-              <a:t>www</a:t>
-            </a:r>
-          </a:p>
-          <a:p>
-            <a:pPr lvl="1"/>
-            <a:r>
-              <a:rPr lang="en-US" dirty="0"/>
-              <a:t>g</a:t>
-            </a:r>
-            <a:r>
-              <a:rPr lang="en-US" dirty="0" smtClean="0"/>
-              <a:t>o-wiki</a:t>
-            </a:r>
-            <a:br>
-              <a:rPr lang="en-US" dirty="0" smtClean="0"/>
-            </a:br>
-            <a:r>
-              <a:rPr lang="en-US" dirty="0" smtClean="0">
-                <a:hlinkClick r:id="rId6"/>
-              </a:rPr>
-              <a:t>https://code.google.com/p/go-wiki/w/list</a:t>
-            </a:r>
-            <a:r>
-              <a:rPr lang="en-US" dirty="0" smtClean="0"/>
-              <a:t> </a:t>
-            </a:r>
-          </a:p>
-          <a:p>
-            <a:pPr lvl="1"/>
-            <a:r>
-              <a:rPr lang="en-US" dirty="0" err="1" smtClean="0"/>
-              <a:t>Gobyexample</a:t>
-            </a:r>
-            <a:r>
-              <a:rPr lang="en-US" dirty="0"/>
-              <a:t/>
-            </a:r>
-            <a:br>
-              <a:rPr lang="en-US" dirty="0"/>
-            </a:br>
-            <a:r>
-              <a:rPr lang="en-US" dirty="0" smtClean="0">
-                <a:hlinkClick r:id="rId7"/>
-              </a:rPr>
-              <a:t>https://gobyexample.com/</a:t>
-            </a:r>
-            <a:endParaRPr lang="en-US" dirty="0" smtClean="0"/>
-          </a:p>
-          <a:p>
-            <a:pPr lvl="1"/>
-            <a:endParaRPr lang="en-US" dirty="0" smtClean="0"/>
-          </a:p>
-          <a:p>
-            <a:pPr lvl="1"/>
-            <a:endParaRPr lang="en-US" dirty="0"/>
-          </a:p>
-        </p:txBody>
-      </p:sp>
-    </p:spTree>
-    <p:extLst>
-      <p:ext uri="{BB962C8B-B14F-4D97-AF65-F5344CB8AC3E}">
-        <p14:creationId xmlns:p14="http://schemas.microsoft.com/office/powerpoint/2010/main" val="3434717005"/>
-      </p:ext>
-    </p:extLst>
-  </p:cSld>
-  <p:clrMapOvr>
-    <a:masterClrMapping/>
-  </p:clrMapOvr>
-  <p:timing>
-    <p:tnLst>
-      <p:par>
-        <p:cTn xmlns:p14="http://schemas.microsoft.com/office/powerpoint/2010/main" id="1" dur="indefinite" restart="never" nodeType="tmRoot"/>
-      </p:par>
-    </p:tnLst>
-  </p:timing>
-</p:sld>
-</file>
-
 <file path=ppt/slides/slide19.xml><?xml version="1.0" encoding="utf-8"?>
 <p:sld xmlns:a="http://schemas.openxmlformats.org/drawingml/2006/main" xmlns:r="http://schemas.openxmlformats.org/officeDocument/2006/relationships" xmlns:p="http://schemas.openxmlformats.org/presentationml/2006/main">
   <p:cSld>
@@ -14654,7 +16193,7 @@
           <a:p>
             <a:r>
               <a:rPr lang="en-US" dirty="0" smtClean="0"/>
-              <a:t>Look into the source</a:t>
+              <a:t>Resources</a:t>
             </a:r>
             <a:endParaRPr lang="en-US" dirty="0"/>
           </a:p>
@@ -14672,12 +16211,21 @@
         </p:nvSpPr>
         <p:spPr/>
         <p:txBody>
-          <a:bodyPr/>
+          <a:bodyPr>
+            <a:normAutofit fontScale="62500" lnSpcReduction="20000"/>
+          </a:bodyPr>
           <a:lstStyle/>
           <a:p>
             <a:r>
               <a:rPr lang="en-US" dirty="0" smtClean="0"/>
-              <a:t>Blog engine</a:t>
+              <a:t>Tools</a:t>
+            </a:r>
+          </a:p>
+          <a:p>
+            <a:pPr lvl="1"/>
+            <a:r>
+              <a:rPr lang="en-US" dirty="0" smtClean="0"/>
+              <a:t>Editors </a:t>
             </a:r>
             <a:br>
               <a:rPr lang="en-US" dirty="0" smtClean="0"/>
@@ -14686,11 +16234,145 @@
               <a:rPr lang="en-US" dirty="0" smtClean="0">
                 <a:hlinkClick r:id="rId2"/>
               </a:rPr>
-              <a:t>https://github.com/PuerkitoBio/trofaf</a:t>
-            </a:r>
+              <a:t>http://go-lang.cat-v.org/text-editors/</a:t>
+            </a:r>
+            <a:r>
+              <a:rPr lang="en-US" dirty="0"/>
+              <a:t/>
+            </a:r>
+            <a:br>
+              <a:rPr lang="en-US" dirty="0"/>
+            </a:br>
             <a:endParaRPr lang="en-US" dirty="0" smtClean="0"/>
           </a:p>
           <a:p>
+            <a:r>
+              <a:rPr lang="en-US" dirty="0" smtClean="0"/>
+              <a:t>Books</a:t>
+            </a:r>
+          </a:p>
+          <a:p>
+            <a:pPr lvl="1"/>
+            <a:r>
+              <a:rPr lang="en-US" dirty="0" smtClean="0"/>
+              <a:t>Learning go </a:t>
+            </a:r>
+            <a:br>
+              <a:rPr lang="en-US" dirty="0" smtClean="0"/>
+            </a:br>
+            <a:r>
+              <a:rPr lang="en-US" dirty="0" smtClean="0">
+                <a:hlinkClick r:id="rId3"/>
+              </a:rPr>
+              <a:t>http://www.miek.nl/projects/learninggo/</a:t>
+            </a:r>
+            <a:endParaRPr lang="en-US" dirty="0" smtClean="0"/>
+          </a:p>
+          <a:p>
+            <a:pPr lvl="1"/>
+            <a:r>
+              <a:rPr lang="en-US" dirty="0" err="1" smtClean="0"/>
+              <a:t>GoProgramming</a:t>
+            </a:r>
+            <a:r>
+              <a:rPr lang="en-US" dirty="0" smtClean="0"/>
+              <a:t/>
+            </a:r>
+            <a:br>
+              <a:rPr lang="en-US" dirty="0" smtClean="0"/>
+            </a:br>
+            <a:r>
+              <a:rPr lang="en-US" dirty="0" smtClean="0">
+                <a:hlinkClick r:id="rId4"/>
+              </a:rPr>
+              <a:t>http://archive.org/details/GoProgramming</a:t>
+            </a:r>
+            <a:r>
+              <a:rPr lang="en-US" dirty="0" smtClean="0"/>
+              <a:t> </a:t>
+            </a:r>
+          </a:p>
+          <a:p>
+            <a:pPr lvl="1"/>
+            <a:r>
+              <a:rPr lang="en-US" dirty="0" smtClean="0"/>
+              <a:t>Network programming with go </a:t>
+            </a:r>
+            <a:br>
+              <a:rPr lang="en-US" dirty="0" smtClean="0"/>
+            </a:br>
+            <a:r>
+              <a:rPr lang="en-US" dirty="0" smtClean="0">
+                <a:hlinkClick r:id="rId5"/>
+              </a:rPr>
+              <a:t>http://jan.newmarch.name/go/</a:t>
+            </a:r>
+            <a:r>
+              <a:rPr lang="en-US" dirty="0" smtClean="0"/>
+              <a:t/>
+            </a:r>
+            <a:br>
+              <a:rPr lang="en-US" dirty="0" smtClean="0"/>
+            </a:br>
+            <a:endParaRPr lang="en-US" dirty="0" smtClean="0"/>
+          </a:p>
+          <a:p>
+            <a:r>
+              <a:rPr lang="en-US" dirty="0" smtClean="0"/>
+              <a:t>www</a:t>
+            </a:r>
+          </a:p>
+          <a:p>
+            <a:pPr lvl="1"/>
+            <a:r>
+              <a:rPr lang="en-US" dirty="0"/>
+              <a:t>g</a:t>
+            </a:r>
+            <a:r>
+              <a:rPr lang="en-US" dirty="0" smtClean="0"/>
+              <a:t>o-wiki</a:t>
+            </a:r>
+            <a:br>
+              <a:rPr lang="en-US" dirty="0" smtClean="0"/>
+            </a:br>
+            <a:r>
+              <a:rPr lang="en-US" dirty="0" smtClean="0">
+                <a:hlinkClick r:id="rId6"/>
+              </a:rPr>
+              <a:t>https://code.google.com/p/go-wiki/w/list</a:t>
+            </a:r>
+            <a:r>
+              <a:rPr lang="en-US" dirty="0" smtClean="0"/>
+              <a:t> </a:t>
+            </a:r>
+          </a:p>
+          <a:p>
+            <a:pPr lvl="1"/>
+            <a:r>
+              <a:rPr lang="en-US" dirty="0" err="1" smtClean="0"/>
+              <a:t>Gobyexample</a:t>
+            </a:r>
+            <a:r>
+              <a:rPr lang="en-US" dirty="0"/>
+              <a:t/>
+            </a:r>
+            <a:br>
+              <a:rPr lang="en-US" dirty="0"/>
+            </a:br>
+            <a:r>
+              <a:rPr lang="en-US" dirty="0" smtClean="0">
+                <a:hlinkClick r:id="rId7"/>
+              </a:rPr>
+              <a:t>https://gobyexample.com/</a:t>
+            </a:r>
+            <a:endParaRPr lang="en-US" dirty="0" smtClean="0"/>
+          </a:p>
+          <a:p>
+            <a:pPr lvl="1"/>
+            <a:endParaRPr lang="en-US" dirty="0" smtClean="0"/>
+          </a:p>
+          <a:p>
+            <a:pPr lvl="1"/>
             <a:endParaRPr lang="en-US" dirty="0"/>
           </a:p>
         </p:txBody>
@@ -14698,7 +16380,7 @@
     </p:spTree>
     <p:extLst>
       <p:ext uri="{BB962C8B-B14F-4D97-AF65-F5344CB8AC3E}">
-        <p14:creationId xmlns:p14="http://schemas.microsoft.com/office/powerpoint/2010/main" val="2102111887"/>
+        <p14:creationId xmlns:p14="http://schemas.microsoft.com/office/powerpoint/2010/main" val="3434717005"/>
       </p:ext>
     </p:extLst>
   </p:cSld>
@@ -14883,7 +16565,7 @@
           <a:p>
             <a:r>
               <a:rPr lang="en-US" dirty="0" smtClean="0"/>
-              <a:t>Credits</a:t>
+              <a:t>Look into the source</a:t>
             </a:r>
             <a:endParaRPr lang="en-US" dirty="0"/>
           </a:p>
@@ -14905,36 +16587,29 @@
           <a:lstStyle/>
           <a:p>
             <a:r>
-              <a:rPr lang="en-US" dirty="0" err="1" smtClean="0"/>
-              <a:t>Sathish</a:t>
-            </a:r>
-            <a:r>
-              <a:rPr lang="en-US" dirty="0"/>
-              <a:t> VJ</a:t>
+              <a:rPr lang="en-US" dirty="0" smtClean="0"/>
+              <a:t>Blog engine</a:t>
             </a:r>
             <a:br>
-              <a:rPr lang="en-US" dirty="0"/>
+              <a:rPr lang="en-US" dirty="0" smtClean="0"/>
             </a:br>
-            <a:r>
-              <a:rPr lang="en-US" dirty="0">
-                <a:hlinkClick r:id="rId2"/>
-              </a:rPr>
-              <a:t>https://github.com/sathishvj/golang-workshops/tree/master/beginner</a:t>
-            </a:r>
             <a:r>
               <a:rPr lang="en-US" dirty="0" smtClean="0">
                 <a:hlinkClick r:id="rId2"/>
               </a:rPr>
-              <a:t>/</a:t>
+              <a:t>https://github.com/PuerkitoBio/trofaf</a:t>
             </a:r>
             <a:endParaRPr lang="en-US" dirty="0" smtClean="0"/>
+          </a:p>
+          <a:p>
+            <a:endParaRPr lang="en-US" dirty="0"/>
           </a:p>
         </p:txBody>
       </p:sp>
     </p:spTree>
     <p:extLst>
       <p:ext uri="{BB962C8B-B14F-4D97-AF65-F5344CB8AC3E}">
-        <p14:creationId xmlns:p14="http://schemas.microsoft.com/office/powerpoint/2010/main" val="3887627837"/>
+        <p14:creationId xmlns:p14="http://schemas.microsoft.com/office/powerpoint/2010/main" val="2102111887"/>
       </p:ext>
     </p:extLst>
   </p:cSld>
@@ -14978,6 +16653,108 @@
             <p:ph type="title"/>
           </p:nvPr>
         </p:nvSpPr>
+        <p:spPr/>
+        <p:txBody>
+          <a:bodyPr/>
+          <a:lstStyle/>
+          <a:p>
+            <a:r>
+              <a:rPr lang="en-US" dirty="0" smtClean="0"/>
+              <a:t>Credits</a:t>
+            </a:r>
+            <a:endParaRPr lang="en-US" dirty="0"/>
+          </a:p>
+        </p:txBody>
+      </p:sp>
+      <p:sp>
+        <p:nvSpPr>
+          <p:cNvPr id="3" name="Content Placeholder 2"/>
+          <p:cNvSpPr>
+            <a:spLocks noGrp="1"/>
+          </p:cNvSpPr>
+          <p:nvPr>
+            <p:ph idx="1"/>
+          </p:nvPr>
+        </p:nvSpPr>
+        <p:spPr/>
+        <p:txBody>
+          <a:bodyPr/>
+          <a:lstStyle/>
+          <a:p>
+            <a:r>
+              <a:rPr lang="en-US" dirty="0" err="1" smtClean="0"/>
+              <a:t>Sathish</a:t>
+            </a:r>
+            <a:r>
+              <a:rPr lang="en-US" dirty="0"/>
+              <a:t> VJ</a:t>
+            </a:r>
+            <a:br>
+              <a:rPr lang="en-US" dirty="0"/>
+            </a:br>
+            <a:r>
+              <a:rPr lang="en-US" dirty="0">
+                <a:hlinkClick r:id="rId2"/>
+              </a:rPr>
+              <a:t>https://github.com/sathishvj/golang-workshops/tree/master/beginner</a:t>
+            </a:r>
+            <a:r>
+              <a:rPr lang="en-US" dirty="0" smtClean="0">
+                <a:hlinkClick r:id="rId2"/>
+              </a:rPr>
+              <a:t>/</a:t>
+            </a:r>
+            <a:endParaRPr lang="en-US" dirty="0" smtClean="0"/>
+          </a:p>
+        </p:txBody>
+      </p:sp>
+    </p:spTree>
+    <p:extLst>
+      <p:ext uri="{BB962C8B-B14F-4D97-AF65-F5344CB8AC3E}">
+        <p14:creationId xmlns:p14="http://schemas.microsoft.com/office/powerpoint/2010/main" val="3887627837"/>
+      </p:ext>
+    </p:extLst>
+  </p:cSld>
+  <p:clrMapOvr>
+    <a:masterClrMapping/>
+  </p:clrMapOvr>
+  <p:timing>
+    <p:tnLst>
+      <p:par>
+        <p:cTn xmlns:p14="http://schemas.microsoft.com/office/powerpoint/2010/main" id="1" dur="indefinite" restart="never" nodeType="tmRoot"/>
+      </p:par>
+    </p:tnLst>
+  </p:timing>
+</p:sld>
+</file>
+
+<file path=ppt/slides/slide22.xml><?xml version="1.0" encoding="utf-8"?>
+<p:sld xmlns:a="http://schemas.openxmlformats.org/drawingml/2006/main" xmlns:r="http://schemas.openxmlformats.org/officeDocument/2006/relationships" xmlns:p="http://schemas.openxmlformats.org/presentationml/2006/main">
+  <p:cSld>
+    <p:spTree>
+      <p:nvGrpSpPr>
+        <p:cNvPr id="1" name=""/>
+        <p:cNvGrpSpPr/>
+        <p:nvPr/>
+      </p:nvGrpSpPr>
+      <p:grpSpPr>
+        <a:xfrm>
+          <a:off x="0" y="0"/>
+          <a:ext cx="0" cy="0"/>
+          <a:chOff x="0" y="0"/>
+          <a:chExt cx="0" cy="0"/>
+        </a:xfrm>
+      </p:grpSpPr>
+      <p:sp>
+        <p:nvSpPr>
+          <p:cNvPr id="2" name="Title 1"/>
+          <p:cNvSpPr>
+            <a:spLocks noGrp="1"/>
+          </p:cNvSpPr>
+          <p:nvPr>
+            <p:ph type="title"/>
+          </p:nvPr>
+        </p:nvSpPr>
         <p:spPr>
           <a:xfrm>
             <a:off x="457200" y="274638"/>
@@ -15127,6 +16904,30 @@
           </a:p>
         </p:txBody>
       </p:sp>
+      <p:pic>
+        <p:nvPicPr>
+          <p:cNvPr id="3" name="Picture 2"/>
+          <p:cNvPicPr>
+            <a:picLocks noChangeAspect="1"/>
+          </p:cNvPicPr>
+          <p:nvPr/>
+        </p:nvPicPr>
+        <p:blipFill>
+          <a:blip r:embed="rId2"/>
+          <a:stretch>
+            <a:fillRect/>
+          </a:stretch>
+        </p:blipFill>
+        <p:spPr>
+          <a:xfrm>
+            <a:off x="1524000" y="1357777"/>
+            <a:ext cx="6096000" cy="3429000"/>
+          </a:xfrm>
+          <a:prstGeom prst="rect">
+            <a:avLst/>
+          </a:prstGeom>
+        </p:spPr>
+      </p:pic>
     </p:spTree>
     <p:extLst>
       <p:ext uri="{BB962C8B-B14F-4D97-AF65-F5344CB8AC3E}">
@@ -15181,7 +16982,7 @@
           <a:p>
             <a:r>
               <a:rPr lang="en-US" dirty="0" smtClean="0"/>
-              <a:t>Evolution of Go</a:t>
+              <a:t>Introduction</a:t>
             </a:r>
             <a:endParaRPr lang="en-US" dirty="0"/>
           </a:p>
@@ -15197,240 +16998,67 @@
             <p:ph idx="1"/>
           </p:nvPr>
         </p:nvSpPr>
-        <p:spPr>
-          <a:xfrm>
-            <a:off x="457200" y="1600200"/>
-            <a:ext cx="8229600" cy="4993884"/>
-          </a:xfrm>
-        </p:spPr>
+        <p:spPr/>
         <p:txBody>
-          <a:bodyPr>
-            <a:normAutofit/>
-          </a:bodyPr>
+          <a:bodyPr/>
           <a:lstStyle/>
           <a:p>
             <a:pPr marL="0" indent="0">
               <a:buNone/>
             </a:pPr>
-            <a:endParaRPr lang="en-US" sz="1400" dirty="0" smtClean="0"/>
-          </a:p>
-          <a:p>
-            <a:pPr marL="0" indent="0" algn="ctr">
-              <a:buNone/>
-            </a:pPr>
-            <a:r>
-              <a:rPr lang="en-US" sz="1800" b="1" dirty="0" smtClean="0"/>
-              <a:t>Emerging </a:t>
-            </a:r>
-            <a:r>
-              <a:rPr lang="en-US" sz="1800" b="1" dirty="0"/>
-              <a:t>Languages Camp </a:t>
-            </a:r>
-            <a:r>
-              <a:rPr lang="en-US" sz="1800" b="1" dirty="0" smtClean="0"/>
-              <a:t>2010</a:t>
+            <a:r>
+              <a:rPr lang="en-US" dirty="0" smtClean="0"/>
+              <a:t>Go is a concurrent open source programming language developed at Google. </a:t>
+            </a:r>
+          </a:p>
+          <a:p>
+            <a:r>
+              <a:rPr lang="en-US" dirty="0" smtClean="0"/>
+              <a:t>Compiled</a:t>
+            </a:r>
+          </a:p>
+          <a:p>
+            <a:r>
+              <a:rPr lang="en-US" dirty="0" smtClean="0"/>
+              <a:t>Statically typed</a:t>
+            </a:r>
+          </a:p>
+          <a:p>
+            <a:r>
+              <a:rPr lang="en-US" dirty="0" smtClean="0"/>
+              <a:t>Concurrent</a:t>
+            </a:r>
+          </a:p>
+          <a:p>
+            <a:r>
+              <a:rPr lang="en-US" dirty="0" smtClean="0"/>
+              <a:t>Simple</a:t>
+            </a:r>
+          </a:p>
+          <a:p>
+            <a:r>
+              <a:rPr lang="en-US" dirty="0" smtClean="0"/>
+              <a:t>Productive</a:t>
             </a:r>
           </a:p>
           <a:p>
             <a:pPr marL="0" indent="0">
               <a:buNone/>
             </a:pPr>
-            <a:endParaRPr lang="en-US" sz="1400" b="1" dirty="0" smtClean="0"/>
-          </a:p>
-          <a:p>
-            <a:pPr marL="0" indent="0">
-              <a:buNone/>
-            </a:pPr>
-            <a:endParaRPr lang="en-US" sz="1400" b="1" dirty="0" smtClean="0"/>
-          </a:p>
-          <a:p>
-            <a:pPr marL="0" indent="0">
-              <a:buNone/>
-            </a:pPr>
-            <a:endParaRPr lang="en-US" sz="1400" b="1" dirty="0"/>
-          </a:p>
-          <a:p>
-            <a:pPr marL="0" indent="0">
-              <a:buNone/>
-            </a:pPr>
-            <a:endParaRPr lang="en-US" sz="1400" b="1" dirty="0" smtClean="0"/>
-          </a:p>
-          <a:p>
-            <a:pPr marL="0" indent="0">
-              <a:buNone/>
-            </a:pPr>
-            <a:endParaRPr lang="en-US" sz="1400" b="1" dirty="0"/>
-          </a:p>
-          <a:p>
-            <a:pPr marL="0" indent="0">
-              <a:buNone/>
-            </a:pPr>
-            <a:endParaRPr lang="en-US" sz="1400" b="1" dirty="0" smtClean="0"/>
-          </a:p>
-          <a:p>
-            <a:pPr marL="0" indent="0">
-              <a:buNone/>
-            </a:pPr>
-            <a:endParaRPr lang="en-US" sz="1400" b="1" dirty="0"/>
-          </a:p>
-          <a:p>
-            <a:pPr marL="0" indent="0">
-              <a:buNone/>
-            </a:pPr>
-            <a:endParaRPr lang="en-US" sz="1400" b="1" dirty="0" smtClean="0"/>
-          </a:p>
-          <a:p>
-            <a:pPr marL="0" indent="0">
-              <a:buNone/>
-            </a:pPr>
-            <a:endParaRPr lang="en-US" sz="1400" b="1" dirty="0"/>
-          </a:p>
-          <a:p>
-            <a:pPr marL="0" indent="0">
-              <a:buNone/>
-            </a:pPr>
-            <a:endParaRPr lang="en-US" sz="1400" b="1" dirty="0" smtClean="0"/>
-          </a:p>
-          <a:p>
-            <a:pPr marL="0" indent="0">
-              <a:buNone/>
-            </a:pPr>
-            <a:endParaRPr lang="en-US" sz="1400" b="1" dirty="0" smtClean="0"/>
-          </a:p>
-          <a:p>
-            <a:pPr marL="0" indent="0">
-              <a:buNone/>
-            </a:pPr>
-            <a:endParaRPr lang="en-US" sz="1400" b="1" dirty="0" smtClean="0"/>
-          </a:p>
-          <a:p>
-            <a:pPr marL="0" indent="0">
-              <a:buNone/>
-            </a:pPr>
-            <a:endParaRPr lang="en-US" sz="1400" b="1" dirty="0" smtClean="0"/>
-          </a:p>
-          <a:p>
-            <a:pPr marL="0" indent="0" algn="ctr">
-              <a:buNone/>
-            </a:pPr>
-            <a:r>
-              <a:rPr lang="en-US" sz="1400" dirty="0" smtClean="0">
-                <a:hlinkClick r:id="rId2"/>
-              </a:rPr>
-              <a:t>http</a:t>
-            </a:r>
-            <a:r>
-              <a:rPr lang="en-US" sz="1400" dirty="0">
-                <a:hlinkClick r:id="rId2"/>
-              </a:rPr>
-              <a:t>://confreaks.com/videos/115-elcamp2010-</a:t>
-            </a:r>
-            <a:r>
-              <a:rPr lang="en-US" sz="1400" dirty="0" smtClean="0">
-                <a:hlinkClick r:id="rId2"/>
-              </a:rPr>
-              <a:t>go</a:t>
-            </a:r>
-            <a:r>
-              <a:rPr lang="en-US" sz="1400" dirty="0" smtClean="0"/>
-              <a:t> by Rob Pike</a:t>
-            </a:r>
-          </a:p>
-          <a:p>
-            <a:pPr marL="0" indent="0">
-              <a:buNone/>
-            </a:pPr>
-            <a:endParaRPr lang="en-US" sz="1400" dirty="0" smtClean="0"/>
-          </a:p>
-          <a:p>
-            <a:pPr marL="0" indent="0">
-              <a:buNone/>
-            </a:pPr>
-            <a:r>
-              <a:rPr lang="en-US" sz="1400" dirty="0" smtClean="0"/>
-              <a:t>and Read </a:t>
-            </a:r>
-            <a:r>
-              <a:rPr lang="en-US" sz="1400" dirty="0"/>
-              <a:t>the 1978 CSP </a:t>
-            </a:r>
-            <a:r>
-              <a:rPr lang="en-US" sz="1400" dirty="0" smtClean="0"/>
-              <a:t>paper. CSP stands for Communicating </a:t>
-            </a:r>
-            <a:r>
-              <a:rPr lang="en-US" sz="1400" dirty="0"/>
-              <a:t>sequential processes by  C. A. R. Hoare</a:t>
-            </a:r>
-            <a:br>
-              <a:rPr lang="en-US" sz="1400" dirty="0"/>
-            </a:br>
-            <a:r>
-              <a:rPr lang="en-US" sz="1400" dirty="0">
-                <a:hlinkClick r:id="rId3"/>
-              </a:rPr>
-              <a:t>http://en.wikipedia.org/wiki/</a:t>
-            </a:r>
-            <a:r>
-              <a:rPr lang="en-US" sz="1400" dirty="0" smtClean="0">
-                <a:hlinkClick r:id="rId3"/>
-              </a:rPr>
-              <a:t>Communicating_sequential_processes</a:t>
-            </a:r>
-            <a:r>
-              <a:rPr lang="en-US" sz="1400" dirty="0" smtClean="0"/>
-              <a:t> </a:t>
-            </a:r>
-          </a:p>
-          <a:p>
-            <a:pPr marL="0" indent="0">
-              <a:buNone/>
-            </a:pPr>
-            <a:endParaRPr lang="en-US" sz="1400" dirty="0"/>
+            <a:endParaRPr lang="en-US" dirty="0"/>
           </a:p>
         </p:txBody>
       </p:sp>
-      <p:pic>
-        <p:nvPicPr>
-          <p:cNvPr id="5" name="Picture 4"/>
-          <p:cNvPicPr>
-            <a:picLocks noChangeAspect="1"/>
-          </p:cNvPicPr>
-          <p:nvPr/>
-        </p:nvPicPr>
-        <p:blipFill>
-          <a:blip r:embed="rId4"/>
-          <a:stretch>
-            <a:fillRect/>
-          </a:stretch>
-        </p:blipFill>
-        <p:spPr>
-          <a:xfrm>
-            <a:off x="1762665" y="2309526"/>
-            <a:ext cx="5428618" cy="3041386"/>
-          </a:xfrm>
-          <a:prstGeom prst="rect">
-            <a:avLst/>
-          </a:prstGeom>
-        </p:spPr>
-      </p:pic>
     </p:spTree>
     <p:extLst>
       <p:ext uri="{BB962C8B-B14F-4D97-AF65-F5344CB8AC3E}">
-        <p14:creationId xmlns:p14="http://schemas.microsoft.com/office/powerpoint/2010/main" val="1909629716"/>
+        <p14:creationId xmlns:p14="http://schemas.microsoft.com/office/powerpoint/2010/main" val="2847035372"/>
       </p:ext>
     </p:extLst>
   </p:cSld>
   <p:clrMapOvr>
     <a:masterClrMapping/>
   </p:clrMapOvr>
-  <p:timing>
-    <p:tnLst>
-      <p:par>
-        <p:cTn xmlns:p14="http://schemas.microsoft.com/office/powerpoint/2010/main" id="1" dur="indefinite" restart="never" nodeType="tmRoot"/>
-      </p:par>
-    </p:tnLst>
-  </p:timing>
 </p:sld>
 </file>
 
@@ -15466,10 +17094,9 @@
           <a:bodyPr/>
           <a:lstStyle/>
           <a:p>
-            <a:pPr algn="l"/>
             <a:r>
               <a:rPr lang="en-US" dirty="0" smtClean="0"/>
-              <a:t>Agenda</a:t>
+              <a:t>Evolution of Go</a:t>
             </a:r>
             <a:endParaRPr lang="en-US" dirty="0"/>
           </a:p>
@@ -15485,149 +17112,227 @@
             <p:ph idx="1"/>
           </p:nvPr>
         </p:nvSpPr>
-        <p:spPr/>
+        <p:spPr>
+          <a:xfrm>
+            <a:off x="457200" y="1600200"/>
+            <a:ext cx="8229600" cy="4993884"/>
+          </a:xfrm>
+        </p:spPr>
         <p:txBody>
           <a:bodyPr>
-            <a:normAutofit fontScale="92500" lnSpcReduction="20000"/>
+            <a:normAutofit/>
           </a:bodyPr>
           <a:lstStyle/>
           <a:p>
-            <a:pPr marL="514350" indent="-514350">
-              <a:buFont typeface="+mj-lt"/>
-              <a:buAutoNum type="arabicPeriod"/>
+            <a:pPr marL="0" indent="0">
+              <a:buNone/>
             </a:pPr>
-            <a:r>
-              <a:rPr lang="en-US" dirty="0" smtClean="0"/>
-              <a:t>Setup </a:t>
-            </a:r>
-            <a:r>
-              <a:rPr lang="en-US" dirty="0" err="1" smtClean="0"/>
-              <a:t>golang</a:t>
-            </a:r>
-            <a:r>
-              <a:rPr lang="en-US" dirty="0" smtClean="0"/>
-              <a:t> </a:t>
-            </a:r>
-            <a:r>
-              <a:rPr lang="en-US" dirty="0" err="1" smtClean="0"/>
-              <a:t>dev</a:t>
-            </a:r>
-            <a:r>
-              <a:rPr lang="en-US" dirty="0" smtClean="0"/>
-              <a:t> environment</a:t>
-            </a:r>
-          </a:p>
-          <a:p>
-            <a:pPr marL="514350" indent="-514350">
-              <a:buFont typeface="+mj-lt"/>
-              <a:buAutoNum type="arabicPeriod"/>
+            <a:endParaRPr lang="en-US" sz="1400" dirty="0" smtClean="0"/>
+          </a:p>
+          <a:p>
+            <a:pPr marL="0" indent="0" algn="ctr">
+              <a:buNone/>
             </a:pPr>
             <a:r>
-              <a:rPr lang="en-US" dirty="0" err="1" smtClean="0"/>
-              <a:t>golang</a:t>
-            </a:r>
-            <a:r>
-              <a:rPr lang="en-US" dirty="0" smtClean="0"/>
-              <a:t> basics</a:t>
-            </a:r>
-          </a:p>
-          <a:p>
-            <a:pPr marL="857250" lvl="1" indent="-457200">
-              <a:buFont typeface="Wingdings" charset="2"/>
-              <a:buChar char="ü"/>
+              <a:rPr lang="en-US" sz="1800" b="1" dirty="0" smtClean="0"/>
+              <a:t>Emerging </a:t>
+            </a:r>
+            <a:r>
+              <a:rPr lang="en-US" sz="1800" b="1" dirty="0"/>
+              <a:t>Languages Camp </a:t>
+            </a:r>
+            <a:r>
+              <a:rPr lang="en-US" sz="1800" b="1" dirty="0" smtClean="0"/>
+              <a:t>2010</a:t>
+            </a:r>
+          </a:p>
+          <a:p>
+            <a:pPr marL="0" indent="0">
+              <a:buNone/>
             </a:pPr>
-            <a:r>
-              <a:rPr lang="en-US" dirty="0" smtClean="0"/>
-              <a:t>“Hello World” program</a:t>
-            </a:r>
-          </a:p>
-          <a:p>
-            <a:pPr marL="857250" lvl="1" indent="-457200">
-              <a:buFont typeface="Wingdings" charset="2"/>
-              <a:buChar char="ü"/>
+            <a:endParaRPr lang="en-US" sz="1400" b="1" dirty="0" smtClean="0"/>
+          </a:p>
+          <a:p>
+            <a:pPr marL="0" indent="0">
+              <a:buNone/>
             </a:pPr>
-            <a:r>
-              <a:rPr lang="en-US" dirty="0" smtClean="0"/>
-              <a:t>Variables and constants</a:t>
-            </a:r>
-          </a:p>
-          <a:p>
-            <a:pPr marL="857250" lvl="1" indent="-457200">
-              <a:buFont typeface="Wingdings" charset="2"/>
-              <a:buChar char="ü"/>
+            <a:endParaRPr lang="en-US" sz="1400" b="1" dirty="0" smtClean="0"/>
+          </a:p>
+          <a:p>
+            <a:pPr marL="0" indent="0">
+              <a:buNone/>
             </a:pPr>
-            <a:r>
-              <a:rPr lang="en-US" dirty="0" smtClean="0"/>
-              <a:t>Branching (if/else and switch)</a:t>
-            </a:r>
-          </a:p>
-          <a:p>
-            <a:pPr marL="857250" lvl="1" indent="-457200">
-              <a:buFont typeface="Wingdings" charset="2"/>
-              <a:buChar char="ü"/>
+            <a:endParaRPr lang="en-US" sz="1400" b="1" dirty="0"/>
+          </a:p>
+          <a:p>
+            <a:pPr marL="0" indent="0">
+              <a:buNone/>
             </a:pPr>
-            <a:r>
-              <a:rPr lang="en-US" dirty="0" smtClean="0"/>
-              <a:t>Loops</a:t>
-            </a:r>
-            <a:endParaRPr lang="en-US" dirty="0"/>
-          </a:p>
-          <a:p>
-            <a:pPr marL="857250" lvl="1" indent="-457200">
-              <a:buFont typeface="Wingdings" charset="2"/>
-              <a:buChar char="ü"/>
+            <a:endParaRPr lang="en-US" sz="1400" b="1" dirty="0" smtClean="0"/>
+          </a:p>
+          <a:p>
+            <a:pPr marL="0" indent="0">
+              <a:buNone/>
             </a:pPr>
-            <a:r>
-              <a:rPr lang="en-US" dirty="0" smtClean="0"/>
-              <a:t>Functions</a:t>
-            </a:r>
-            <a:endParaRPr lang="en-US" dirty="0"/>
-          </a:p>
-          <a:p>
-            <a:pPr marL="857250" lvl="1" indent="-457200">
-              <a:buFont typeface="Wingdings" charset="2"/>
-              <a:buChar char="ü"/>
+            <a:endParaRPr lang="en-US" sz="1400" b="1" dirty="0"/>
+          </a:p>
+          <a:p>
+            <a:pPr marL="0" indent="0">
+              <a:buNone/>
             </a:pPr>
-            <a:r>
-              <a:rPr lang="en-US" dirty="0" smtClean="0"/>
-              <a:t>Structure</a:t>
-            </a:r>
-          </a:p>
-          <a:p>
-            <a:pPr marL="857250" lvl="1" indent="-457200">
-              <a:buFont typeface="Wingdings" charset="2"/>
-              <a:buChar char="ü"/>
+            <a:endParaRPr lang="en-US" sz="1400" b="1" dirty="0" smtClean="0"/>
+          </a:p>
+          <a:p>
+            <a:pPr marL="0" indent="0">
+              <a:buNone/>
             </a:pPr>
-            <a:r>
-              <a:rPr lang="en-US" dirty="0" smtClean="0"/>
-              <a:t>Go routines</a:t>
-            </a:r>
-          </a:p>
-          <a:p>
-            <a:pPr marL="514350" indent="-514350">
-              <a:buFont typeface="+mj-lt"/>
-              <a:buAutoNum type="arabicPeriod"/>
+            <a:endParaRPr lang="en-US" sz="1400" b="1" dirty="0"/>
+          </a:p>
+          <a:p>
+            <a:pPr marL="0" indent="0">
+              <a:buNone/>
             </a:pPr>
-            <a:r>
-              <a:rPr lang="en-US" dirty="0" smtClean="0"/>
-              <a:t>Resources</a:t>
-            </a:r>
-          </a:p>
-          <a:p>
-            <a:endParaRPr lang="en-US" dirty="0" smtClean="0"/>
-          </a:p>
-          <a:p>
-            <a:endParaRPr lang="en-US" dirty="0" smtClean="0"/>
-          </a:p>
-          <a:p>
-            <a:endParaRPr lang="en-US" dirty="0"/>
+            <a:endParaRPr lang="en-US" sz="1400" b="1" dirty="0" smtClean="0"/>
+          </a:p>
+          <a:p>
+            <a:pPr marL="0" indent="0">
+              <a:buNone/>
+            </a:pPr>
+            <a:endParaRPr lang="en-US" sz="1400" b="1" dirty="0"/>
+          </a:p>
+          <a:p>
+            <a:pPr marL="0" indent="0">
+              <a:buNone/>
+            </a:pPr>
+            <a:endParaRPr lang="en-US" sz="1400" b="1" dirty="0" smtClean="0"/>
+          </a:p>
+          <a:p>
+            <a:pPr marL="0" indent="0">
+              <a:buNone/>
+            </a:pPr>
+            <a:endParaRPr lang="en-US" sz="1400" b="1" dirty="0" smtClean="0"/>
+          </a:p>
+          <a:p>
+            <a:pPr marL="0" indent="0">
+              <a:buNone/>
+            </a:pPr>
+            <a:endParaRPr lang="en-US" sz="1400" b="1" dirty="0" smtClean="0"/>
+          </a:p>
+          <a:p>
+            <a:pPr marL="0" indent="0">
+              <a:buNone/>
+            </a:pPr>
+            <a:endParaRPr lang="en-US" sz="1400" b="1" dirty="0" smtClean="0"/>
+          </a:p>
+          <a:p>
+            <a:pPr marL="0" indent="0" algn="ctr">
+              <a:buNone/>
+            </a:pPr>
+            <a:r>
+              <a:rPr lang="en-US" sz="1400" dirty="0" smtClean="0">
+                <a:hlinkClick r:id="rId2"/>
+              </a:rPr>
+              <a:t>http</a:t>
+            </a:r>
+            <a:r>
+              <a:rPr lang="en-US" sz="1400" dirty="0">
+                <a:hlinkClick r:id="rId2"/>
+              </a:rPr>
+              <a:t>://confreaks.com/videos/115-elcamp2010-</a:t>
+            </a:r>
+            <a:r>
+              <a:rPr lang="en-US" sz="1400" dirty="0" smtClean="0">
+                <a:hlinkClick r:id="rId2"/>
+              </a:rPr>
+              <a:t>go</a:t>
+            </a:r>
+            <a:r>
+              <a:rPr lang="en-US" sz="1400" dirty="0" smtClean="0"/>
+              <a:t> by Rob Pike</a:t>
+            </a:r>
+          </a:p>
+          <a:p>
+            <a:pPr marL="0" indent="0">
+              <a:buNone/>
+            </a:pPr>
+            <a:endParaRPr lang="en-US" sz="1400" dirty="0" smtClean="0"/>
+          </a:p>
+          <a:p>
+            <a:pPr marL="0" indent="0">
+              <a:buNone/>
+            </a:pPr>
+            <a:r>
+              <a:rPr lang="en-US" sz="1400" dirty="0" smtClean="0"/>
+              <a:t>and Read </a:t>
+            </a:r>
+            <a:r>
+              <a:rPr lang="en-US" sz="1400" dirty="0"/>
+              <a:t>the 1978 CSP </a:t>
+            </a:r>
+            <a:r>
+              <a:rPr lang="en-US" sz="1400" dirty="0" smtClean="0"/>
+              <a:t>paper. CSP stands for Communicating </a:t>
+            </a:r>
+            <a:r>
+              <a:rPr lang="en-US" sz="1400" dirty="0"/>
+              <a:t>sequential processes by  C. A. R. Hoare</a:t>
+            </a:r>
+            <a:br>
+              <a:rPr lang="en-US" sz="1400" dirty="0"/>
+            </a:br>
+            <a:r>
+              <a:rPr lang="en-US" sz="1400" dirty="0">
+                <a:hlinkClick r:id="rId3"/>
+              </a:rPr>
+              <a:t>http://en.wikipedia.org/wiki/</a:t>
+            </a:r>
+            <a:r>
+              <a:rPr lang="en-US" sz="1400" dirty="0" smtClean="0">
+                <a:hlinkClick r:id="rId3"/>
+              </a:rPr>
+              <a:t>Communicating_sequential_processes</a:t>
+            </a:r>
+            <a:r>
+              <a:rPr lang="en-US" sz="1400" dirty="0" smtClean="0"/>
+              <a:t> </a:t>
+            </a:r>
+          </a:p>
+          <a:p>
+            <a:pPr marL="0" indent="0">
+              <a:buNone/>
+            </a:pPr>
+            <a:endParaRPr lang="en-US" sz="1400" dirty="0"/>
           </a:p>
         </p:txBody>
       </p:sp>
+      <p:pic>
+        <p:nvPicPr>
+          <p:cNvPr id="5" name="Picture 4"/>
+          <p:cNvPicPr>
+            <a:picLocks noChangeAspect="1"/>
+          </p:cNvPicPr>
+          <p:nvPr/>
+        </p:nvPicPr>
+        <p:blipFill>
+          <a:blip r:embed="rId4"/>
+          <a:stretch>
+            <a:fillRect/>
+          </a:stretch>
+        </p:blipFill>
+        <p:spPr>
+          <a:xfrm>
+            <a:off x="1762665" y="2309526"/>
+            <a:ext cx="5428618" cy="3041386"/>
+          </a:xfrm>
+          <a:prstGeom prst="rect">
+            <a:avLst/>
+          </a:prstGeom>
+        </p:spPr>
+      </p:pic>
     </p:spTree>
     <p:extLst>
       <p:ext uri="{BB962C8B-B14F-4D97-AF65-F5344CB8AC3E}">
-        <p14:creationId xmlns:p14="http://schemas.microsoft.com/office/powerpoint/2010/main" val="287688910"/>
+        <p14:creationId xmlns:p14="http://schemas.microsoft.com/office/powerpoint/2010/main" val="1909629716"/>
       </p:ext>
     </p:extLst>
   </p:cSld>
@@ -15676,6 +17381,216 @@
           <a:bodyPr/>
           <a:lstStyle/>
           <a:p>
+            <a:pPr algn="l"/>
+            <a:r>
+              <a:rPr lang="en-US" dirty="0" smtClean="0"/>
+              <a:t>Agenda</a:t>
+            </a:r>
+            <a:endParaRPr lang="en-US" dirty="0"/>
+          </a:p>
+        </p:txBody>
+      </p:sp>
+      <p:sp>
+        <p:nvSpPr>
+          <p:cNvPr id="3" name="Content Placeholder 2"/>
+          <p:cNvSpPr>
+            <a:spLocks noGrp="1"/>
+          </p:cNvSpPr>
+          <p:nvPr>
+            <p:ph idx="1"/>
+          </p:nvPr>
+        </p:nvSpPr>
+        <p:spPr/>
+        <p:txBody>
+          <a:bodyPr>
+            <a:normAutofit fontScale="92500" lnSpcReduction="20000"/>
+          </a:bodyPr>
+          <a:lstStyle/>
+          <a:p>
+            <a:pPr marL="514350" indent="-514350">
+              <a:buFont typeface="+mj-lt"/>
+              <a:buAutoNum type="arabicPeriod"/>
+            </a:pPr>
+            <a:r>
+              <a:rPr lang="en-US" dirty="0" smtClean="0"/>
+              <a:t>Setup </a:t>
+            </a:r>
+            <a:r>
+              <a:rPr lang="en-US" dirty="0" err="1" smtClean="0"/>
+              <a:t>golang</a:t>
+            </a:r>
+            <a:r>
+              <a:rPr lang="en-US" dirty="0" smtClean="0"/>
+              <a:t> </a:t>
+            </a:r>
+            <a:r>
+              <a:rPr lang="en-US" dirty="0" err="1" smtClean="0"/>
+              <a:t>dev</a:t>
+            </a:r>
+            <a:r>
+              <a:rPr lang="en-US" dirty="0" smtClean="0"/>
+              <a:t> environment</a:t>
+            </a:r>
+          </a:p>
+          <a:p>
+            <a:pPr marL="514350" indent="-514350">
+              <a:buFont typeface="+mj-lt"/>
+              <a:buAutoNum type="arabicPeriod"/>
+            </a:pPr>
+            <a:r>
+              <a:rPr lang="en-US" dirty="0" err="1" smtClean="0"/>
+              <a:t>golang</a:t>
+            </a:r>
+            <a:r>
+              <a:rPr lang="en-US" dirty="0" smtClean="0"/>
+              <a:t> basics</a:t>
+            </a:r>
+          </a:p>
+          <a:p>
+            <a:pPr marL="857250" lvl="1" indent="-457200">
+              <a:buFont typeface="Wingdings" charset="2"/>
+              <a:buChar char="ü"/>
+            </a:pPr>
+            <a:r>
+              <a:rPr lang="en-US" dirty="0" smtClean="0"/>
+              <a:t>“Hello World” program</a:t>
+            </a:r>
+          </a:p>
+          <a:p>
+            <a:pPr marL="857250" lvl="1" indent="-457200">
+              <a:buFont typeface="Wingdings" charset="2"/>
+              <a:buChar char="ü"/>
+            </a:pPr>
+            <a:r>
+              <a:rPr lang="en-US" dirty="0" smtClean="0"/>
+              <a:t>Variables and constants</a:t>
+            </a:r>
+          </a:p>
+          <a:p>
+            <a:pPr marL="857250" lvl="1" indent="-457200">
+              <a:buFont typeface="Wingdings" charset="2"/>
+              <a:buChar char="ü"/>
+            </a:pPr>
+            <a:r>
+              <a:rPr lang="en-US" dirty="0" smtClean="0"/>
+              <a:t>Branching (if/else and switch)</a:t>
+            </a:r>
+          </a:p>
+          <a:p>
+            <a:pPr marL="857250" lvl="1" indent="-457200">
+              <a:buFont typeface="Wingdings" charset="2"/>
+              <a:buChar char="ü"/>
+            </a:pPr>
+            <a:r>
+              <a:rPr lang="en-US" dirty="0" smtClean="0"/>
+              <a:t>Loops</a:t>
+            </a:r>
+            <a:endParaRPr lang="en-US" dirty="0"/>
+          </a:p>
+          <a:p>
+            <a:pPr marL="857250" lvl="1" indent="-457200">
+              <a:buFont typeface="Wingdings" charset="2"/>
+              <a:buChar char="ü"/>
+            </a:pPr>
+            <a:r>
+              <a:rPr lang="en-US" dirty="0" smtClean="0"/>
+              <a:t>Functions</a:t>
+            </a:r>
+            <a:endParaRPr lang="en-US" dirty="0"/>
+          </a:p>
+          <a:p>
+            <a:pPr marL="857250" lvl="1" indent="-457200">
+              <a:buFont typeface="Wingdings" charset="2"/>
+              <a:buChar char="ü"/>
+            </a:pPr>
+            <a:r>
+              <a:rPr lang="en-US" dirty="0" smtClean="0"/>
+              <a:t>Structure</a:t>
+            </a:r>
+          </a:p>
+          <a:p>
+            <a:pPr marL="857250" lvl="1" indent="-457200">
+              <a:buFont typeface="Wingdings" charset="2"/>
+              <a:buChar char="ü"/>
+            </a:pPr>
+            <a:r>
+              <a:rPr lang="en-US" dirty="0" smtClean="0"/>
+              <a:t>Go routines</a:t>
+            </a:r>
+          </a:p>
+          <a:p>
+            <a:pPr marL="514350" indent="-514350">
+              <a:buFont typeface="+mj-lt"/>
+              <a:buAutoNum type="arabicPeriod"/>
+            </a:pPr>
+            <a:r>
+              <a:rPr lang="en-US" dirty="0" smtClean="0"/>
+              <a:t>Resources</a:t>
+            </a:r>
+          </a:p>
+          <a:p>
+            <a:endParaRPr lang="en-US" dirty="0" smtClean="0"/>
+          </a:p>
+          <a:p>
+            <a:endParaRPr lang="en-US" dirty="0" smtClean="0"/>
+          </a:p>
+          <a:p>
+            <a:endParaRPr lang="en-US" dirty="0"/>
+          </a:p>
+        </p:txBody>
+      </p:sp>
+    </p:spTree>
+    <p:extLst>
+      <p:ext uri="{BB962C8B-B14F-4D97-AF65-F5344CB8AC3E}">
+        <p14:creationId xmlns:p14="http://schemas.microsoft.com/office/powerpoint/2010/main" val="287688910"/>
+      </p:ext>
+    </p:extLst>
+  </p:cSld>
+  <p:clrMapOvr>
+    <a:masterClrMapping/>
+  </p:clrMapOvr>
+  <p:timing>
+    <p:tnLst>
+      <p:par>
+        <p:cTn xmlns:p14="http://schemas.microsoft.com/office/powerpoint/2010/main" id="1" dur="indefinite" restart="never" nodeType="tmRoot"/>
+      </p:par>
+    </p:tnLst>
+  </p:timing>
+</p:sld>
+</file>
+
+<file path=ppt/slides/slide6.xml><?xml version="1.0" encoding="utf-8"?>
+<p:sld xmlns:a="http://schemas.openxmlformats.org/drawingml/2006/main" xmlns:r="http://schemas.openxmlformats.org/officeDocument/2006/relationships" xmlns:p="http://schemas.openxmlformats.org/presentationml/2006/main">
+  <p:cSld>
+    <p:spTree>
+      <p:nvGrpSpPr>
+        <p:cNvPr id="1" name=""/>
+        <p:cNvGrpSpPr/>
+        <p:nvPr/>
+      </p:nvGrpSpPr>
+      <p:grpSpPr>
+        <a:xfrm>
+          <a:off x="0" y="0"/>
+          <a:ext cx="0" cy="0"/>
+          <a:chOff x="0" y="0"/>
+          <a:chExt cx="0" cy="0"/>
+        </a:xfrm>
+      </p:grpSpPr>
+      <p:sp>
+        <p:nvSpPr>
+          <p:cNvPr id="2" name="Title 1"/>
+          <p:cNvSpPr>
+            <a:spLocks noGrp="1"/>
+          </p:cNvSpPr>
+          <p:nvPr>
+            <p:ph type="title"/>
+          </p:nvPr>
+        </p:nvSpPr>
+        <p:spPr/>
+        <p:txBody>
+          <a:bodyPr/>
+          <a:lstStyle/>
+          <a:p>
             <a:r>
               <a:rPr lang="en-US" dirty="0" smtClean="0"/>
               <a:t>Installation</a:t>
@@ -15804,7 +17719,7 @@
 </p:sld>
 </file>
 
-<file path=ppt/slides/slide6.xml><?xml version="1.0" encoding="utf-8"?>
+<file path=ppt/slides/slide7.xml><?xml version="1.0" encoding="utf-8"?>
 <p:sld xmlns:a="http://schemas.openxmlformats.org/drawingml/2006/main" xmlns:r="http://schemas.openxmlformats.org/officeDocument/2006/relationships" xmlns:p="http://schemas.openxmlformats.org/presentationml/2006/main">
   <p:cSld>
     <p:spTree>
@@ -15934,7 +17849,7 @@
 </p:sld>
 </file>
 
-<file path=ppt/slides/slide7.xml><?xml version="1.0" encoding="utf-8"?>
+<file path=ppt/slides/slide8.xml><?xml version="1.0" encoding="utf-8"?>
 <p:sld xmlns:a="http://schemas.openxmlformats.org/drawingml/2006/main" xmlns:r="http://schemas.openxmlformats.org/officeDocument/2006/relationships" xmlns:p="http://schemas.openxmlformats.org/presentationml/2006/main">
   <p:cSld>
     <p:spTree>
@@ -16305,7 +18220,7 @@
 </p:sld>
 </file>
 
-<file path=ppt/slides/slide8.xml><?xml version="1.0" encoding="utf-8"?>
+<file path=ppt/slides/slide9.xml><?xml version="1.0" encoding="utf-8"?>
 <p:sld xmlns:a="http://schemas.openxmlformats.org/drawingml/2006/main" xmlns:r="http://schemas.openxmlformats.org/officeDocument/2006/relationships" xmlns:p="http://schemas.openxmlformats.org/presentationml/2006/main">
   <p:cSld>
     <p:spTree>
@@ -18206,1758 +20121,6 @@
     <p:extLst>
       <p:ext uri="{BB962C8B-B14F-4D97-AF65-F5344CB8AC3E}">
         <p14:creationId xmlns:p14="http://schemas.microsoft.com/office/powerpoint/2010/main" val="697701158"/>
-      </p:ext>
-    </p:extLst>
-  </p:cSld>
-  <p:clrMapOvr>
-    <a:masterClrMapping/>
-  </p:clrMapOvr>
-  <p:timing>
-    <p:tnLst>
-      <p:par>
-        <p:cTn xmlns:p14="http://schemas.microsoft.com/office/powerpoint/2010/main" id="1" dur="indefinite" restart="never" nodeType="tmRoot"/>
-      </p:par>
-    </p:tnLst>
-  </p:timing>
-</p:sld>
-</file>
-
-<file path=ppt/slides/slide9.xml><?xml version="1.0" encoding="utf-8"?>
-<p:sld xmlns:a="http://schemas.openxmlformats.org/drawingml/2006/main" xmlns:r="http://schemas.openxmlformats.org/officeDocument/2006/relationships" xmlns:p="http://schemas.openxmlformats.org/presentationml/2006/main">
-  <p:cSld>
-    <p:spTree>
-      <p:nvGrpSpPr>
-        <p:cNvPr id="1" name=""/>
-        <p:cNvGrpSpPr/>
-        <p:nvPr/>
-      </p:nvGrpSpPr>
-      <p:grpSpPr>
-        <a:xfrm>
-          <a:off x="0" y="0"/>
-          <a:ext cx="0" cy="0"/>
-          <a:chOff x="0" y="0"/>
-          <a:chExt cx="0" cy="0"/>
-        </a:xfrm>
-      </p:grpSpPr>
-      <p:sp>
-        <p:nvSpPr>
-          <p:cNvPr id="4" name="TextBox 3"/>
-          <p:cNvSpPr txBox="1"/>
-          <p:nvPr/>
-        </p:nvSpPr>
-        <p:spPr>
-          <a:xfrm>
-            <a:off x="227685" y="81906"/>
-            <a:ext cx="8673329" cy="6740308"/>
-          </a:xfrm>
-          <a:prstGeom prst="rect">
-            <a:avLst/>
-          </a:prstGeom>
-        </p:spPr>
-        <p:style>
-          <a:lnRef idx="2">
-            <a:schemeClr val="dk1">
-              <a:shade val="50000"/>
-            </a:schemeClr>
-          </a:lnRef>
-          <a:fillRef idx="1">
-            <a:schemeClr val="dk1"/>
-          </a:fillRef>
-          <a:effectRef idx="0">
-            <a:schemeClr val="dk1"/>
-          </a:effectRef>
-          <a:fontRef idx="minor">
-            <a:schemeClr val="lt1"/>
-          </a:fontRef>
-        </p:style>
-        <p:txBody>
-          <a:bodyPr wrap="square" rtlCol="0">
-            <a:spAutoFit/>
-          </a:bodyPr>
-          <a:lstStyle/>
-          <a:p>
-            <a:r>
-              <a:rPr lang="en-US" dirty="0">
-                <a:solidFill>
-                  <a:srgbClr val="D7601A"/>
-                </a:solidFill>
-                <a:latin typeface="Courier New"/>
-                <a:ea typeface="Courier New"/>
-                <a:cs typeface="Courier New"/>
-              </a:rPr>
-              <a:t>package</a:t>
-            </a:r>
-            <a:r>
-              <a:rPr lang="en-US" dirty="0">
-                <a:solidFill>
-                  <a:srgbClr val="000000"/>
-                </a:solidFill>
-                <a:latin typeface="Courier New"/>
-                <a:ea typeface="Courier New"/>
-                <a:cs typeface="Courier New"/>
-              </a:rPr>
-              <a:t> </a:t>
-            </a:r>
-            <a:r>
-              <a:rPr lang="en-US" dirty="0" smtClean="0">
-                <a:solidFill>
-                  <a:srgbClr val="95A5A7"/>
-                </a:solidFill>
-                <a:latin typeface="Courier New"/>
-                <a:ea typeface="Courier New"/>
-                <a:cs typeface="Courier New"/>
-              </a:rPr>
-              <a:t>main</a:t>
-            </a:r>
-          </a:p>
-          <a:p>
-            <a:endParaRPr lang="en-US" dirty="0">
-              <a:solidFill>
-                <a:srgbClr val="000000"/>
-              </a:solidFill>
-              <a:latin typeface="Courier New"/>
-              <a:ea typeface="Courier New"/>
-              <a:cs typeface="Courier New"/>
-            </a:endParaRPr>
-          </a:p>
-          <a:p>
-            <a:r>
-              <a:rPr lang="en-US" dirty="0">
-                <a:solidFill>
-                  <a:srgbClr val="D7601A"/>
-                </a:solidFill>
-                <a:latin typeface="Courier New"/>
-                <a:ea typeface="Courier New"/>
-                <a:cs typeface="Courier New"/>
-              </a:rPr>
-              <a:t>import</a:t>
-            </a:r>
-            <a:r>
-              <a:rPr lang="en-US" dirty="0">
-                <a:solidFill>
-                  <a:srgbClr val="000000"/>
-                </a:solidFill>
-                <a:latin typeface="Courier New"/>
-                <a:ea typeface="Courier New"/>
-                <a:cs typeface="Courier New"/>
-              </a:rPr>
-              <a:t> </a:t>
-            </a:r>
-            <a:r>
-              <a:rPr lang="en-US" dirty="0">
-                <a:solidFill>
-                  <a:srgbClr val="E6493D"/>
-                </a:solidFill>
-                <a:latin typeface="Courier New"/>
-                <a:ea typeface="Courier New"/>
-                <a:cs typeface="Courier New"/>
-              </a:rPr>
-              <a:t>"</a:t>
-            </a:r>
-            <a:r>
-              <a:rPr lang="en-US" dirty="0" err="1">
-                <a:solidFill>
-                  <a:srgbClr val="E6493D"/>
-                </a:solidFill>
-                <a:latin typeface="Courier New"/>
-                <a:ea typeface="Courier New"/>
-                <a:cs typeface="Courier New"/>
-              </a:rPr>
-              <a:t>fmt</a:t>
-            </a:r>
-            <a:r>
-              <a:rPr lang="en-US" dirty="0">
-                <a:solidFill>
-                  <a:srgbClr val="E6493D"/>
-                </a:solidFill>
-                <a:latin typeface="Courier New"/>
-                <a:ea typeface="Courier New"/>
-                <a:cs typeface="Courier New"/>
-              </a:rPr>
-              <a:t>"</a:t>
-            </a:r>
-            <a:endParaRPr lang="en-US" dirty="0">
-              <a:solidFill>
-                <a:srgbClr val="000000"/>
-              </a:solidFill>
-              <a:latin typeface="Courier New"/>
-              <a:ea typeface="Courier New"/>
-              <a:cs typeface="Courier New"/>
-            </a:endParaRPr>
-          </a:p>
-          <a:p>
-            <a:endParaRPr lang="en-US" dirty="0" smtClean="0">
-              <a:solidFill>
-                <a:srgbClr val="D7601A"/>
-              </a:solidFill>
-              <a:latin typeface="Courier New"/>
-              <a:ea typeface="Courier New"/>
-              <a:cs typeface="Courier New"/>
-            </a:endParaRPr>
-          </a:p>
-          <a:p>
-            <a:r>
-              <a:rPr lang="en-US" dirty="0" err="1" smtClean="0">
-                <a:solidFill>
-                  <a:srgbClr val="D7601A"/>
-                </a:solidFill>
-                <a:latin typeface="Courier New"/>
-                <a:ea typeface="Courier New"/>
-                <a:cs typeface="Courier New"/>
-              </a:rPr>
-              <a:t>func</a:t>
-            </a:r>
-            <a:r>
-              <a:rPr lang="en-US" dirty="0" smtClean="0">
-                <a:solidFill>
-                  <a:srgbClr val="000000"/>
-                </a:solidFill>
-                <a:latin typeface="Courier New"/>
-                <a:ea typeface="Courier New"/>
-                <a:cs typeface="Courier New"/>
-              </a:rPr>
-              <a:t> </a:t>
-            </a:r>
-            <a:r>
-              <a:rPr lang="en-US" dirty="0">
-                <a:solidFill>
-                  <a:srgbClr val="A4B0B1"/>
-                </a:solidFill>
-                <a:latin typeface="Courier New"/>
-                <a:ea typeface="Courier New"/>
-                <a:cs typeface="Courier New"/>
-              </a:rPr>
-              <a:t>main() {</a:t>
-            </a:r>
-            <a:endParaRPr lang="en-US" dirty="0">
-              <a:solidFill>
-                <a:srgbClr val="000000"/>
-              </a:solidFill>
-              <a:latin typeface="Courier New"/>
-              <a:ea typeface="Courier New"/>
-              <a:cs typeface="Courier New"/>
-            </a:endParaRPr>
-          </a:p>
-          <a:p>
-            <a:endParaRPr lang="en-US" dirty="0">
-              <a:solidFill>
-                <a:srgbClr val="000000"/>
-              </a:solidFill>
-              <a:latin typeface="Courier New"/>
-              <a:ea typeface="Courier New"/>
-              <a:cs typeface="Courier New"/>
-            </a:endParaRPr>
-          </a:p>
-          <a:p>
-            <a:r>
-              <a:rPr lang="en-US" dirty="0">
-                <a:solidFill>
-                  <a:srgbClr val="000000"/>
-                </a:solidFill>
-                <a:latin typeface="Courier New"/>
-                <a:ea typeface="Courier New"/>
-                <a:cs typeface="Courier New"/>
-              </a:rPr>
-              <a:t>    </a:t>
-            </a:r>
-            <a:r>
-              <a:rPr lang="en-US" dirty="0">
-                <a:solidFill>
-                  <a:srgbClr val="D7601A"/>
-                </a:solidFill>
-                <a:latin typeface="Courier New"/>
-                <a:ea typeface="Courier New"/>
-                <a:cs typeface="Courier New"/>
-              </a:rPr>
-              <a:t>if</a:t>
-            </a:r>
-            <a:r>
-              <a:rPr lang="en-US" dirty="0">
-                <a:solidFill>
-                  <a:srgbClr val="000000"/>
-                </a:solidFill>
-                <a:latin typeface="Courier New"/>
-                <a:ea typeface="Courier New"/>
-                <a:cs typeface="Courier New"/>
-              </a:rPr>
-              <a:t> </a:t>
-            </a:r>
-            <a:r>
-              <a:rPr lang="en-US" dirty="0">
-                <a:solidFill>
-                  <a:srgbClr val="E6493D"/>
-                </a:solidFill>
-                <a:latin typeface="Courier New"/>
-                <a:ea typeface="Courier New"/>
-                <a:cs typeface="Courier New"/>
-              </a:rPr>
-              <a:t>7</a:t>
-            </a:r>
-            <a:r>
-              <a:rPr lang="en-US" dirty="0">
-                <a:solidFill>
-                  <a:srgbClr val="A4B0B1"/>
-                </a:solidFill>
-                <a:latin typeface="Courier New"/>
-                <a:ea typeface="Courier New"/>
-                <a:cs typeface="Courier New"/>
-              </a:rPr>
-              <a:t>%</a:t>
-            </a:r>
-            <a:r>
-              <a:rPr lang="en-US" dirty="0">
-                <a:solidFill>
-                  <a:srgbClr val="E6493D"/>
-                </a:solidFill>
-                <a:latin typeface="Courier New"/>
-                <a:ea typeface="Courier New"/>
-                <a:cs typeface="Courier New"/>
-              </a:rPr>
-              <a:t>2</a:t>
-            </a:r>
-            <a:r>
-              <a:rPr lang="en-US" dirty="0">
-                <a:solidFill>
-                  <a:srgbClr val="000000"/>
-                </a:solidFill>
-                <a:latin typeface="Courier New"/>
-                <a:ea typeface="Courier New"/>
-                <a:cs typeface="Courier New"/>
-              </a:rPr>
-              <a:t> </a:t>
-            </a:r>
-            <a:r>
-              <a:rPr lang="en-US" dirty="0">
-                <a:solidFill>
-                  <a:srgbClr val="A4B0B1"/>
-                </a:solidFill>
-                <a:latin typeface="Courier New"/>
-                <a:ea typeface="Courier New"/>
-                <a:cs typeface="Courier New"/>
-              </a:rPr>
-              <a:t>==</a:t>
-            </a:r>
-            <a:r>
-              <a:rPr lang="en-US" dirty="0">
-                <a:solidFill>
-                  <a:srgbClr val="000000"/>
-                </a:solidFill>
-                <a:latin typeface="Courier New"/>
-                <a:ea typeface="Courier New"/>
-                <a:cs typeface="Courier New"/>
-              </a:rPr>
-              <a:t> </a:t>
-            </a:r>
-            <a:r>
-              <a:rPr lang="en-US" dirty="0">
-                <a:solidFill>
-                  <a:srgbClr val="E6493D"/>
-                </a:solidFill>
-                <a:latin typeface="Courier New"/>
-                <a:ea typeface="Courier New"/>
-                <a:cs typeface="Courier New"/>
-              </a:rPr>
-              <a:t>0</a:t>
-            </a:r>
-            <a:r>
-              <a:rPr lang="en-US" dirty="0">
-                <a:solidFill>
-                  <a:srgbClr val="000000"/>
-                </a:solidFill>
-                <a:latin typeface="Courier New"/>
-                <a:ea typeface="Courier New"/>
-                <a:cs typeface="Courier New"/>
-              </a:rPr>
-              <a:t> </a:t>
-            </a:r>
-            <a:r>
-              <a:rPr lang="en-US" dirty="0">
-                <a:solidFill>
-                  <a:srgbClr val="A4B0B1"/>
-                </a:solidFill>
-                <a:latin typeface="Courier New"/>
-                <a:ea typeface="Courier New"/>
-                <a:cs typeface="Courier New"/>
-              </a:rPr>
-              <a:t>{</a:t>
-            </a:r>
-            <a:endParaRPr lang="en-US" dirty="0">
-              <a:solidFill>
-                <a:srgbClr val="000000"/>
-              </a:solidFill>
-              <a:latin typeface="Courier New"/>
-              <a:ea typeface="Courier New"/>
-              <a:cs typeface="Courier New"/>
-            </a:endParaRPr>
-          </a:p>
-          <a:p>
-            <a:r>
-              <a:rPr lang="en-US" dirty="0">
-                <a:solidFill>
-                  <a:srgbClr val="95A5A7"/>
-                </a:solidFill>
-                <a:latin typeface="Courier New"/>
-                <a:ea typeface="Courier New"/>
-                <a:cs typeface="Courier New"/>
-              </a:rPr>
-              <a:t>        </a:t>
-            </a:r>
-            <a:r>
-              <a:rPr lang="en-US" dirty="0" err="1">
-                <a:solidFill>
-                  <a:srgbClr val="95A5A7"/>
-                </a:solidFill>
-                <a:latin typeface="Courier New"/>
-                <a:ea typeface="Courier New"/>
-                <a:cs typeface="Courier New"/>
-              </a:rPr>
-              <a:t>fmt</a:t>
-            </a:r>
-            <a:r>
-              <a:rPr lang="en-US" dirty="0" err="1">
-                <a:solidFill>
-                  <a:srgbClr val="A4B0B1"/>
-                </a:solidFill>
-                <a:latin typeface="Courier New"/>
-                <a:ea typeface="Courier New"/>
-                <a:cs typeface="Courier New"/>
-              </a:rPr>
-              <a:t>.Println</a:t>
-            </a:r>
-            <a:r>
-              <a:rPr lang="en-US" dirty="0">
-                <a:solidFill>
-                  <a:srgbClr val="A4B0B1"/>
-                </a:solidFill>
-                <a:latin typeface="Courier New"/>
-                <a:ea typeface="Courier New"/>
-                <a:cs typeface="Courier New"/>
-              </a:rPr>
-              <a:t>(</a:t>
-            </a:r>
-            <a:r>
-              <a:rPr lang="en-US" dirty="0">
-                <a:solidFill>
-                  <a:srgbClr val="E6493D"/>
-                </a:solidFill>
-                <a:latin typeface="Courier New"/>
-                <a:ea typeface="Courier New"/>
-                <a:cs typeface="Courier New"/>
-              </a:rPr>
-              <a:t>"7 is even"</a:t>
-            </a:r>
-            <a:r>
-              <a:rPr lang="en-US" dirty="0">
-                <a:solidFill>
-                  <a:srgbClr val="A4B0B1"/>
-                </a:solidFill>
-                <a:latin typeface="Courier New"/>
-                <a:ea typeface="Courier New"/>
-                <a:cs typeface="Courier New"/>
-              </a:rPr>
-              <a:t>)</a:t>
-            </a:r>
-            <a:endParaRPr lang="en-US" dirty="0">
-              <a:solidFill>
-                <a:srgbClr val="000000"/>
-              </a:solidFill>
-              <a:latin typeface="Courier New"/>
-              <a:ea typeface="Courier New"/>
-              <a:cs typeface="Courier New"/>
-            </a:endParaRPr>
-          </a:p>
-          <a:p>
-            <a:r>
-              <a:rPr lang="en-US" dirty="0">
-                <a:solidFill>
-                  <a:srgbClr val="000000"/>
-                </a:solidFill>
-                <a:latin typeface="Courier New"/>
-                <a:ea typeface="Courier New"/>
-                <a:cs typeface="Courier New"/>
-              </a:rPr>
-              <a:t>    </a:t>
-            </a:r>
-            <a:r>
-              <a:rPr lang="en-US" dirty="0">
-                <a:solidFill>
-                  <a:srgbClr val="A4B0B1"/>
-                </a:solidFill>
-                <a:latin typeface="Courier New"/>
-                <a:ea typeface="Courier New"/>
-                <a:cs typeface="Courier New"/>
-              </a:rPr>
-              <a:t>}</a:t>
-            </a:r>
-            <a:r>
-              <a:rPr lang="en-US" dirty="0">
-                <a:solidFill>
-                  <a:srgbClr val="000000"/>
-                </a:solidFill>
-                <a:latin typeface="Courier New"/>
-                <a:ea typeface="Courier New"/>
-                <a:cs typeface="Courier New"/>
-              </a:rPr>
-              <a:t> </a:t>
-            </a:r>
-            <a:r>
-              <a:rPr lang="en-US" dirty="0">
-                <a:solidFill>
-                  <a:srgbClr val="D7601A"/>
-                </a:solidFill>
-                <a:latin typeface="Courier New"/>
-                <a:ea typeface="Courier New"/>
-                <a:cs typeface="Courier New"/>
-              </a:rPr>
-              <a:t>else</a:t>
-            </a:r>
-            <a:r>
-              <a:rPr lang="en-US" dirty="0">
-                <a:solidFill>
-                  <a:srgbClr val="000000"/>
-                </a:solidFill>
-                <a:latin typeface="Courier New"/>
-                <a:ea typeface="Courier New"/>
-                <a:cs typeface="Courier New"/>
-              </a:rPr>
-              <a:t> </a:t>
-            </a:r>
-            <a:r>
-              <a:rPr lang="en-US" dirty="0">
-                <a:solidFill>
-                  <a:srgbClr val="A4B0B1"/>
-                </a:solidFill>
-                <a:latin typeface="Courier New"/>
-                <a:ea typeface="Courier New"/>
-                <a:cs typeface="Courier New"/>
-              </a:rPr>
-              <a:t>{</a:t>
-            </a:r>
-            <a:endParaRPr lang="en-US" dirty="0">
-              <a:solidFill>
-                <a:srgbClr val="000000"/>
-              </a:solidFill>
-              <a:latin typeface="Courier New"/>
-              <a:ea typeface="Courier New"/>
-              <a:cs typeface="Courier New"/>
-            </a:endParaRPr>
-          </a:p>
-          <a:p>
-            <a:r>
-              <a:rPr lang="en-US" dirty="0">
-                <a:solidFill>
-                  <a:srgbClr val="95A5A7"/>
-                </a:solidFill>
-                <a:latin typeface="Courier New"/>
-                <a:ea typeface="Courier New"/>
-                <a:cs typeface="Courier New"/>
-              </a:rPr>
-              <a:t>        </a:t>
-            </a:r>
-            <a:r>
-              <a:rPr lang="en-US" dirty="0" err="1">
-                <a:solidFill>
-                  <a:srgbClr val="95A5A7"/>
-                </a:solidFill>
-                <a:latin typeface="Courier New"/>
-                <a:ea typeface="Courier New"/>
-                <a:cs typeface="Courier New"/>
-              </a:rPr>
-              <a:t>fmt</a:t>
-            </a:r>
-            <a:r>
-              <a:rPr lang="en-US" dirty="0" err="1">
-                <a:solidFill>
-                  <a:srgbClr val="A4B0B1"/>
-                </a:solidFill>
-                <a:latin typeface="Courier New"/>
-                <a:ea typeface="Courier New"/>
-                <a:cs typeface="Courier New"/>
-              </a:rPr>
-              <a:t>.Println</a:t>
-            </a:r>
-            <a:r>
-              <a:rPr lang="en-US" dirty="0">
-                <a:solidFill>
-                  <a:srgbClr val="A4B0B1"/>
-                </a:solidFill>
-                <a:latin typeface="Courier New"/>
-                <a:ea typeface="Courier New"/>
-                <a:cs typeface="Courier New"/>
-              </a:rPr>
-              <a:t>(</a:t>
-            </a:r>
-            <a:r>
-              <a:rPr lang="en-US" dirty="0">
-                <a:solidFill>
-                  <a:srgbClr val="E6493D"/>
-                </a:solidFill>
-                <a:latin typeface="Courier New"/>
-                <a:ea typeface="Courier New"/>
-                <a:cs typeface="Courier New"/>
-              </a:rPr>
-              <a:t>"7 is odd"</a:t>
-            </a:r>
-            <a:r>
-              <a:rPr lang="en-US" dirty="0">
-                <a:solidFill>
-                  <a:srgbClr val="A4B0B1"/>
-                </a:solidFill>
-                <a:latin typeface="Courier New"/>
-                <a:ea typeface="Courier New"/>
-                <a:cs typeface="Courier New"/>
-              </a:rPr>
-              <a:t>)</a:t>
-            </a:r>
-            <a:endParaRPr lang="en-US" dirty="0">
-              <a:solidFill>
-                <a:srgbClr val="000000"/>
-              </a:solidFill>
-              <a:latin typeface="Courier New"/>
-              <a:ea typeface="Courier New"/>
-              <a:cs typeface="Courier New"/>
-            </a:endParaRPr>
-          </a:p>
-          <a:p>
-            <a:r>
-              <a:rPr lang="en-US" dirty="0">
-                <a:solidFill>
-                  <a:srgbClr val="000000"/>
-                </a:solidFill>
-                <a:latin typeface="Courier New"/>
-                <a:ea typeface="Courier New"/>
-                <a:cs typeface="Courier New"/>
-              </a:rPr>
-              <a:t>    </a:t>
-            </a:r>
-            <a:r>
-              <a:rPr lang="en-US" dirty="0">
-                <a:solidFill>
-                  <a:srgbClr val="A4B0B1"/>
-                </a:solidFill>
-                <a:latin typeface="Courier New"/>
-                <a:ea typeface="Courier New"/>
-                <a:cs typeface="Courier New"/>
-              </a:rPr>
-              <a:t>}</a:t>
-            </a:r>
-            <a:endParaRPr lang="en-US" dirty="0">
-              <a:solidFill>
-                <a:srgbClr val="000000"/>
-              </a:solidFill>
-              <a:latin typeface="Courier New"/>
-              <a:ea typeface="Courier New"/>
-              <a:cs typeface="Courier New"/>
-            </a:endParaRPr>
-          </a:p>
-          <a:p>
-            <a:endParaRPr lang="en-US" dirty="0">
-              <a:solidFill>
-                <a:srgbClr val="000000"/>
-              </a:solidFill>
-              <a:latin typeface="Courier New"/>
-              <a:ea typeface="Courier New"/>
-              <a:cs typeface="Courier New"/>
-            </a:endParaRPr>
-          </a:p>
-          <a:p>
-            <a:r>
-              <a:rPr lang="en-US" dirty="0">
-                <a:solidFill>
-                  <a:srgbClr val="000000"/>
-                </a:solidFill>
-                <a:latin typeface="Courier New"/>
-                <a:ea typeface="Courier New"/>
-                <a:cs typeface="Courier New"/>
-              </a:rPr>
-              <a:t>    </a:t>
-            </a:r>
-            <a:r>
-              <a:rPr lang="en-US" dirty="0">
-                <a:solidFill>
-                  <a:srgbClr val="D7601A"/>
-                </a:solidFill>
-                <a:latin typeface="Courier New"/>
-                <a:ea typeface="Courier New"/>
-                <a:cs typeface="Courier New"/>
-              </a:rPr>
-              <a:t>if</a:t>
-            </a:r>
-            <a:r>
-              <a:rPr lang="en-US" dirty="0">
-                <a:solidFill>
-                  <a:srgbClr val="000000"/>
-                </a:solidFill>
-                <a:latin typeface="Courier New"/>
-                <a:ea typeface="Courier New"/>
-                <a:cs typeface="Courier New"/>
-              </a:rPr>
-              <a:t> </a:t>
-            </a:r>
-            <a:r>
-              <a:rPr lang="en-US" dirty="0">
-                <a:solidFill>
-                  <a:srgbClr val="E6493D"/>
-                </a:solidFill>
-                <a:latin typeface="Courier New"/>
-                <a:ea typeface="Courier New"/>
-                <a:cs typeface="Courier New"/>
-              </a:rPr>
-              <a:t>8</a:t>
-            </a:r>
-            <a:r>
-              <a:rPr lang="en-US" dirty="0">
-                <a:solidFill>
-                  <a:srgbClr val="A4B0B1"/>
-                </a:solidFill>
-                <a:latin typeface="Courier New"/>
-                <a:ea typeface="Courier New"/>
-                <a:cs typeface="Courier New"/>
-              </a:rPr>
-              <a:t>%</a:t>
-            </a:r>
-            <a:r>
-              <a:rPr lang="en-US" dirty="0">
-                <a:solidFill>
-                  <a:srgbClr val="E6493D"/>
-                </a:solidFill>
-                <a:latin typeface="Courier New"/>
-                <a:ea typeface="Courier New"/>
-                <a:cs typeface="Courier New"/>
-              </a:rPr>
-              <a:t>4</a:t>
-            </a:r>
-            <a:r>
-              <a:rPr lang="en-US" dirty="0">
-                <a:solidFill>
-                  <a:srgbClr val="000000"/>
-                </a:solidFill>
-                <a:latin typeface="Courier New"/>
-                <a:ea typeface="Courier New"/>
-                <a:cs typeface="Courier New"/>
-              </a:rPr>
-              <a:t> </a:t>
-            </a:r>
-            <a:r>
-              <a:rPr lang="en-US" dirty="0">
-                <a:solidFill>
-                  <a:srgbClr val="A4B0B1"/>
-                </a:solidFill>
-                <a:latin typeface="Courier New"/>
-                <a:ea typeface="Courier New"/>
-                <a:cs typeface="Courier New"/>
-              </a:rPr>
-              <a:t>==</a:t>
-            </a:r>
-            <a:r>
-              <a:rPr lang="en-US" dirty="0">
-                <a:solidFill>
-                  <a:srgbClr val="000000"/>
-                </a:solidFill>
-                <a:latin typeface="Courier New"/>
-                <a:ea typeface="Courier New"/>
-                <a:cs typeface="Courier New"/>
-              </a:rPr>
-              <a:t> </a:t>
-            </a:r>
-            <a:r>
-              <a:rPr lang="en-US" dirty="0">
-                <a:solidFill>
-                  <a:srgbClr val="E6493D"/>
-                </a:solidFill>
-                <a:latin typeface="Courier New"/>
-                <a:ea typeface="Courier New"/>
-                <a:cs typeface="Courier New"/>
-              </a:rPr>
-              <a:t>0</a:t>
-            </a:r>
-            <a:r>
-              <a:rPr lang="en-US" dirty="0">
-                <a:solidFill>
-                  <a:srgbClr val="000000"/>
-                </a:solidFill>
-                <a:latin typeface="Courier New"/>
-                <a:ea typeface="Courier New"/>
-                <a:cs typeface="Courier New"/>
-              </a:rPr>
-              <a:t> </a:t>
-            </a:r>
-            <a:r>
-              <a:rPr lang="en-US" dirty="0">
-                <a:solidFill>
-                  <a:srgbClr val="A4B0B1"/>
-                </a:solidFill>
-                <a:latin typeface="Courier New"/>
-                <a:ea typeface="Courier New"/>
-                <a:cs typeface="Courier New"/>
-              </a:rPr>
-              <a:t>{</a:t>
-            </a:r>
-            <a:endParaRPr lang="en-US" dirty="0">
-              <a:solidFill>
-                <a:srgbClr val="000000"/>
-              </a:solidFill>
-              <a:latin typeface="Courier New"/>
-              <a:ea typeface="Courier New"/>
-              <a:cs typeface="Courier New"/>
-            </a:endParaRPr>
-          </a:p>
-          <a:p>
-            <a:r>
-              <a:rPr lang="en-US" dirty="0">
-                <a:solidFill>
-                  <a:srgbClr val="95A5A7"/>
-                </a:solidFill>
-                <a:latin typeface="Courier New"/>
-                <a:ea typeface="Courier New"/>
-                <a:cs typeface="Courier New"/>
-              </a:rPr>
-              <a:t>        </a:t>
-            </a:r>
-            <a:r>
-              <a:rPr lang="en-US" dirty="0" err="1">
-                <a:solidFill>
-                  <a:srgbClr val="95A5A7"/>
-                </a:solidFill>
-                <a:latin typeface="Courier New"/>
-                <a:ea typeface="Courier New"/>
-                <a:cs typeface="Courier New"/>
-              </a:rPr>
-              <a:t>fmt</a:t>
-            </a:r>
-            <a:r>
-              <a:rPr lang="en-US" dirty="0" err="1">
-                <a:solidFill>
-                  <a:srgbClr val="A4B0B1"/>
-                </a:solidFill>
-                <a:latin typeface="Courier New"/>
-                <a:ea typeface="Courier New"/>
-                <a:cs typeface="Courier New"/>
-              </a:rPr>
-              <a:t>.Println</a:t>
-            </a:r>
-            <a:r>
-              <a:rPr lang="en-US" dirty="0">
-                <a:solidFill>
-                  <a:srgbClr val="A4B0B1"/>
-                </a:solidFill>
-                <a:latin typeface="Courier New"/>
-                <a:ea typeface="Courier New"/>
-                <a:cs typeface="Courier New"/>
-              </a:rPr>
-              <a:t>(</a:t>
-            </a:r>
-            <a:r>
-              <a:rPr lang="en-US" dirty="0">
-                <a:solidFill>
-                  <a:srgbClr val="E6493D"/>
-                </a:solidFill>
-                <a:latin typeface="Courier New"/>
-                <a:ea typeface="Courier New"/>
-                <a:cs typeface="Courier New"/>
-              </a:rPr>
-              <a:t>"8 is divisible by 4"</a:t>
-            </a:r>
-            <a:r>
-              <a:rPr lang="en-US" dirty="0">
-                <a:solidFill>
-                  <a:srgbClr val="A4B0B1"/>
-                </a:solidFill>
-                <a:latin typeface="Courier New"/>
-                <a:ea typeface="Courier New"/>
-                <a:cs typeface="Courier New"/>
-              </a:rPr>
-              <a:t>)</a:t>
-            </a:r>
-            <a:endParaRPr lang="en-US" dirty="0">
-              <a:solidFill>
-                <a:srgbClr val="000000"/>
-              </a:solidFill>
-              <a:latin typeface="Courier New"/>
-              <a:ea typeface="Courier New"/>
-              <a:cs typeface="Courier New"/>
-            </a:endParaRPr>
-          </a:p>
-          <a:p>
-            <a:r>
-              <a:rPr lang="en-US" dirty="0">
-                <a:solidFill>
-                  <a:srgbClr val="000000"/>
-                </a:solidFill>
-                <a:latin typeface="Courier New"/>
-                <a:ea typeface="Courier New"/>
-                <a:cs typeface="Courier New"/>
-              </a:rPr>
-              <a:t>    </a:t>
-            </a:r>
-            <a:r>
-              <a:rPr lang="en-US" dirty="0">
-                <a:solidFill>
-                  <a:srgbClr val="A4B0B1"/>
-                </a:solidFill>
-                <a:latin typeface="Courier New"/>
-                <a:ea typeface="Courier New"/>
-                <a:cs typeface="Courier New"/>
-              </a:rPr>
-              <a:t>}</a:t>
-            </a:r>
-            <a:endParaRPr lang="en-US" dirty="0">
-              <a:solidFill>
-                <a:srgbClr val="000000"/>
-              </a:solidFill>
-              <a:latin typeface="Courier New"/>
-              <a:ea typeface="Courier New"/>
-              <a:cs typeface="Courier New"/>
-            </a:endParaRPr>
-          </a:p>
-          <a:p>
-            <a:endParaRPr lang="en-US" dirty="0">
-              <a:solidFill>
-                <a:srgbClr val="000000"/>
-              </a:solidFill>
-              <a:latin typeface="Courier New"/>
-              <a:ea typeface="Courier New"/>
-              <a:cs typeface="Courier New"/>
-            </a:endParaRPr>
-          </a:p>
-          <a:p>
-            <a:r>
-              <a:rPr lang="en-US" dirty="0">
-                <a:solidFill>
-                  <a:srgbClr val="000000"/>
-                </a:solidFill>
-                <a:latin typeface="Courier New"/>
-                <a:ea typeface="Courier New"/>
-                <a:cs typeface="Courier New"/>
-              </a:rPr>
-              <a:t>    </a:t>
-            </a:r>
-            <a:r>
-              <a:rPr lang="en-US" dirty="0">
-                <a:solidFill>
-                  <a:srgbClr val="D7601A"/>
-                </a:solidFill>
-                <a:latin typeface="Courier New"/>
-                <a:ea typeface="Courier New"/>
-                <a:cs typeface="Courier New"/>
-              </a:rPr>
-              <a:t>if</a:t>
-            </a:r>
-            <a:r>
-              <a:rPr lang="en-US" dirty="0">
-                <a:solidFill>
-                  <a:srgbClr val="000000"/>
-                </a:solidFill>
-                <a:latin typeface="Courier New"/>
-                <a:ea typeface="Courier New"/>
-                <a:cs typeface="Courier New"/>
-              </a:rPr>
-              <a:t> </a:t>
-            </a:r>
-            <a:r>
-              <a:rPr lang="en-US" dirty="0" err="1">
-                <a:solidFill>
-                  <a:srgbClr val="95A5A7"/>
-                </a:solidFill>
-                <a:latin typeface="Courier New"/>
-                <a:ea typeface="Courier New"/>
-                <a:cs typeface="Courier New"/>
-              </a:rPr>
-              <a:t>num</a:t>
-            </a:r>
-            <a:r>
-              <a:rPr lang="en-US" dirty="0">
-                <a:solidFill>
-                  <a:srgbClr val="000000"/>
-                </a:solidFill>
-                <a:latin typeface="Courier New"/>
-                <a:ea typeface="Courier New"/>
-                <a:cs typeface="Courier New"/>
-              </a:rPr>
-              <a:t> </a:t>
-            </a:r>
-            <a:r>
-              <a:rPr lang="en-US" dirty="0">
-                <a:solidFill>
-                  <a:srgbClr val="A4B0B1"/>
-                </a:solidFill>
-                <a:latin typeface="Courier New"/>
-                <a:ea typeface="Courier New"/>
-                <a:cs typeface="Courier New"/>
-              </a:rPr>
-              <a:t>:=</a:t>
-            </a:r>
-            <a:r>
-              <a:rPr lang="en-US" dirty="0">
-                <a:solidFill>
-                  <a:srgbClr val="000000"/>
-                </a:solidFill>
-                <a:latin typeface="Courier New"/>
-                <a:ea typeface="Courier New"/>
-                <a:cs typeface="Courier New"/>
-              </a:rPr>
-              <a:t> </a:t>
-            </a:r>
-            <a:r>
-              <a:rPr lang="en-US" dirty="0">
-                <a:solidFill>
-                  <a:srgbClr val="E6493D"/>
-                </a:solidFill>
-                <a:latin typeface="Courier New"/>
-                <a:ea typeface="Courier New"/>
-                <a:cs typeface="Courier New"/>
-              </a:rPr>
-              <a:t>9</a:t>
-            </a:r>
-            <a:r>
-              <a:rPr lang="en-US" dirty="0">
-                <a:solidFill>
-                  <a:srgbClr val="A4B0B1"/>
-                </a:solidFill>
-                <a:latin typeface="Courier New"/>
-                <a:ea typeface="Courier New"/>
-                <a:cs typeface="Courier New"/>
-              </a:rPr>
-              <a:t>;</a:t>
-            </a:r>
-            <a:r>
-              <a:rPr lang="en-US" dirty="0">
-                <a:solidFill>
-                  <a:srgbClr val="000000"/>
-                </a:solidFill>
-                <a:latin typeface="Courier New"/>
-                <a:ea typeface="Courier New"/>
-                <a:cs typeface="Courier New"/>
-              </a:rPr>
-              <a:t> </a:t>
-            </a:r>
-            <a:r>
-              <a:rPr lang="en-US" dirty="0" err="1">
-                <a:solidFill>
-                  <a:srgbClr val="95A5A7"/>
-                </a:solidFill>
-                <a:latin typeface="Courier New"/>
-                <a:ea typeface="Courier New"/>
-                <a:cs typeface="Courier New"/>
-              </a:rPr>
-              <a:t>num</a:t>
-            </a:r>
-            <a:r>
-              <a:rPr lang="en-US" dirty="0">
-                <a:solidFill>
-                  <a:srgbClr val="000000"/>
-                </a:solidFill>
-                <a:latin typeface="Courier New"/>
-                <a:ea typeface="Courier New"/>
-                <a:cs typeface="Courier New"/>
-              </a:rPr>
-              <a:t> </a:t>
-            </a:r>
-            <a:r>
-              <a:rPr lang="en-US" dirty="0">
-                <a:solidFill>
-                  <a:srgbClr val="A4B0B1"/>
-                </a:solidFill>
-                <a:latin typeface="Courier New"/>
-                <a:ea typeface="Courier New"/>
-                <a:cs typeface="Courier New"/>
-              </a:rPr>
-              <a:t>&lt;</a:t>
-            </a:r>
-            <a:r>
-              <a:rPr lang="en-US" dirty="0">
-                <a:solidFill>
-                  <a:srgbClr val="000000"/>
-                </a:solidFill>
-                <a:latin typeface="Courier New"/>
-                <a:ea typeface="Courier New"/>
-                <a:cs typeface="Courier New"/>
-              </a:rPr>
-              <a:t> </a:t>
-            </a:r>
-            <a:r>
-              <a:rPr lang="en-US" dirty="0">
-                <a:solidFill>
-                  <a:srgbClr val="E6493D"/>
-                </a:solidFill>
-                <a:latin typeface="Courier New"/>
-                <a:ea typeface="Courier New"/>
-                <a:cs typeface="Courier New"/>
-              </a:rPr>
-              <a:t>0</a:t>
-            </a:r>
-            <a:r>
-              <a:rPr lang="en-US" dirty="0">
-                <a:solidFill>
-                  <a:srgbClr val="000000"/>
-                </a:solidFill>
-                <a:latin typeface="Courier New"/>
-                <a:ea typeface="Courier New"/>
-                <a:cs typeface="Courier New"/>
-              </a:rPr>
-              <a:t> </a:t>
-            </a:r>
-            <a:r>
-              <a:rPr lang="en-US" dirty="0">
-                <a:solidFill>
-                  <a:srgbClr val="A4B0B1"/>
-                </a:solidFill>
-                <a:latin typeface="Courier New"/>
-                <a:ea typeface="Courier New"/>
-                <a:cs typeface="Courier New"/>
-              </a:rPr>
-              <a:t>{</a:t>
-            </a:r>
-            <a:endParaRPr lang="en-US" dirty="0">
-              <a:solidFill>
-                <a:srgbClr val="000000"/>
-              </a:solidFill>
-              <a:latin typeface="Courier New"/>
-              <a:ea typeface="Courier New"/>
-              <a:cs typeface="Courier New"/>
-            </a:endParaRPr>
-          </a:p>
-          <a:p>
-            <a:r>
-              <a:rPr lang="en-US" dirty="0">
-                <a:solidFill>
-                  <a:srgbClr val="95A5A7"/>
-                </a:solidFill>
-                <a:latin typeface="Courier New"/>
-                <a:ea typeface="Courier New"/>
-                <a:cs typeface="Courier New"/>
-              </a:rPr>
-              <a:t>        </a:t>
-            </a:r>
-            <a:r>
-              <a:rPr lang="en-US" dirty="0" err="1">
-                <a:solidFill>
-                  <a:srgbClr val="95A5A7"/>
-                </a:solidFill>
-                <a:latin typeface="Courier New"/>
-                <a:ea typeface="Courier New"/>
-                <a:cs typeface="Courier New"/>
-              </a:rPr>
-              <a:t>fmt</a:t>
-            </a:r>
-            <a:r>
-              <a:rPr lang="en-US" dirty="0" err="1">
-                <a:solidFill>
-                  <a:srgbClr val="A4B0B1"/>
-                </a:solidFill>
-                <a:latin typeface="Courier New"/>
-                <a:ea typeface="Courier New"/>
-                <a:cs typeface="Courier New"/>
-              </a:rPr>
-              <a:t>.Println</a:t>
-            </a:r>
-            <a:r>
-              <a:rPr lang="en-US" dirty="0">
-                <a:solidFill>
-                  <a:srgbClr val="A4B0B1"/>
-                </a:solidFill>
-                <a:latin typeface="Courier New"/>
-                <a:ea typeface="Courier New"/>
-                <a:cs typeface="Courier New"/>
-              </a:rPr>
-              <a:t>(</a:t>
-            </a:r>
-            <a:r>
-              <a:rPr lang="en-US" dirty="0" err="1">
-                <a:solidFill>
-                  <a:srgbClr val="95A5A7"/>
-                </a:solidFill>
-                <a:latin typeface="Courier New"/>
-                <a:ea typeface="Courier New"/>
-                <a:cs typeface="Courier New"/>
-              </a:rPr>
-              <a:t>num</a:t>
-            </a:r>
-            <a:r>
-              <a:rPr lang="en-US" dirty="0">
-                <a:solidFill>
-                  <a:srgbClr val="A4B0B1"/>
-                </a:solidFill>
-                <a:latin typeface="Courier New"/>
-                <a:ea typeface="Courier New"/>
-                <a:cs typeface="Courier New"/>
-              </a:rPr>
-              <a:t>,</a:t>
-            </a:r>
-            <a:r>
-              <a:rPr lang="en-US" dirty="0">
-                <a:solidFill>
-                  <a:srgbClr val="000000"/>
-                </a:solidFill>
-                <a:latin typeface="Courier New"/>
-                <a:ea typeface="Courier New"/>
-                <a:cs typeface="Courier New"/>
-              </a:rPr>
-              <a:t> </a:t>
-            </a:r>
-            <a:r>
-              <a:rPr lang="en-US" dirty="0">
-                <a:solidFill>
-                  <a:srgbClr val="E6493D"/>
-                </a:solidFill>
-                <a:latin typeface="Courier New"/>
-                <a:ea typeface="Courier New"/>
-                <a:cs typeface="Courier New"/>
-              </a:rPr>
-              <a:t>"is negative"</a:t>
-            </a:r>
-            <a:r>
-              <a:rPr lang="en-US" dirty="0">
-                <a:solidFill>
-                  <a:srgbClr val="A4B0B1"/>
-                </a:solidFill>
-                <a:latin typeface="Courier New"/>
-                <a:ea typeface="Courier New"/>
-                <a:cs typeface="Courier New"/>
-              </a:rPr>
-              <a:t>)</a:t>
-            </a:r>
-            <a:endParaRPr lang="en-US" dirty="0">
-              <a:solidFill>
-                <a:srgbClr val="000000"/>
-              </a:solidFill>
-              <a:latin typeface="Courier New"/>
-              <a:ea typeface="Courier New"/>
-              <a:cs typeface="Courier New"/>
-            </a:endParaRPr>
-          </a:p>
-          <a:p>
-            <a:r>
-              <a:rPr lang="en-US" dirty="0">
-                <a:solidFill>
-                  <a:srgbClr val="000000"/>
-                </a:solidFill>
-                <a:latin typeface="Courier New"/>
-                <a:ea typeface="Courier New"/>
-                <a:cs typeface="Courier New"/>
-              </a:rPr>
-              <a:t>    </a:t>
-            </a:r>
-            <a:r>
-              <a:rPr lang="en-US" dirty="0">
-                <a:solidFill>
-                  <a:srgbClr val="A4B0B1"/>
-                </a:solidFill>
-                <a:latin typeface="Courier New"/>
-                <a:ea typeface="Courier New"/>
-                <a:cs typeface="Courier New"/>
-              </a:rPr>
-              <a:t>}</a:t>
-            </a:r>
-            <a:r>
-              <a:rPr lang="en-US" dirty="0">
-                <a:solidFill>
-                  <a:srgbClr val="000000"/>
-                </a:solidFill>
-                <a:latin typeface="Courier New"/>
-                <a:ea typeface="Courier New"/>
-                <a:cs typeface="Courier New"/>
-              </a:rPr>
-              <a:t> </a:t>
-            </a:r>
-            <a:r>
-              <a:rPr lang="en-US" dirty="0">
-                <a:solidFill>
-                  <a:srgbClr val="D7601A"/>
-                </a:solidFill>
-                <a:latin typeface="Courier New"/>
-                <a:ea typeface="Courier New"/>
-                <a:cs typeface="Courier New"/>
-              </a:rPr>
-              <a:t>else if</a:t>
-            </a:r>
-            <a:r>
-              <a:rPr lang="en-US" dirty="0">
-                <a:solidFill>
-                  <a:srgbClr val="000000"/>
-                </a:solidFill>
-                <a:latin typeface="Courier New"/>
-                <a:ea typeface="Courier New"/>
-                <a:cs typeface="Courier New"/>
-              </a:rPr>
-              <a:t> </a:t>
-            </a:r>
-            <a:r>
-              <a:rPr lang="en-US" dirty="0" err="1">
-                <a:solidFill>
-                  <a:srgbClr val="95A5A7"/>
-                </a:solidFill>
-                <a:latin typeface="Courier New"/>
-                <a:ea typeface="Courier New"/>
-                <a:cs typeface="Courier New"/>
-              </a:rPr>
-              <a:t>num</a:t>
-            </a:r>
-            <a:r>
-              <a:rPr lang="en-US" dirty="0">
-                <a:solidFill>
-                  <a:srgbClr val="000000"/>
-                </a:solidFill>
-                <a:latin typeface="Courier New"/>
-                <a:ea typeface="Courier New"/>
-                <a:cs typeface="Courier New"/>
-              </a:rPr>
-              <a:t> </a:t>
-            </a:r>
-            <a:r>
-              <a:rPr lang="en-US" dirty="0">
-                <a:solidFill>
-                  <a:srgbClr val="A4B0B1"/>
-                </a:solidFill>
-                <a:latin typeface="Courier New"/>
-                <a:ea typeface="Courier New"/>
-                <a:cs typeface="Courier New"/>
-              </a:rPr>
-              <a:t>&lt;</a:t>
-            </a:r>
-            <a:r>
-              <a:rPr lang="en-US" dirty="0">
-                <a:solidFill>
-                  <a:srgbClr val="000000"/>
-                </a:solidFill>
-                <a:latin typeface="Courier New"/>
-                <a:ea typeface="Courier New"/>
-                <a:cs typeface="Courier New"/>
-              </a:rPr>
-              <a:t> </a:t>
-            </a:r>
-            <a:r>
-              <a:rPr lang="en-US" dirty="0">
-                <a:solidFill>
-                  <a:srgbClr val="E6493D"/>
-                </a:solidFill>
-                <a:latin typeface="Courier New"/>
-                <a:ea typeface="Courier New"/>
-                <a:cs typeface="Courier New"/>
-              </a:rPr>
-              <a:t>10</a:t>
-            </a:r>
-            <a:r>
-              <a:rPr lang="en-US" dirty="0">
-                <a:solidFill>
-                  <a:srgbClr val="000000"/>
-                </a:solidFill>
-                <a:latin typeface="Courier New"/>
-                <a:ea typeface="Courier New"/>
-                <a:cs typeface="Courier New"/>
-              </a:rPr>
-              <a:t> </a:t>
-            </a:r>
-            <a:r>
-              <a:rPr lang="en-US" dirty="0">
-                <a:solidFill>
-                  <a:srgbClr val="A4B0B1"/>
-                </a:solidFill>
-                <a:latin typeface="Courier New"/>
-                <a:ea typeface="Courier New"/>
-                <a:cs typeface="Courier New"/>
-              </a:rPr>
-              <a:t>{</a:t>
-            </a:r>
-            <a:endParaRPr lang="en-US" dirty="0">
-              <a:solidFill>
-                <a:srgbClr val="000000"/>
-              </a:solidFill>
-              <a:latin typeface="Courier New"/>
-              <a:ea typeface="Courier New"/>
-              <a:cs typeface="Courier New"/>
-            </a:endParaRPr>
-          </a:p>
-          <a:p>
-            <a:r>
-              <a:rPr lang="en-US" dirty="0">
-                <a:solidFill>
-                  <a:srgbClr val="95A5A7"/>
-                </a:solidFill>
-                <a:latin typeface="Courier New"/>
-                <a:ea typeface="Courier New"/>
-                <a:cs typeface="Courier New"/>
-              </a:rPr>
-              <a:t>        </a:t>
-            </a:r>
-            <a:r>
-              <a:rPr lang="en-US" dirty="0" err="1">
-                <a:solidFill>
-                  <a:srgbClr val="95A5A7"/>
-                </a:solidFill>
-                <a:latin typeface="Courier New"/>
-                <a:ea typeface="Courier New"/>
-                <a:cs typeface="Courier New"/>
-              </a:rPr>
-              <a:t>fmt</a:t>
-            </a:r>
-            <a:r>
-              <a:rPr lang="en-US" dirty="0" err="1">
-                <a:solidFill>
-                  <a:srgbClr val="A4B0B1"/>
-                </a:solidFill>
-                <a:latin typeface="Courier New"/>
-                <a:ea typeface="Courier New"/>
-                <a:cs typeface="Courier New"/>
-              </a:rPr>
-              <a:t>.Println</a:t>
-            </a:r>
-            <a:r>
-              <a:rPr lang="en-US" dirty="0">
-                <a:solidFill>
-                  <a:srgbClr val="A4B0B1"/>
-                </a:solidFill>
-                <a:latin typeface="Courier New"/>
-                <a:ea typeface="Courier New"/>
-                <a:cs typeface="Courier New"/>
-              </a:rPr>
-              <a:t>(</a:t>
-            </a:r>
-            <a:r>
-              <a:rPr lang="en-US" dirty="0" err="1">
-                <a:solidFill>
-                  <a:srgbClr val="95A5A7"/>
-                </a:solidFill>
-                <a:latin typeface="Courier New"/>
-                <a:ea typeface="Courier New"/>
-                <a:cs typeface="Courier New"/>
-              </a:rPr>
-              <a:t>num</a:t>
-            </a:r>
-            <a:r>
-              <a:rPr lang="en-US" dirty="0">
-                <a:solidFill>
-                  <a:srgbClr val="A4B0B1"/>
-                </a:solidFill>
-                <a:latin typeface="Courier New"/>
-                <a:ea typeface="Courier New"/>
-                <a:cs typeface="Courier New"/>
-              </a:rPr>
-              <a:t>,</a:t>
-            </a:r>
-            <a:r>
-              <a:rPr lang="en-US" dirty="0">
-                <a:solidFill>
-                  <a:srgbClr val="000000"/>
-                </a:solidFill>
-                <a:latin typeface="Courier New"/>
-                <a:ea typeface="Courier New"/>
-                <a:cs typeface="Courier New"/>
-              </a:rPr>
-              <a:t> </a:t>
-            </a:r>
-            <a:r>
-              <a:rPr lang="en-US" dirty="0">
-                <a:solidFill>
-                  <a:srgbClr val="E6493D"/>
-                </a:solidFill>
-                <a:latin typeface="Courier New"/>
-                <a:ea typeface="Courier New"/>
-                <a:cs typeface="Courier New"/>
-              </a:rPr>
-              <a:t>"has 1 digit"</a:t>
-            </a:r>
-            <a:r>
-              <a:rPr lang="en-US" dirty="0">
-                <a:solidFill>
-                  <a:srgbClr val="A4B0B1"/>
-                </a:solidFill>
-                <a:latin typeface="Courier New"/>
-                <a:ea typeface="Courier New"/>
-                <a:cs typeface="Courier New"/>
-              </a:rPr>
-              <a:t>)</a:t>
-            </a:r>
-            <a:endParaRPr lang="en-US" dirty="0">
-              <a:solidFill>
-                <a:srgbClr val="000000"/>
-              </a:solidFill>
-              <a:latin typeface="Courier New"/>
-              <a:ea typeface="Courier New"/>
-              <a:cs typeface="Courier New"/>
-            </a:endParaRPr>
-          </a:p>
-          <a:p>
-            <a:r>
-              <a:rPr lang="en-US" dirty="0">
-                <a:solidFill>
-                  <a:srgbClr val="000000"/>
-                </a:solidFill>
-                <a:latin typeface="Courier New"/>
-                <a:ea typeface="Courier New"/>
-                <a:cs typeface="Courier New"/>
-              </a:rPr>
-              <a:t>    </a:t>
-            </a:r>
-            <a:r>
-              <a:rPr lang="en-US" dirty="0">
-                <a:solidFill>
-                  <a:srgbClr val="A4B0B1"/>
-                </a:solidFill>
-                <a:latin typeface="Courier New"/>
-                <a:ea typeface="Courier New"/>
-                <a:cs typeface="Courier New"/>
-              </a:rPr>
-              <a:t>}</a:t>
-            </a:r>
-            <a:r>
-              <a:rPr lang="en-US" dirty="0">
-                <a:solidFill>
-                  <a:srgbClr val="000000"/>
-                </a:solidFill>
-                <a:latin typeface="Courier New"/>
-                <a:ea typeface="Courier New"/>
-                <a:cs typeface="Courier New"/>
-              </a:rPr>
-              <a:t> </a:t>
-            </a:r>
-            <a:r>
-              <a:rPr lang="en-US" dirty="0">
-                <a:solidFill>
-                  <a:srgbClr val="D7601A"/>
-                </a:solidFill>
-                <a:latin typeface="Courier New"/>
-                <a:ea typeface="Courier New"/>
-                <a:cs typeface="Courier New"/>
-              </a:rPr>
-              <a:t>else</a:t>
-            </a:r>
-            <a:r>
-              <a:rPr lang="en-US" dirty="0">
-                <a:solidFill>
-                  <a:srgbClr val="000000"/>
-                </a:solidFill>
-                <a:latin typeface="Courier New"/>
-                <a:ea typeface="Courier New"/>
-                <a:cs typeface="Courier New"/>
-              </a:rPr>
-              <a:t> </a:t>
-            </a:r>
-            <a:r>
-              <a:rPr lang="en-US" dirty="0">
-                <a:solidFill>
-                  <a:srgbClr val="A4B0B1"/>
-                </a:solidFill>
-                <a:latin typeface="Courier New"/>
-                <a:ea typeface="Courier New"/>
-                <a:cs typeface="Courier New"/>
-              </a:rPr>
-              <a:t>{</a:t>
-            </a:r>
-            <a:endParaRPr lang="en-US" dirty="0">
-              <a:solidFill>
-                <a:srgbClr val="000000"/>
-              </a:solidFill>
-              <a:latin typeface="Courier New"/>
-              <a:ea typeface="Courier New"/>
-              <a:cs typeface="Courier New"/>
-            </a:endParaRPr>
-          </a:p>
-          <a:p>
-            <a:r>
-              <a:rPr lang="en-US" dirty="0">
-                <a:solidFill>
-                  <a:srgbClr val="95A5A7"/>
-                </a:solidFill>
-                <a:latin typeface="Courier New"/>
-                <a:ea typeface="Courier New"/>
-                <a:cs typeface="Courier New"/>
-              </a:rPr>
-              <a:t>        </a:t>
-            </a:r>
-            <a:r>
-              <a:rPr lang="en-US" dirty="0" err="1">
-                <a:solidFill>
-                  <a:srgbClr val="95A5A7"/>
-                </a:solidFill>
-                <a:latin typeface="Courier New"/>
-                <a:ea typeface="Courier New"/>
-                <a:cs typeface="Courier New"/>
-              </a:rPr>
-              <a:t>fmt</a:t>
-            </a:r>
-            <a:r>
-              <a:rPr lang="en-US" dirty="0" err="1">
-                <a:solidFill>
-                  <a:srgbClr val="A4B0B1"/>
-                </a:solidFill>
-                <a:latin typeface="Courier New"/>
-                <a:ea typeface="Courier New"/>
-                <a:cs typeface="Courier New"/>
-              </a:rPr>
-              <a:t>.Println</a:t>
-            </a:r>
-            <a:r>
-              <a:rPr lang="en-US" dirty="0">
-                <a:solidFill>
-                  <a:srgbClr val="A4B0B1"/>
-                </a:solidFill>
-                <a:latin typeface="Courier New"/>
-                <a:ea typeface="Courier New"/>
-                <a:cs typeface="Courier New"/>
-              </a:rPr>
-              <a:t>(</a:t>
-            </a:r>
-            <a:r>
-              <a:rPr lang="en-US" dirty="0" err="1">
-                <a:solidFill>
-                  <a:srgbClr val="95A5A7"/>
-                </a:solidFill>
-                <a:latin typeface="Courier New"/>
-                <a:ea typeface="Courier New"/>
-                <a:cs typeface="Courier New"/>
-              </a:rPr>
-              <a:t>num</a:t>
-            </a:r>
-            <a:r>
-              <a:rPr lang="en-US" dirty="0">
-                <a:solidFill>
-                  <a:srgbClr val="A4B0B1"/>
-                </a:solidFill>
-                <a:latin typeface="Courier New"/>
-                <a:ea typeface="Courier New"/>
-                <a:cs typeface="Courier New"/>
-              </a:rPr>
-              <a:t>,</a:t>
-            </a:r>
-            <a:r>
-              <a:rPr lang="en-US" dirty="0">
-                <a:solidFill>
-                  <a:srgbClr val="000000"/>
-                </a:solidFill>
-                <a:latin typeface="Courier New"/>
-                <a:ea typeface="Courier New"/>
-                <a:cs typeface="Courier New"/>
-              </a:rPr>
-              <a:t> </a:t>
-            </a:r>
-            <a:r>
-              <a:rPr lang="en-US" dirty="0">
-                <a:solidFill>
-                  <a:srgbClr val="E6493D"/>
-                </a:solidFill>
-                <a:latin typeface="Courier New"/>
-                <a:ea typeface="Courier New"/>
-                <a:cs typeface="Courier New"/>
-              </a:rPr>
-              <a:t>"has multiple digits"</a:t>
-            </a:r>
-            <a:r>
-              <a:rPr lang="en-US" dirty="0">
-                <a:solidFill>
-                  <a:srgbClr val="A4B0B1"/>
-                </a:solidFill>
-                <a:latin typeface="Courier New"/>
-                <a:ea typeface="Courier New"/>
-                <a:cs typeface="Courier New"/>
-              </a:rPr>
-              <a:t>)</a:t>
-            </a:r>
-            <a:endParaRPr lang="en-US" dirty="0">
-              <a:solidFill>
-                <a:srgbClr val="000000"/>
-              </a:solidFill>
-              <a:latin typeface="Courier New"/>
-              <a:ea typeface="Courier New"/>
-              <a:cs typeface="Courier New"/>
-            </a:endParaRPr>
-          </a:p>
-          <a:p>
-            <a:r>
-              <a:rPr lang="en-US" dirty="0">
-                <a:solidFill>
-                  <a:srgbClr val="000000"/>
-                </a:solidFill>
-                <a:latin typeface="Courier New"/>
-                <a:ea typeface="Courier New"/>
-                <a:cs typeface="Courier New"/>
-              </a:rPr>
-              <a:t>    </a:t>
-            </a:r>
-            <a:r>
-              <a:rPr lang="en-US" dirty="0">
-                <a:solidFill>
-                  <a:srgbClr val="A4B0B1"/>
-                </a:solidFill>
-                <a:latin typeface="Courier New"/>
-                <a:ea typeface="Courier New"/>
-                <a:cs typeface="Courier New"/>
-              </a:rPr>
-              <a:t>}</a:t>
-            </a:r>
-            <a:endParaRPr lang="en-US" dirty="0">
-              <a:solidFill>
-                <a:srgbClr val="000000"/>
-              </a:solidFill>
-              <a:latin typeface="Courier New"/>
-              <a:ea typeface="Courier New"/>
-              <a:cs typeface="Courier New"/>
-            </a:endParaRPr>
-          </a:p>
-          <a:p>
-            <a:r>
-              <a:rPr lang="en-US" dirty="0">
-                <a:solidFill>
-                  <a:srgbClr val="A4B0B1"/>
-                </a:solidFill>
-                <a:latin typeface="Courier New"/>
-                <a:ea typeface="Courier New"/>
-                <a:cs typeface="Courier New"/>
-              </a:rPr>
-              <a:t>}</a:t>
-            </a:r>
-            <a:endParaRPr lang="en-US" dirty="0"/>
-          </a:p>
-        </p:txBody>
-      </p:sp>
-      <p:sp>
-        <p:nvSpPr>
-          <p:cNvPr id="2" name="Title 1"/>
-          <p:cNvSpPr>
-            <a:spLocks noGrp="1"/>
-          </p:cNvSpPr>
-          <p:nvPr>
-            <p:ph type="title"/>
-          </p:nvPr>
-        </p:nvSpPr>
-        <p:spPr>
-          <a:xfrm>
-            <a:off x="4222968" y="172946"/>
-            <a:ext cx="4666667" cy="551537"/>
-          </a:xfrm>
-        </p:spPr>
-        <p:style>
-          <a:lnRef idx="2">
-            <a:schemeClr val="accent6"/>
-          </a:lnRef>
-          <a:fillRef idx="1">
-            <a:schemeClr val="lt1"/>
-          </a:fillRef>
-          <a:effectRef idx="0">
-            <a:schemeClr val="accent6"/>
-          </a:effectRef>
-          <a:fontRef idx="minor">
-            <a:schemeClr val="dk1"/>
-          </a:fontRef>
-        </p:style>
-        <p:txBody>
-          <a:bodyPr>
-            <a:normAutofit fontScale="90000"/>
-          </a:bodyPr>
-          <a:lstStyle/>
-          <a:p>
-            <a:r>
-              <a:rPr lang="en-US" dirty="0" smtClean="0"/>
-              <a:t>03.1-branchingif.go</a:t>
-            </a:r>
-            <a:endParaRPr lang="en-US" dirty="0"/>
-          </a:p>
-        </p:txBody>
-      </p:sp>
-    </p:spTree>
-    <p:extLst>
-      <p:ext uri="{BB962C8B-B14F-4D97-AF65-F5344CB8AC3E}">
-        <p14:creationId xmlns:p14="http://schemas.microsoft.com/office/powerpoint/2010/main" val="2047950276"/>
       </p:ext>
     </p:extLst>
   </p:cSld>

--- a/beginner/Golang beginner workshop.pptx
+++ b/beginner/Golang beginner workshop.pptx
@@ -17611,7 +17611,9 @@
         </p:nvSpPr>
         <p:spPr/>
         <p:txBody>
-          <a:bodyPr/>
+          <a:bodyPr>
+            <a:normAutofit fontScale="92500" lnSpcReduction="20000"/>
+          </a:bodyPr>
           <a:lstStyle/>
           <a:p>
             <a:r>
@@ -17650,7 +17652,55 @@
                 <a:effectLst/>
                 <a:hlinkClick r:id="rId3"/>
               </a:rPr>
-              <a:t>http://golang.org/doc/install</a:t>
+              <a:t>http://golang.org/doc/</a:t>
+            </a:r>
+            <a:r>
+              <a:rPr lang="en-US" dirty="0" smtClean="0">
+                <a:effectLst/>
+                <a:hlinkClick r:id="rId3"/>
+              </a:rPr>
+              <a:t>install</a:t>
+            </a:r>
+            <a:endParaRPr lang="en-US" dirty="0"/>
+          </a:p>
+          <a:p>
+            <a:pPr marL="0" indent="0" algn="ctr">
+              <a:buNone/>
+            </a:pPr>
+            <a:r>
+              <a:rPr lang="en-US" dirty="0" smtClean="0"/>
+              <a:t>Or</a:t>
+            </a:r>
+          </a:p>
+          <a:p>
+            <a:pPr marL="0" indent="0" algn="ctr">
+              <a:buNone/>
+            </a:pPr>
+            <a:r>
+              <a:rPr lang="en-US" dirty="0" smtClean="0">
+                <a:effectLst/>
+              </a:rPr>
+              <a:t>Follow </a:t>
+            </a:r>
+            <a:r>
+              <a:rPr lang="en-US" dirty="0"/>
+              <a:t>along with </a:t>
+            </a:r>
+            <a:r>
+              <a:rPr lang="en-US" dirty="0">
+                <a:hlinkClick r:id="rId4"/>
+              </a:rPr>
+              <a:t>http://tour.golang.org</a:t>
+            </a:r>
+            <a:r>
+              <a:rPr lang="en-US" dirty="0" smtClean="0">
+                <a:hlinkClick r:id="rId4"/>
+              </a:rPr>
+              <a:t>/</a:t>
+            </a:r>
+            <a:r>
+              <a:rPr lang="en-US" dirty="0" smtClean="0"/>
+              <a:t> </a:t>
             </a:r>
             <a:endParaRPr lang="en-US" dirty="0" smtClean="0">
               <a:effectLst/>
@@ -17670,13 +17720,13 @@
             </a:br>
             <a:r>
               <a:rPr lang="en-US" dirty="0">
-                <a:hlinkClick r:id="rId4"/>
+                <a:hlinkClick r:id="rId5"/>
               </a:rPr>
               <a:t>https://github.com/cksachdev/golang-presentations/tree/master/</a:t>
             </a:r>
             <a:r>
               <a:rPr lang="en-US" dirty="0" smtClean="0">
-                <a:hlinkClick r:id="rId4"/>
+                <a:hlinkClick r:id="rId5"/>
               </a:rPr>
               <a:t>beginner</a:t>
             </a:r>
@@ -17771,7 +17821,7 @@
         </p:nvSpPr>
         <p:spPr>
           <a:xfrm>
-            <a:off x="457200" y="1600201"/>
+            <a:off x="457200" y="1417638"/>
             <a:ext cx="8229600" cy="694724"/>
           </a:xfrm>
         </p:spPr>
@@ -17811,7 +17861,7 @@
         </p:blipFill>
         <p:spPr>
           <a:xfrm>
-            <a:off x="1086215" y="2434317"/>
+            <a:off x="1086215" y="1877830"/>
             <a:ext cx="6655871" cy="3691846"/>
           </a:xfrm>
           <a:prstGeom prst="rect">
